--- a/01-LED/01_Pro_ucitele/Prezentace/11-uvod.pptx
+++ b/01-LED/01_Pro_ucitele/Prezentace/11-uvod.pptx
@@ -1,26 +1,121 @@
 
 <file path=ppt/presentation.xml><?xml version="1.0" encoding="utf-8"?>
-<p:presentation xmlns:a="http://schemas.openxmlformats.org/drawingml/2006/main" xmlns:p="http://schemas.openxmlformats.org/presentationml/2006/main" xmlns:r="http://schemas.openxmlformats.org/officeDocument/2006/relationships" xmlns:p14="http://schemas.microsoft.com/office/powerpoint/2010/main" xmlns:p15="http://schemas.microsoft.com/office/powerpoint/2012/main" xmlns:mc="http://schemas.openxmlformats.org/markup-compatibility/2006">
+<p:presentation xmlns:a="http://schemas.openxmlformats.org/drawingml/2006/main" xmlns:r="http://schemas.openxmlformats.org/officeDocument/2006/relationships" xmlns:p="http://schemas.openxmlformats.org/presentationml/2006/main">
   <p:sldMasterIdLst>
-    <p:sldMasterId id="2147483648" r:id="rId2"/>
-    <p:sldMasterId id="2147483661" r:id="rId3"/>
-    <p:sldMasterId id="2147483674" r:id="rId4"/>
-    <p:sldMasterId id="2147483687" r:id="rId5"/>
+    <p:sldMasterId id="2147483648" r:id="rId1"/>
+    <p:sldMasterId id="2147483661" r:id="rId2"/>
+    <p:sldMasterId id="2147483674" r:id="rId3"/>
+    <p:sldMasterId id="2147483687" r:id="rId4"/>
   </p:sldMasterIdLst>
   <p:sldIdLst>
-    <p:sldId id="256" r:id="rId6"/>
-    <p:sldId id="257" r:id="rId7"/>
-    <p:sldId id="258" r:id="rId8"/>
-    <p:sldId id="259" r:id="rId9"/>
-    <p:sldId id="260" r:id="rId10"/>
+    <p:sldId id="256" r:id="rId5"/>
+    <p:sldId id="257" r:id="rId6"/>
+    <p:sldId id="258" r:id="rId7"/>
+    <p:sldId id="259" r:id="rId8"/>
+    <p:sldId id="260" r:id="rId9"/>
   </p:sldIdLst>
   <p:sldSz cx="10080625" cy="7559675"/>
-  <p:notesSz cx="7559675" cy="10691812"/>
+  <p:notesSz cx="7559675" cy="10691813"/>
+  <p:defaultTextStyle>
+    <a:defPPr>
+      <a:defRPr lang="cs-CZ"/>
+    </a:defPPr>
+    <a:lvl1pPr marL="0" algn="l" defTabSz="914400" rtl="0" eaLnBrk="1" latinLnBrk="0" hangingPunct="1">
+      <a:defRPr sz="1800" kern="1200">
+        <a:solidFill>
+          <a:schemeClr val="tx1"/>
+        </a:solidFill>
+        <a:latin typeface="+mn-lt"/>
+        <a:ea typeface="+mn-ea"/>
+        <a:cs typeface="+mn-cs"/>
+      </a:defRPr>
+    </a:lvl1pPr>
+    <a:lvl2pPr marL="457200" algn="l" defTabSz="914400" rtl="0" eaLnBrk="1" latinLnBrk="0" hangingPunct="1">
+      <a:defRPr sz="1800" kern="1200">
+        <a:solidFill>
+          <a:schemeClr val="tx1"/>
+        </a:solidFill>
+        <a:latin typeface="+mn-lt"/>
+        <a:ea typeface="+mn-ea"/>
+        <a:cs typeface="+mn-cs"/>
+      </a:defRPr>
+    </a:lvl2pPr>
+    <a:lvl3pPr marL="914400" algn="l" defTabSz="914400" rtl="0" eaLnBrk="1" latinLnBrk="0" hangingPunct="1">
+      <a:defRPr sz="1800" kern="1200">
+        <a:solidFill>
+          <a:schemeClr val="tx1"/>
+        </a:solidFill>
+        <a:latin typeface="+mn-lt"/>
+        <a:ea typeface="+mn-ea"/>
+        <a:cs typeface="+mn-cs"/>
+      </a:defRPr>
+    </a:lvl3pPr>
+    <a:lvl4pPr marL="1371600" algn="l" defTabSz="914400" rtl="0" eaLnBrk="1" latinLnBrk="0" hangingPunct="1">
+      <a:defRPr sz="1800" kern="1200">
+        <a:solidFill>
+          <a:schemeClr val="tx1"/>
+        </a:solidFill>
+        <a:latin typeface="+mn-lt"/>
+        <a:ea typeface="+mn-ea"/>
+        <a:cs typeface="+mn-cs"/>
+      </a:defRPr>
+    </a:lvl4pPr>
+    <a:lvl5pPr marL="1828800" algn="l" defTabSz="914400" rtl="0" eaLnBrk="1" latinLnBrk="0" hangingPunct="1">
+      <a:defRPr sz="1800" kern="1200">
+        <a:solidFill>
+          <a:schemeClr val="tx1"/>
+        </a:solidFill>
+        <a:latin typeface="+mn-lt"/>
+        <a:ea typeface="+mn-ea"/>
+        <a:cs typeface="+mn-cs"/>
+      </a:defRPr>
+    </a:lvl5pPr>
+    <a:lvl6pPr marL="2286000" algn="l" defTabSz="914400" rtl="0" eaLnBrk="1" latinLnBrk="0" hangingPunct="1">
+      <a:defRPr sz="1800" kern="1200">
+        <a:solidFill>
+          <a:schemeClr val="tx1"/>
+        </a:solidFill>
+        <a:latin typeface="+mn-lt"/>
+        <a:ea typeface="+mn-ea"/>
+        <a:cs typeface="+mn-cs"/>
+      </a:defRPr>
+    </a:lvl6pPr>
+    <a:lvl7pPr marL="2743200" algn="l" defTabSz="914400" rtl="0" eaLnBrk="1" latinLnBrk="0" hangingPunct="1">
+      <a:defRPr sz="1800" kern="1200">
+        <a:solidFill>
+          <a:schemeClr val="tx1"/>
+        </a:solidFill>
+        <a:latin typeface="+mn-lt"/>
+        <a:ea typeface="+mn-ea"/>
+        <a:cs typeface="+mn-cs"/>
+      </a:defRPr>
+    </a:lvl7pPr>
+    <a:lvl8pPr marL="3200400" algn="l" defTabSz="914400" rtl="0" eaLnBrk="1" latinLnBrk="0" hangingPunct="1">
+      <a:defRPr sz="1800" kern="1200">
+        <a:solidFill>
+          <a:schemeClr val="tx1"/>
+        </a:solidFill>
+        <a:latin typeface="+mn-lt"/>
+        <a:ea typeface="+mn-ea"/>
+        <a:cs typeface="+mn-cs"/>
+      </a:defRPr>
+    </a:lvl8pPr>
+    <a:lvl9pPr marL="3657600" algn="l" defTabSz="914400" rtl="0" eaLnBrk="1" latinLnBrk="0" hangingPunct="1">
+      <a:defRPr sz="1800" kern="1200">
+        <a:solidFill>
+          <a:schemeClr val="tx1"/>
+        </a:solidFill>
+        <a:latin typeface="+mn-lt"/>
+        <a:ea typeface="+mn-ea"/>
+        <a:cs typeface="+mn-cs"/>
+      </a:defRPr>
+    </a:lvl9pPr>
+  </p:defaultTextStyle>
 </p:presentation>
 </file>
 
 <file path=ppt/slideLayouts/slideLayout1.xml><?xml version="1.0" encoding="utf-8"?>
-<p:sldLayout xmlns:a="http://schemas.openxmlformats.org/drawingml/2006/main" xmlns:p="http://schemas.openxmlformats.org/presentationml/2006/main" xmlns:r="http://schemas.openxmlformats.org/officeDocument/2006/relationships" xmlns:p14="http://schemas.microsoft.com/office/powerpoint/2010/main" xmlns:p15="http://schemas.microsoft.com/office/powerpoint/2012/main" xmlns:mc="http://schemas.openxmlformats.org/markup-compatibility/2006" type="blank" preserve="1">
+<p:sldLayout xmlns:a="http://schemas.openxmlformats.org/drawingml/2006/main" xmlns:r="http://schemas.openxmlformats.org/officeDocument/2006/relationships" xmlns:p="http://schemas.openxmlformats.org/presentationml/2006/main" type="blank" preserve="1">
   <p:cSld name="Blank Slide">
     <p:spTree>
       <p:nvGrpSpPr>
@@ -38,11 +133,14 @@
       </p:grpSpPr>
     </p:spTree>
   </p:cSld>
+  <p:clrMapOvr>
+    <a:masterClrMapping/>
+  </p:clrMapOvr>
 </p:sldLayout>
 </file>
 
 <file path=ppt/slideLayouts/slideLayout10.xml><?xml version="1.0" encoding="utf-8"?>
-<p:sldLayout xmlns:a="http://schemas.openxmlformats.org/drawingml/2006/main" xmlns:p="http://schemas.openxmlformats.org/presentationml/2006/main" xmlns:r="http://schemas.openxmlformats.org/officeDocument/2006/relationships" xmlns:p14="http://schemas.microsoft.com/office/powerpoint/2010/main" xmlns:p15="http://schemas.microsoft.com/office/powerpoint/2012/main" xmlns:mc="http://schemas.openxmlformats.org/markup-compatibility/2006" type="objOverTx" preserve="1">
+<p:sldLayout xmlns:a="http://schemas.openxmlformats.org/drawingml/2006/main" xmlns:r="http://schemas.openxmlformats.org/officeDocument/2006/relationships" xmlns:p="http://schemas.openxmlformats.org/presentationml/2006/main" type="objOverTx" preserve="1">
   <p:cSld name="Title, Content over Content">
     <p:spTree>
       <p:nvGrpSpPr>
@@ -78,10 +176,11 @@
           </a:prstGeom>
         </p:spPr>
         <p:txBody>
-          <a:bodyPr lIns="0" rIns="0" tIns="0" bIns="0" anchor="ctr"/>
+          <a:bodyPr lIns="0" tIns="0" rIns="0" bIns="0" anchor="ctr"/>
+          <a:lstStyle/>
           <a:p>
             <a:pPr algn="ctr"/>
-            <a:endParaRPr b="0" lang="cs-CZ" sz="4400" spc="-1" strike="noStrike">
+            <a:endParaRPr lang="cs-CZ" sz="4400" b="0" strike="noStrike" spc="-1">
               <a:latin typeface="Arial"/>
             </a:endParaRPr>
           </a:p>
@@ -107,11 +206,12 @@
           </a:prstGeom>
         </p:spPr>
         <p:txBody>
-          <a:bodyPr lIns="0" rIns="0" tIns="0" bIns="0">
-            <a:normAutofit/>
-          </a:bodyPr>
-          <a:p>
-            <a:endParaRPr b="0" lang="cs-CZ" sz="3200" spc="-1" strike="noStrike">
+          <a:bodyPr lIns="0" tIns="0" rIns="0" bIns="0">
+            <a:normAutofit/>
+          </a:bodyPr>
+          <a:lstStyle/>
+          <a:p>
+            <a:endParaRPr lang="cs-CZ" sz="3200" b="0" strike="noStrike" spc="-1">
               <a:latin typeface="Arial"/>
             </a:endParaRPr>
           </a:p>
@@ -137,11 +237,12 @@
           </a:prstGeom>
         </p:spPr>
         <p:txBody>
-          <a:bodyPr lIns="0" rIns="0" tIns="0" bIns="0">
-            <a:normAutofit/>
-          </a:bodyPr>
-          <a:p>
-            <a:endParaRPr b="0" lang="cs-CZ" sz="3200" spc="-1" strike="noStrike">
+          <a:bodyPr lIns="0" tIns="0" rIns="0" bIns="0">
+            <a:normAutofit/>
+          </a:bodyPr>
+          <a:lstStyle/>
+          <a:p>
+            <a:endParaRPr lang="cs-CZ" sz="3200" b="0" strike="noStrike" spc="-1">
               <a:latin typeface="Arial"/>
             </a:endParaRPr>
           </a:p>
@@ -149,11 +250,14 @@
       </p:sp>
     </p:spTree>
   </p:cSld>
+  <p:clrMapOvr>
+    <a:masterClrMapping/>
+  </p:clrMapOvr>
 </p:sldLayout>
 </file>
 
 <file path=ppt/slideLayouts/slideLayout11.xml><?xml version="1.0" encoding="utf-8"?>
-<p:sldLayout xmlns:a="http://schemas.openxmlformats.org/drawingml/2006/main" xmlns:p="http://schemas.openxmlformats.org/presentationml/2006/main" xmlns:r="http://schemas.openxmlformats.org/officeDocument/2006/relationships" xmlns:p14="http://schemas.microsoft.com/office/powerpoint/2010/main" xmlns:p15="http://schemas.microsoft.com/office/powerpoint/2012/main" xmlns:mc="http://schemas.openxmlformats.org/markup-compatibility/2006" type="fourObj" preserve="1">
+<p:sldLayout xmlns:a="http://schemas.openxmlformats.org/drawingml/2006/main" xmlns:r="http://schemas.openxmlformats.org/officeDocument/2006/relationships" xmlns:p="http://schemas.openxmlformats.org/presentationml/2006/main" type="fourObj" preserve="1">
   <p:cSld name="Title, 4 Content">
     <p:spTree>
       <p:nvGrpSpPr>
@@ -189,10 +293,11 @@
           </a:prstGeom>
         </p:spPr>
         <p:txBody>
-          <a:bodyPr lIns="0" rIns="0" tIns="0" bIns="0" anchor="ctr"/>
+          <a:bodyPr lIns="0" tIns="0" rIns="0" bIns="0" anchor="ctr"/>
+          <a:lstStyle/>
           <a:p>
             <a:pPr algn="ctr"/>
-            <a:endParaRPr b="0" lang="cs-CZ" sz="4400" spc="-1" strike="noStrike">
+            <a:endParaRPr lang="cs-CZ" sz="4400" b="0" strike="noStrike" spc="-1">
               <a:latin typeface="Arial"/>
             </a:endParaRPr>
           </a:p>
@@ -218,11 +323,12 @@
           </a:prstGeom>
         </p:spPr>
         <p:txBody>
-          <a:bodyPr lIns="0" rIns="0" tIns="0" bIns="0">
-            <a:normAutofit/>
-          </a:bodyPr>
-          <a:p>
-            <a:endParaRPr b="0" lang="cs-CZ" sz="3200" spc="-1" strike="noStrike">
+          <a:bodyPr lIns="0" tIns="0" rIns="0" bIns="0">
+            <a:normAutofit/>
+          </a:bodyPr>
+          <a:lstStyle/>
+          <a:p>
+            <a:endParaRPr lang="cs-CZ" sz="3200" b="0" strike="noStrike" spc="-1">
               <a:latin typeface="Arial"/>
             </a:endParaRPr>
           </a:p>
@@ -248,11 +354,12 @@
           </a:prstGeom>
         </p:spPr>
         <p:txBody>
-          <a:bodyPr lIns="0" rIns="0" tIns="0" bIns="0">
-            <a:normAutofit/>
-          </a:bodyPr>
-          <a:p>
-            <a:endParaRPr b="0" lang="cs-CZ" sz="3200" spc="-1" strike="noStrike">
+          <a:bodyPr lIns="0" tIns="0" rIns="0" bIns="0">
+            <a:normAutofit/>
+          </a:bodyPr>
+          <a:lstStyle/>
+          <a:p>
+            <a:endParaRPr lang="cs-CZ" sz="3200" b="0" strike="noStrike" spc="-1">
               <a:latin typeface="Arial"/>
             </a:endParaRPr>
           </a:p>
@@ -278,11 +385,12 @@
           </a:prstGeom>
         </p:spPr>
         <p:txBody>
-          <a:bodyPr lIns="0" rIns="0" tIns="0" bIns="0">
-            <a:normAutofit/>
-          </a:bodyPr>
-          <a:p>
-            <a:endParaRPr b="0" lang="cs-CZ" sz="3200" spc="-1" strike="noStrike">
+          <a:bodyPr lIns="0" tIns="0" rIns="0" bIns="0">
+            <a:normAutofit/>
+          </a:bodyPr>
+          <a:lstStyle/>
+          <a:p>
+            <a:endParaRPr lang="cs-CZ" sz="3200" b="0" strike="noStrike" spc="-1">
               <a:latin typeface="Arial"/>
             </a:endParaRPr>
           </a:p>
@@ -308,11 +416,12 @@
           </a:prstGeom>
         </p:spPr>
         <p:txBody>
-          <a:bodyPr lIns="0" rIns="0" tIns="0" bIns="0">
-            <a:normAutofit/>
-          </a:bodyPr>
-          <a:p>
-            <a:endParaRPr b="0" lang="cs-CZ" sz="3200" spc="-1" strike="noStrike">
+          <a:bodyPr lIns="0" tIns="0" rIns="0" bIns="0">
+            <a:normAutofit/>
+          </a:bodyPr>
+          <a:lstStyle/>
+          <a:p>
+            <a:endParaRPr lang="cs-CZ" sz="3200" b="0" strike="noStrike" spc="-1">
               <a:latin typeface="Arial"/>
             </a:endParaRPr>
           </a:p>
@@ -320,11 +429,14 @@
       </p:sp>
     </p:spTree>
   </p:cSld>
+  <p:clrMapOvr>
+    <a:masterClrMapping/>
+  </p:clrMapOvr>
 </p:sldLayout>
 </file>
 
 <file path=ppt/slideLayouts/slideLayout12.xml><?xml version="1.0" encoding="utf-8"?>
-<p:sldLayout xmlns:a="http://schemas.openxmlformats.org/drawingml/2006/main" xmlns:p="http://schemas.openxmlformats.org/presentationml/2006/main" xmlns:r="http://schemas.openxmlformats.org/officeDocument/2006/relationships" xmlns:p14="http://schemas.microsoft.com/office/powerpoint/2010/main" xmlns:p15="http://schemas.microsoft.com/office/powerpoint/2012/main" xmlns:mc="http://schemas.openxmlformats.org/markup-compatibility/2006" type="blank" preserve="1">
+<p:sldLayout xmlns:a="http://schemas.openxmlformats.org/drawingml/2006/main" xmlns:r="http://schemas.openxmlformats.org/officeDocument/2006/relationships" xmlns:p="http://schemas.openxmlformats.org/presentationml/2006/main" type="blank" preserve="1">
   <p:cSld name="Title, 6 Content">
     <p:spTree>
       <p:nvGrpSpPr>
@@ -360,10 +472,11 @@
           </a:prstGeom>
         </p:spPr>
         <p:txBody>
-          <a:bodyPr lIns="0" rIns="0" tIns="0" bIns="0" anchor="ctr"/>
+          <a:bodyPr lIns="0" tIns="0" rIns="0" bIns="0" anchor="ctr"/>
+          <a:lstStyle/>
           <a:p>
             <a:pPr algn="ctr"/>
-            <a:endParaRPr b="0" lang="cs-CZ" sz="4400" spc="-1" strike="noStrike">
+            <a:endParaRPr lang="cs-CZ" sz="4400" b="0" strike="noStrike" spc="-1">
               <a:latin typeface="Arial"/>
             </a:endParaRPr>
           </a:p>
@@ -389,11 +502,12 @@
           </a:prstGeom>
         </p:spPr>
         <p:txBody>
-          <a:bodyPr lIns="0" rIns="0" tIns="0" bIns="0">
-            <a:normAutofit/>
-          </a:bodyPr>
-          <a:p>
-            <a:endParaRPr b="0" lang="cs-CZ" sz="3200" spc="-1" strike="noStrike">
+          <a:bodyPr lIns="0" tIns="0" rIns="0" bIns="0">
+            <a:normAutofit/>
+          </a:bodyPr>
+          <a:lstStyle/>
+          <a:p>
+            <a:endParaRPr lang="cs-CZ" sz="3200" b="0" strike="noStrike" spc="-1">
               <a:latin typeface="Arial"/>
             </a:endParaRPr>
           </a:p>
@@ -419,11 +533,12 @@
           </a:prstGeom>
         </p:spPr>
         <p:txBody>
-          <a:bodyPr lIns="0" rIns="0" tIns="0" bIns="0">
-            <a:normAutofit/>
-          </a:bodyPr>
-          <a:p>
-            <a:endParaRPr b="0" lang="cs-CZ" sz="3200" spc="-1" strike="noStrike">
+          <a:bodyPr lIns="0" tIns="0" rIns="0" bIns="0">
+            <a:normAutofit/>
+          </a:bodyPr>
+          <a:lstStyle/>
+          <a:p>
+            <a:endParaRPr lang="cs-CZ" sz="3200" b="0" strike="noStrike" spc="-1">
               <a:latin typeface="Arial"/>
             </a:endParaRPr>
           </a:p>
@@ -449,11 +564,12 @@
           </a:prstGeom>
         </p:spPr>
         <p:txBody>
-          <a:bodyPr lIns="0" rIns="0" tIns="0" bIns="0">
-            <a:normAutofit/>
-          </a:bodyPr>
-          <a:p>
-            <a:endParaRPr b="0" lang="cs-CZ" sz="3200" spc="-1" strike="noStrike">
+          <a:bodyPr lIns="0" tIns="0" rIns="0" bIns="0">
+            <a:normAutofit/>
+          </a:bodyPr>
+          <a:lstStyle/>
+          <a:p>
+            <a:endParaRPr lang="cs-CZ" sz="3200" b="0" strike="noStrike" spc="-1">
               <a:latin typeface="Arial"/>
             </a:endParaRPr>
           </a:p>
@@ -479,11 +595,12 @@
           </a:prstGeom>
         </p:spPr>
         <p:txBody>
-          <a:bodyPr lIns="0" rIns="0" tIns="0" bIns="0">
-            <a:normAutofit/>
-          </a:bodyPr>
-          <a:p>
-            <a:endParaRPr b="0" lang="cs-CZ" sz="3200" spc="-1" strike="noStrike">
+          <a:bodyPr lIns="0" tIns="0" rIns="0" bIns="0">
+            <a:normAutofit/>
+          </a:bodyPr>
+          <a:lstStyle/>
+          <a:p>
+            <a:endParaRPr lang="cs-CZ" sz="3200" b="0" strike="noStrike" spc="-1">
               <a:latin typeface="Arial"/>
             </a:endParaRPr>
           </a:p>
@@ -509,11 +626,12 @@
           </a:prstGeom>
         </p:spPr>
         <p:txBody>
-          <a:bodyPr lIns="0" rIns="0" tIns="0" bIns="0">
-            <a:normAutofit/>
-          </a:bodyPr>
-          <a:p>
-            <a:endParaRPr b="0" lang="cs-CZ" sz="3200" spc="-1" strike="noStrike">
+          <a:bodyPr lIns="0" tIns="0" rIns="0" bIns="0">
+            <a:normAutofit/>
+          </a:bodyPr>
+          <a:lstStyle/>
+          <a:p>
+            <a:endParaRPr lang="cs-CZ" sz="3200" b="0" strike="noStrike" spc="-1">
               <a:latin typeface="Arial"/>
             </a:endParaRPr>
           </a:p>
@@ -539,11 +657,12 @@
           </a:prstGeom>
         </p:spPr>
         <p:txBody>
-          <a:bodyPr lIns="0" rIns="0" tIns="0" bIns="0">
-            <a:normAutofit/>
-          </a:bodyPr>
-          <a:p>
-            <a:endParaRPr b="0" lang="cs-CZ" sz="3200" spc="-1" strike="noStrike">
+          <a:bodyPr lIns="0" tIns="0" rIns="0" bIns="0">
+            <a:normAutofit/>
+          </a:bodyPr>
+          <a:lstStyle/>
+          <a:p>
+            <a:endParaRPr lang="cs-CZ" sz="3200" b="0" strike="noStrike" spc="-1">
               <a:latin typeface="Arial"/>
             </a:endParaRPr>
           </a:p>
@@ -551,11 +670,14 @@
       </p:sp>
     </p:spTree>
   </p:cSld>
+  <p:clrMapOvr>
+    <a:masterClrMapping/>
+  </p:clrMapOvr>
 </p:sldLayout>
 </file>
 
 <file path=ppt/slideLayouts/slideLayout13.xml><?xml version="1.0" encoding="utf-8"?>
-<p:sldLayout xmlns:a="http://schemas.openxmlformats.org/drawingml/2006/main" xmlns:p="http://schemas.openxmlformats.org/presentationml/2006/main" xmlns:r="http://schemas.openxmlformats.org/officeDocument/2006/relationships" xmlns:p14="http://schemas.microsoft.com/office/powerpoint/2010/main" xmlns:p15="http://schemas.microsoft.com/office/powerpoint/2012/main" xmlns:mc="http://schemas.openxmlformats.org/markup-compatibility/2006" type="blank" preserve="1">
+<p:sldLayout xmlns:a="http://schemas.openxmlformats.org/drawingml/2006/main" xmlns:r="http://schemas.openxmlformats.org/officeDocument/2006/relationships" xmlns:p="http://schemas.openxmlformats.org/presentationml/2006/main" type="blank" preserve="1">
   <p:cSld name="Blank Slide">
     <p:spTree>
       <p:nvGrpSpPr>
@@ -573,11 +695,14 @@
       </p:grpSpPr>
     </p:spTree>
   </p:cSld>
+  <p:clrMapOvr>
+    <a:masterClrMapping/>
+  </p:clrMapOvr>
 </p:sldLayout>
 </file>
 
 <file path=ppt/slideLayouts/slideLayout14.xml><?xml version="1.0" encoding="utf-8"?>
-<p:sldLayout xmlns:a="http://schemas.openxmlformats.org/drawingml/2006/main" xmlns:p="http://schemas.openxmlformats.org/presentationml/2006/main" xmlns:r="http://schemas.openxmlformats.org/officeDocument/2006/relationships" xmlns:p14="http://schemas.microsoft.com/office/powerpoint/2010/main" xmlns:p15="http://schemas.microsoft.com/office/powerpoint/2012/main" xmlns:mc="http://schemas.openxmlformats.org/markup-compatibility/2006" type="tx" preserve="1">
+<p:sldLayout xmlns:a="http://schemas.openxmlformats.org/drawingml/2006/main" xmlns:r="http://schemas.openxmlformats.org/officeDocument/2006/relationships" xmlns:p="http://schemas.openxmlformats.org/presentationml/2006/main" type="tx" preserve="1">
   <p:cSld name="Title Slide">
     <p:spTree>
       <p:nvGrpSpPr>
@@ -613,10 +738,11 @@
           </a:prstGeom>
         </p:spPr>
         <p:txBody>
-          <a:bodyPr lIns="0" rIns="0" tIns="0" bIns="0" anchor="ctr"/>
+          <a:bodyPr lIns="0" tIns="0" rIns="0" bIns="0" anchor="ctr"/>
+          <a:lstStyle/>
           <a:p>
             <a:pPr algn="ctr"/>
-            <a:endParaRPr b="0" lang="cs-CZ" sz="4400" spc="-1" strike="noStrike">
+            <a:endParaRPr lang="cs-CZ" sz="4400" b="0" strike="noStrike" spc="-1">
               <a:latin typeface="Arial"/>
             </a:endParaRPr>
           </a:p>
@@ -642,10 +768,11 @@
           </a:prstGeom>
         </p:spPr>
         <p:txBody>
-          <a:bodyPr lIns="0" rIns="0" tIns="0" bIns="0" anchor="ctr"/>
+          <a:bodyPr lIns="0" tIns="0" rIns="0" bIns="0" anchor="ctr"/>
+          <a:lstStyle/>
           <a:p>
             <a:pPr algn="ctr"/>
-            <a:endParaRPr b="0" lang="cs-CZ" sz="3200" spc="-1" strike="noStrike">
+            <a:endParaRPr lang="cs-CZ" sz="3200" b="0" strike="noStrike" spc="-1">
               <a:latin typeface="Arial"/>
             </a:endParaRPr>
           </a:p>
@@ -653,11 +780,14 @@
       </p:sp>
     </p:spTree>
   </p:cSld>
+  <p:clrMapOvr>
+    <a:masterClrMapping/>
+  </p:clrMapOvr>
 </p:sldLayout>
 </file>
 
 <file path=ppt/slideLayouts/slideLayout15.xml><?xml version="1.0" encoding="utf-8"?>
-<p:sldLayout xmlns:a="http://schemas.openxmlformats.org/drawingml/2006/main" xmlns:p="http://schemas.openxmlformats.org/presentationml/2006/main" xmlns:r="http://schemas.openxmlformats.org/officeDocument/2006/relationships" xmlns:p14="http://schemas.microsoft.com/office/powerpoint/2010/main" xmlns:p15="http://schemas.microsoft.com/office/powerpoint/2012/main" xmlns:mc="http://schemas.openxmlformats.org/markup-compatibility/2006" type="obj" preserve="1">
+<p:sldLayout xmlns:a="http://schemas.openxmlformats.org/drawingml/2006/main" xmlns:r="http://schemas.openxmlformats.org/officeDocument/2006/relationships" xmlns:p="http://schemas.openxmlformats.org/presentationml/2006/main" type="obj" preserve="1">
   <p:cSld name="Title, Content">
     <p:spTree>
       <p:nvGrpSpPr>
@@ -693,10 +823,11 @@
           </a:prstGeom>
         </p:spPr>
         <p:txBody>
-          <a:bodyPr lIns="0" rIns="0" tIns="0" bIns="0" anchor="ctr"/>
+          <a:bodyPr lIns="0" tIns="0" rIns="0" bIns="0" anchor="ctr"/>
+          <a:lstStyle/>
           <a:p>
             <a:pPr algn="ctr"/>
-            <a:endParaRPr b="0" lang="cs-CZ" sz="4400" spc="-1" strike="noStrike">
+            <a:endParaRPr lang="cs-CZ" sz="4400" b="0" strike="noStrike" spc="-1">
               <a:latin typeface="Arial"/>
             </a:endParaRPr>
           </a:p>
@@ -722,11 +853,12 @@
           </a:prstGeom>
         </p:spPr>
         <p:txBody>
-          <a:bodyPr lIns="0" rIns="0" tIns="0" bIns="0">
-            <a:normAutofit/>
-          </a:bodyPr>
-          <a:p>
-            <a:endParaRPr b="0" lang="cs-CZ" sz="3200" spc="-1" strike="noStrike">
+          <a:bodyPr lIns="0" tIns="0" rIns="0" bIns="0">
+            <a:normAutofit/>
+          </a:bodyPr>
+          <a:lstStyle/>
+          <a:p>
+            <a:endParaRPr lang="cs-CZ" sz="3200" b="0" strike="noStrike" spc="-1">
               <a:latin typeface="Arial"/>
             </a:endParaRPr>
           </a:p>
@@ -734,11 +866,14 @@
       </p:sp>
     </p:spTree>
   </p:cSld>
+  <p:clrMapOvr>
+    <a:masterClrMapping/>
+  </p:clrMapOvr>
 </p:sldLayout>
 </file>
 
 <file path=ppt/slideLayouts/slideLayout16.xml><?xml version="1.0" encoding="utf-8"?>
-<p:sldLayout xmlns:a="http://schemas.openxmlformats.org/drawingml/2006/main" xmlns:p="http://schemas.openxmlformats.org/presentationml/2006/main" xmlns:r="http://schemas.openxmlformats.org/officeDocument/2006/relationships" xmlns:p14="http://schemas.microsoft.com/office/powerpoint/2010/main" xmlns:p15="http://schemas.microsoft.com/office/powerpoint/2012/main" xmlns:mc="http://schemas.openxmlformats.org/markup-compatibility/2006" type="twoObj" preserve="1">
+<p:sldLayout xmlns:a="http://schemas.openxmlformats.org/drawingml/2006/main" xmlns:r="http://schemas.openxmlformats.org/officeDocument/2006/relationships" xmlns:p="http://schemas.openxmlformats.org/presentationml/2006/main" type="twoObj" preserve="1">
   <p:cSld name="Title, 2 Content">
     <p:spTree>
       <p:nvGrpSpPr>
@@ -774,10 +909,11 @@
           </a:prstGeom>
         </p:spPr>
         <p:txBody>
-          <a:bodyPr lIns="0" rIns="0" tIns="0" bIns="0" anchor="ctr"/>
+          <a:bodyPr lIns="0" tIns="0" rIns="0" bIns="0" anchor="ctr"/>
+          <a:lstStyle/>
           <a:p>
             <a:pPr algn="ctr"/>
-            <a:endParaRPr b="0" lang="cs-CZ" sz="4400" spc="-1" strike="noStrike">
+            <a:endParaRPr lang="cs-CZ" sz="4400" b="0" strike="noStrike" spc="-1">
               <a:latin typeface="Arial"/>
             </a:endParaRPr>
           </a:p>
@@ -803,11 +939,12 @@
           </a:prstGeom>
         </p:spPr>
         <p:txBody>
-          <a:bodyPr lIns="0" rIns="0" tIns="0" bIns="0">
-            <a:normAutofit/>
-          </a:bodyPr>
-          <a:p>
-            <a:endParaRPr b="0" lang="cs-CZ" sz="3200" spc="-1" strike="noStrike">
+          <a:bodyPr lIns="0" tIns="0" rIns="0" bIns="0">
+            <a:normAutofit/>
+          </a:bodyPr>
+          <a:lstStyle/>
+          <a:p>
+            <a:endParaRPr lang="cs-CZ" sz="3200" b="0" strike="noStrike" spc="-1">
               <a:latin typeface="Arial"/>
             </a:endParaRPr>
           </a:p>
@@ -833,11 +970,12 @@
           </a:prstGeom>
         </p:spPr>
         <p:txBody>
-          <a:bodyPr lIns="0" rIns="0" tIns="0" bIns="0">
-            <a:normAutofit/>
-          </a:bodyPr>
-          <a:p>
-            <a:endParaRPr b="0" lang="cs-CZ" sz="3200" spc="-1" strike="noStrike">
+          <a:bodyPr lIns="0" tIns="0" rIns="0" bIns="0">
+            <a:normAutofit/>
+          </a:bodyPr>
+          <a:lstStyle/>
+          <a:p>
+            <a:endParaRPr lang="cs-CZ" sz="3200" b="0" strike="noStrike" spc="-1">
               <a:latin typeface="Arial"/>
             </a:endParaRPr>
           </a:p>
@@ -845,11 +983,14 @@
       </p:sp>
     </p:spTree>
   </p:cSld>
+  <p:clrMapOvr>
+    <a:masterClrMapping/>
+  </p:clrMapOvr>
 </p:sldLayout>
 </file>
 
 <file path=ppt/slideLayouts/slideLayout17.xml><?xml version="1.0" encoding="utf-8"?>
-<p:sldLayout xmlns:a="http://schemas.openxmlformats.org/drawingml/2006/main" xmlns:p="http://schemas.openxmlformats.org/presentationml/2006/main" xmlns:r="http://schemas.openxmlformats.org/officeDocument/2006/relationships" xmlns:p14="http://schemas.microsoft.com/office/powerpoint/2010/main" xmlns:p15="http://schemas.microsoft.com/office/powerpoint/2012/main" xmlns:mc="http://schemas.openxmlformats.org/markup-compatibility/2006" type="titleOnly" preserve="1">
+<p:sldLayout xmlns:a="http://schemas.openxmlformats.org/drawingml/2006/main" xmlns:r="http://schemas.openxmlformats.org/officeDocument/2006/relationships" xmlns:p="http://schemas.openxmlformats.org/presentationml/2006/main" type="titleOnly" preserve="1">
   <p:cSld name="Title Only">
     <p:spTree>
       <p:nvGrpSpPr>
@@ -885,10 +1026,11 @@
           </a:prstGeom>
         </p:spPr>
         <p:txBody>
-          <a:bodyPr lIns="0" rIns="0" tIns="0" bIns="0" anchor="ctr"/>
+          <a:bodyPr lIns="0" tIns="0" rIns="0" bIns="0" anchor="ctr"/>
+          <a:lstStyle/>
           <a:p>
             <a:pPr algn="ctr"/>
-            <a:endParaRPr b="0" lang="cs-CZ" sz="4400" spc="-1" strike="noStrike">
+            <a:endParaRPr lang="cs-CZ" sz="4400" b="0" strike="noStrike" spc="-1">
               <a:latin typeface="Arial"/>
             </a:endParaRPr>
           </a:p>
@@ -896,11 +1038,14 @@
       </p:sp>
     </p:spTree>
   </p:cSld>
+  <p:clrMapOvr>
+    <a:masterClrMapping/>
+  </p:clrMapOvr>
 </p:sldLayout>
 </file>
 
 <file path=ppt/slideLayouts/slideLayout18.xml><?xml version="1.0" encoding="utf-8"?>
-<p:sldLayout xmlns:a="http://schemas.openxmlformats.org/drawingml/2006/main" xmlns:p="http://schemas.openxmlformats.org/presentationml/2006/main" xmlns:r="http://schemas.openxmlformats.org/officeDocument/2006/relationships" xmlns:p14="http://schemas.microsoft.com/office/powerpoint/2010/main" xmlns:p15="http://schemas.microsoft.com/office/powerpoint/2012/main" xmlns:mc="http://schemas.openxmlformats.org/markup-compatibility/2006" type="objOnly" preserve="1">
+<p:sldLayout xmlns:a="http://schemas.openxmlformats.org/drawingml/2006/main" xmlns:r="http://schemas.openxmlformats.org/officeDocument/2006/relationships" xmlns:p="http://schemas.openxmlformats.org/presentationml/2006/main" type="objOnly" preserve="1">
   <p:cSld name="Centered Text">
     <p:spTree>
       <p:nvGrpSpPr>
@@ -936,10 +1081,11 @@
           </a:prstGeom>
         </p:spPr>
         <p:txBody>
-          <a:bodyPr lIns="0" rIns="0" tIns="0" bIns="0" anchor="ctr"/>
+          <a:bodyPr lIns="0" tIns="0" rIns="0" bIns="0" anchor="ctr"/>
+          <a:lstStyle/>
           <a:p>
             <a:pPr algn="ctr"/>
-            <a:endParaRPr b="0" lang="cs-CZ" sz="3200" spc="-1" strike="noStrike">
+            <a:endParaRPr lang="cs-CZ" sz="3200" b="0" strike="noStrike" spc="-1">
               <a:latin typeface="Arial"/>
             </a:endParaRPr>
           </a:p>
@@ -947,11 +1093,14 @@
       </p:sp>
     </p:spTree>
   </p:cSld>
+  <p:clrMapOvr>
+    <a:masterClrMapping/>
+  </p:clrMapOvr>
 </p:sldLayout>
 </file>
 
 <file path=ppt/slideLayouts/slideLayout19.xml><?xml version="1.0" encoding="utf-8"?>
-<p:sldLayout xmlns:a="http://schemas.openxmlformats.org/drawingml/2006/main" xmlns:p="http://schemas.openxmlformats.org/presentationml/2006/main" xmlns:r="http://schemas.openxmlformats.org/officeDocument/2006/relationships" xmlns:p14="http://schemas.microsoft.com/office/powerpoint/2010/main" xmlns:p15="http://schemas.microsoft.com/office/powerpoint/2012/main" xmlns:mc="http://schemas.openxmlformats.org/markup-compatibility/2006" type="twoObjAndObj" preserve="1">
+<p:sldLayout xmlns:a="http://schemas.openxmlformats.org/drawingml/2006/main" xmlns:r="http://schemas.openxmlformats.org/officeDocument/2006/relationships" xmlns:p="http://schemas.openxmlformats.org/presentationml/2006/main" type="twoObjAndObj" preserve="1">
   <p:cSld name="Title, 2 Content and Content">
     <p:spTree>
       <p:nvGrpSpPr>
@@ -987,10 +1136,11 @@
           </a:prstGeom>
         </p:spPr>
         <p:txBody>
-          <a:bodyPr lIns="0" rIns="0" tIns="0" bIns="0" anchor="ctr"/>
+          <a:bodyPr lIns="0" tIns="0" rIns="0" bIns="0" anchor="ctr"/>
+          <a:lstStyle/>
           <a:p>
             <a:pPr algn="ctr"/>
-            <a:endParaRPr b="0" lang="cs-CZ" sz="4400" spc="-1" strike="noStrike">
+            <a:endParaRPr lang="cs-CZ" sz="4400" b="0" strike="noStrike" spc="-1">
               <a:latin typeface="Arial"/>
             </a:endParaRPr>
           </a:p>
@@ -1016,11 +1166,12 @@
           </a:prstGeom>
         </p:spPr>
         <p:txBody>
-          <a:bodyPr lIns="0" rIns="0" tIns="0" bIns="0">
-            <a:normAutofit/>
-          </a:bodyPr>
-          <a:p>
-            <a:endParaRPr b="0" lang="cs-CZ" sz="3200" spc="-1" strike="noStrike">
+          <a:bodyPr lIns="0" tIns="0" rIns="0" bIns="0">
+            <a:normAutofit/>
+          </a:bodyPr>
+          <a:lstStyle/>
+          <a:p>
+            <a:endParaRPr lang="cs-CZ" sz="3200" b="0" strike="noStrike" spc="-1">
               <a:latin typeface="Arial"/>
             </a:endParaRPr>
           </a:p>
@@ -1046,11 +1197,12 @@
           </a:prstGeom>
         </p:spPr>
         <p:txBody>
-          <a:bodyPr lIns="0" rIns="0" tIns="0" bIns="0">
-            <a:normAutofit/>
-          </a:bodyPr>
-          <a:p>
-            <a:endParaRPr b="0" lang="cs-CZ" sz="3200" spc="-1" strike="noStrike">
+          <a:bodyPr lIns="0" tIns="0" rIns="0" bIns="0">
+            <a:normAutofit/>
+          </a:bodyPr>
+          <a:lstStyle/>
+          <a:p>
+            <a:endParaRPr lang="cs-CZ" sz="3200" b="0" strike="noStrike" spc="-1">
               <a:latin typeface="Arial"/>
             </a:endParaRPr>
           </a:p>
@@ -1076,11 +1228,12 @@
           </a:prstGeom>
         </p:spPr>
         <p:txBody>
-          <a:bodyPr lIns="0" rIns="0" tIns="0" bIns="0">
-            <a:normAutofit/>
-          </a:bodyPr>
-          <a:p>
-            <a:endParaRPr b="0" lang="cs-CZ" sz="3200" spc="-1" strike="noStrike">
+          <a:bodyPr lIns="0" tIns="0" rIns="0" bIns="0">
+            <a:normAutofit/>
+          </a:bodyPr>
+          <a:lstStyle/>
+          <a:p>
+            <a:endParaRPr lang="cs-CZ" sz="3200" b="0" strike="noStrike" spc="-1">
               <a:latin typeface="Arial"/>
             </a:endParaRPr>
           </a:p>
@@ -1088,11 +1241,14 @@
       </p:sp>
     </p:spTree>
   </p:cSld>
+  <p:clrMapOvr>
+    <a:masterClrMapping/>
+  </p:clrMapOvr>
 </p:sldLayout>
 </file>
 
 <file path=ppt/slideLayouts/slideLayout2.xml><?xml version="1.0" encoding="utf-8"?>
-<p:sldLayout xmlns:a="http://schemas.openxmlformats.org/drawingml/2006/main" xmlns:p="http://schemas.openxmlformats.org/presentationml/2006/main" xmlns:r="http://schemas.openxmlformats.org/officeDocument/2006/relationships" xmlns:p14="http://schemas.microsoft.com/office/powerpoint/2010/main" xmlns:p15="http://schemas.microsoft.com/office/powerpoint/2012/main" xmlns:mc="http://schemas.openxmlformats.org/markup-compatibility/2006" type="tx" preserve="1">
+<p:sldLayout xmlns:a="http://schemas.openxmlformats.org/drawingml/2006/main" xmlns:r="http://schemas.openxmlformats.org/officeDocument/2006/relationships" xmlns:p="http://schemas.openxmlformats.org/presentationml/2006/main" type="tx" preserve="1">
   <p:cSld name="Title Slide">
     <p:spTree>
       <p:nvGrpSpPr>
@@ -1128,10 +1284,11 @@
           </a:prstGeom>
         </p:spPr>
         <p:txBody>
-          <a:bodyPr lIns="0" rIns="0" tIns="0" bIns="0" anchor="ctr"/>
+          <a:bodyPr lIns="0" tIns="0" rIns="0" bIns="0" anchor="ctr"/>
+          <a:lstStyle/>
           <a:p>
             <a:pPr algn="ctr"/>
-            <a:endParaRPr b="0" lang="cs-CZ" sz="4400" spc="-1" strike="noStrike">
+            <a:endParaRPr lang="cs-CZ" sz="4400" b="0" strike="noStrike" spc="-1">
               <a:latin typeface="Arial"/>
             </a:endParaRPr>
           </a:p>
@@ -1157,10 +1314,11 @@
           </a:prstGeom>
         </p:spPr>
         <p:txBody>
-          <a:bodyPr lIns="0" rIns="0" tIns="0" bIns="0" anchor="ctr"/>
+          <a:bodyPr lIns="0" tIns="0" rIns="0" bIns="0" anchor="ctr"/>
+          <a:lstStyle/>
           <a:p>
             <a:pPr algn="ctr"/>
-            <a:endParaRPr b="0" lang="cs-CZ" sz="3200" spc="-1" strike="noStrike">
+            <a:endParaRPr lang="cs-CZ" sz="3200" b="0" strike="noStrike" spc="-1">
               <a:latin typeface="Arial"/>
             </a:endParaRPr>
           </a:p>
@@ -1168,11 +1326,14 @@
       </p:sp>
     </p:spTree>
   </p:cSld>
+  <p:clrMapOvr>
+    <a:masterClrMapping/>
+  </p:clrMapOvr>
 </p:sldLayout>
 </file>
 
 <file path=ppt/slideLayouts/slideLayout20.xml><?xml version="1.0" encoding="utf-8"?>
-<p:sldLayout xmlns:a="http://schemas.openxmlformats.org/drawingml/2006/main" xmlns:p="http://schemas.openxmlformats.org/presentationml/2006/main" xmlns:r="http://schemas.openxmlformats.org/officeDocument/2006/relationships" xmlns:p14="http://schemas.microsoft.com/office/powerpoint/2010/main" xmlns:p15="http://schemas.microsoft.com/office/powerpoint/2012/main" xmlns:mc="http://schemas.openxmlformats.org/markup-compatibility/2006" type="objAndTwoObj" preserve="1">
+<p:sldLayout xmlns:a="http://schemas.openxmlformats.org/drawingml/2006/main" xmlns:r="http://schemas.openxmlformats.org/officeDocument/2006/relationships" xmlns:p="http://schemas.openxmlformats.org/presentationml/2006/main" type="objAndTwoObj" preserve="1">
   <p:cSld name="Title Content and 2 Content">
     <p:spTree>
       <p:nvGrpSpPr>
@@ -1208,10 +1369,11 @@
           </a:prstGeom>
         </p:spPr>
         <p:txBody>
-          <a:bodyPr lIns="0" rIns="0" tIns="0" bIns="0" anchor="ctr"/>
+          <a:bodyPr lIns="0" tIns="0" rIns="0" bIns="0" anchor="ctr"/>
+          <a:lstStyle/>
           <a:p>
             <a:pPr algn="ctr"/>
-            <a:endParaRPr b="0" lang="cs-CZ" sz="4400" spc="-1" strike="noStrike">
+            <a:endParaRPr lang="cs-CZ" sz="4400" b="0" strike="noStrike" spc="-1">
               <a:latin typeface="Arial"/>
             </a:endParaRPr>
           </a:p>
@@ -1237,11 +1399,12 @@
           </a:prstGeom>
         </p:spPr>
         <p:txBody>
-          <a:bodyPr lIns="0" rIns="0" tIns="0" bIns="0">
-            <a:normAutofit/>
-          </a:bodyPr>
-          <a:p>
-            <a:endParaRPr b="0" lang="cs-CZ" sz="3200" spc="-1" strike="noStrike">
+          <a:bodyPr lIns="0" tIns="0" rIns="0" bIns="0">
+            <a:normAutofit/>
+          </a:bodyPr>
+          <a:lstStyle/>
+          <a:p>
+            <a:endParaRPr lang="cs-CZ" sz="3200" b="0" strike="noStrike" spc="-1">
               <a:latin typeface="Arial"/>
             </a:endParaRPr>
           </a:p>
@@ -1267,11 +1430,12 @@
           </a:prstGeom>
         </p:spPr>
         <p:txBody>
-          <a:bodyPr lIns="0" rIns="0" tIns="0" bIns="0">
-            <a:normAutofit/>
-          </a:bodyPr>
-          <a:p>
-            <a:endParaRPr b="0" lang="cs-CZ" sz="3200" spc="-1" strike="noStrike">
+          <a:bodyPr lIns="0" tIns="0" rIns="0" bIns="0">
+            <a:normAutofit/>
+          </a:bodyPr>
+          <a:lstStyle/>
+          <a:p>
+            <a:endParaRPr lang="cs-CZ" sz="3200" b="0" strike="noStrike" spc="-1">
               <a:latin typeface="Arial"/>
             </a:endParaRPr>
           </a:p>
@@ -1297,11 +1461,12 @@
           </a:prstGeom>
         </p:spPr>
         <p:txBody>
-          <a:bodyPr lIns="0" rIns="0" tIns="0" bIns="0">
-            <a:normAutofit/>
-          </a:bodyPr>
-          <a:p>
-            <a:endParaRPr b="0" lang="cs-CZ" sz="3200" spc="-1" strike="noStrike">
+          <a:bodyPr lIns="0" tIns="0" rIns="0" bIns="0">
+            <a:normAutofit/>
+          </a:bodyPr>
+          <a:lstStyle/>
+          <a:p>
+            <a:endParaRPr lang="cs-CZ" sz="3200" b="0" strike="noStrike" spc="-1">
               <a:latin typeface="Arial"/>
             </a:endParaRPr>
           </a:p>
@@ -1309,11 +1474,14 @@
       </p:sp>
     </p:spTree>
   </p:cSld>
+  <p:clrMapOvr>
+    <a:masterClrMapping/>
+  </p:clrMapOvr>
 </p:sldLayout>
 </file>
 
 <file path=ppt/slideLayouts/slideLayout21.xml><?xml version="1.0" encoding="utf-8"?>
-<p:sldLayout xmlns:a="http://schemas.openxmlformats.org/drawingml/2006/main" xmlns:p="http://schemas.openxmlformats.org/presentationml/2006/main" xmlns:r="http://schemas.openxmlformats.org/officeDocument/2006/relationships" xmlns:p14="http://schemas.microsoft.com/office/powerpoint/2010/main" xmlns:p15="http://schemas.microsoft.com/office/powerpoint/2012/main" xmlns:mc="http://schemas.openxmlformats.org/markup-compatibility/2006" type="twoObjOverTx" preserve="1">
+<p:sldLayout xmlns:a="http://schemas.openxmlformats.org/drawingml/2006/main" xmlns:r="http://schemas.openxmlformats.org/officeDocument/2006/relationships" xmlns:p="http://schemas.openxmlformats.org/presentationml/2006/main" type="twoObjOverTx" preserve="1">
   <p:cSld name="Title, 2 Content over Content">
     <p:spTree>
       <p:nvGrpSpPr>
@@ -1349,10 +1517,11 @@
           </a:prstGeom>
         </p:spPr>
         <p:txBody>
-          <a:bodyPr lIns="0" rIns="0" tIns="0" bIns="0" anchor="ctr"/>
+          <a:bodyPr lIns="0" tIns="0" rIns="0" bIns="0" anchor="ctr"/>
+          <a:lstStyle/>
           <a:p>
             <a:pPr algn="ctr"/>
-            <a:endParaRPr b="0" lang="cs-CZ" sz="4400" spc="-1" strike="noStrike">
+            <a:endParaRPr lang="cs-CZ" sz="4400" b="0" strike="noStrike" spc="-1">
               <a:latin typeface="Arial"/>
             </a:endParaRPr>
           </a:p>
@@ -1378,11 +1547,12 @@
           </a:prstGeom>
         </p:spPr>
         <p:txBody>
-          <a:bodyPr lIns="0" rIns="0" tIns="0" bIns="0">
-            <a:normAutofit/>
-          </a:bodyPr>
-          <a:p>
-            <a:endParaRPr b="0" lang="cs-CZ" sz="3200" spc="-1" strike="noStrike">
+          <a:bodyPr lIns="0" tIns="0" rIns="0" bIns="0">
+            <a:normAutofit/>
+          </a:bodyPr>
+          <a:lstStyle/>
+          <a:p>
+            <a:endParaRPr lang="cs-CZ" sz="3200" b="0" strike="noStrike" spc="-1">
               <a:latin typeface="Arial"/>
             </a:endParaRPr>
           </a:p>
@@ -1408,11 +1578,12 @@
           </a:prstGeom>
         </p:spPr>
         <p:txBody>
-          <a:bodyPr lIns="0" rIns="0" tIns="0" bIns="0">
-            <a:normAutofit/>
-          </a:bodyPr>
-          <a:p>
-            <a:endParaRPr b="0" lang="cs-CZ" sz="3200" spc="-1" strike="noStrike">
+          <a:bodyPr lIns="0" tIns="0" rIns="0" bIns="0">
+            <a:normAutofit/>
+          </a:bodyPr>
+          <a:lstStyle/>
+          <a:p>
+            <a:endParaRPr lang="cs-CZ" sz="3200" b="0" strike="noStrike" spc="-1">
               <a:latin typeface="Arial"/>
             </a:endParaRPr>
           </a:p>
@@ -1438,11 +1609,12 @@
           </a:prstGeom>
         </p:spPr>
         <p:txBody>
-          <a:bodyPr lIns="0" rIns="0" tIns="0" bIns="0">
-            <a:normAutofit/>
-          </a:bodyPr>
-          <a:p>
-            <a:endParaRPr b="0" lang="cs-CZ" sz="3200" spc="-1" strike="noStrike">
+          <a:bodyPr lIns="0" tIns="0" rIns="0" bIns="0">
+            <a:normAutofit/>
+          </a:bodyPr>
+          <a:lstStyle/>
+          <a:p>
+            <a:endParaRPr lang="cs-CZ" sz="3200" b="0" strike="noStrike" spc="-1">
               <a:latin typeface="Arial"/>
             </a:endParaRPr>
           </a:p>
@@ -1450,11 +1622,14 @@
       </p:sp>
     </p:spTree>
   </p:cSld>
+  <p:clrMapOvr>
+    <a:masterClrMapping/>
+  </p:clrMapOvr>
 </p:sldLayout>
 </file>
 
 <file path=ppt/slideLayouts/slideLayout22.xml><?xml version="1.0" encoding="utf-8"?>
-<p:sldLayout xmlns:a="http://schemas.openxmlformats.org/drawingml/2006/main" xmlns:p="http://schemas.openxmlformats.org/presentationml/2006/main" xmlns:r="http://schemas.openxmlformats.org/officeDocument/2006/relationships" xmlns:p14="http://schemas.microsoft.com/office/powerpoint/2010/main" xmlns:p15="http://schemas.microsoft.com/office/powerpoint/2012/main" xmlns:mc="http://schemas.openxmlformats.org/markup-compatibility/2006" type="objOverTx" preserve="1">
+<p:sldLayout xmlns:a="http://schemas.openxmlformats.org/drawingml/2006/main" xmlns:r="http://schemas.openxmlformats.org/officeDocument/2006/relationships" xmlns:p="http://schemas.openxmlformats.org/presentationml/2006/main" type="objOverTx" preserve="1">
   <p:cSld name="Title, Content over Content">
     <p:spTree>
       <p:nvGrpSpPr>
@@ -1490,10 +1665,11 @@
           </a:prstGeom>
         </p:spPr>
         <p:txBody>
-          <a:bodyPr lIns="0" rIns="0" tIns="0" bIns="0" anchor="ctr"/>
+          <a:bodyPr lIns="0" tIns="0" rIns="0" bIns="0" anchor="ctr"/>
+          <a:lstStyle/>
           <a:p>
             <a:pPr algn="ctr"/>
-            <a:endParaRPr b="0" lang="cs-CZ" sz="4400" spc="-1" strike="noStrike">
+            <a:endParaRPr lang="cs-CZ" sz="4400" b="0" strike="noStrike" spc="-1">
               <a:latin typeface="Arial"/>
             </a:endParaRPr>
           </a:p>
@@ -1519,11 +1695,12 @@
           </a:prstGeom>
         </p:spPr>
         <p:txBody>
-          <a:bodyPr lIns="0" rIns="0" tIns="0" bIns="0">
-            <a:normAutofit/>
-          </a:bodyPr>
-          <a:p>
-            <a:endParaRPr b="0" lang="cs-CZ" sz="3200" spc="-1" strike="noStrike">
+          <a:bodyPr lIns="0" tIns="0" rIns="0" bIns="0">
+            <a:normAutofit/>
+          </a:bodyPr>
+          <a:lstStyle/>
+          <a:p>
+            <a:endParaRPr lang="cs-CZ" sz="3200" b="0" strike="noStrike" spc="-1">
               <a:latin typeface="Arial"/>
             </a:endParaRPr>
           </a:p>
@@ -1549,11 +1726,12 @@
           </a:prstGeom>
         </p:spPr>
         <p:txBody>
-          <a:bodyPr lIns="0" rIns="0" tIns="0" bIns="0">
-            <a:normAutofit/>
-          </a:bodyPr>
-          <a:p>
-            <a:endParaRPr b="0" lang="cs-CZ" sz="3200" spc="-1" strike="noStrike">
+          <a:bodyPr lIns="0" tIns="0" rIns="0" bIns="0">
+            <a:normAutofit/>
+          </a:bodyPr>
+          <a:lstStyle/>
+          <a:p>
+            <a:endParaRPr lang="cs-CZ" sz="3200" b="0" strike="noStrike" spc="-1">
               <a:latin typeface="Arial"/>
             </a:endParaRPr>
           </a:p>
@@ -1561,11 +1739,14 @@
       </p:sp>
     </p:spTree>
   </p:cSld>
+  <p:clrMapOvr>
+    <a:masterClrMapping/>
+  </p:clrMapOvr>
 </p:sldLayout>
 </file>
 
 <file path=ppt/slideLayouts/slideLayout23.xml><?xml version="1.0" encoding="utf-8"?>
-<p:sldLayout xmlns:a="http://schemas.openxmlformats.org/drawingml/2006/main" xmlns:p="http://schemas.openxmlformats.org/presentationml/2006/main" xmlns:r="http://schemas.openxmlformats.org/officeDocument/2006/relationships" xmlns:p14="http://schemas.microsoft.com/office/powerpoint/2010/main" xmlns:p15="http://schemas.microsoft.com/office/powerpoint/2012/main" xmlns:mc="http://schemas.openxmlformats.org/markup-compatibility/2006" type="fourObj" preserve="1">
+<p:sldLayout xmlns:a="http://schemas.openxmlformats.org/drawingml/2006/main" xmlns:r="http://schemas.openxmlformats.org/officeDocument/2006/relationships" xmlns:p="http://schemas.openxmlformats.org/presentationml/2006/main" type="fourObj" preserve="1">
   <p:cSld name="Title, 4 Content">
     <p:spTree>
       <p:nvGrpSpPr>
@@ -1601,10 +1782,11 @@
           </a:prstGeom>
         </p:spPr>
         <p:txBody>
-          <a:bodyPr lIns="0" rIns="0" tIns="0" bIns="0" anchor="ctr"/>
+          <a:bodyPr lIns="0" tIns="0" rIns="0" bIns="0" anchor="ctr"/>
+          <a:lstStyle/>
           <a:p>
             <a:pPr algn="ctr"/>
-            <a:endParaRPr b="0" lang="cs-CZ" sz="4400" spc="-1" strike="noStrike">
+            <a:endParaRPr lang="cs-CZ" sz="4400" b="0" strike="noStrike" spc="-1">
               <a:latin typeface="Arial"/>
             </a:endParaRPr>
           </a:p>
@@ -1630,11 +1812,12 @@
           </a:prstGeom>
         </p:spPr>
         <p:txBody>
-          <a:bodyPr lIns="0" rIns="0" tIns="0" bIns="0">
-            <a:normAutofit/>
-          </a:bodyPr>
-          <a:p>
-            <a:endParaRPr b="0" lang="cs-CZ" sz="3200" spc="-1" strike="noStrike">
+          <a:bodyPr lIns="0" tIns="0" rIns="0" bIns="0">
+            <a:normAutofit/>
+          </a:bodyPr>
+          <a:lstStyle/>
+          <a:p>
+            <a:endParaRPr lang="cs-CZ" sz="3200" b="0" strike="noStrike" spc="-1">
               <a:latin typeface="Arial"/>
             </a:endParaRPr>
           </a:p>
@@ -1660,11 +1843,12 @@
           </a:prstGeom>
         </p:spPr>
         <p:txBody>
-          <a:bodyPr lIns="0" rIns="0" tIns="0" bIns="0">
-            <a:normAutofit/>
-          </a:bodyPr>
-          <a:p>
-            <a:endParaRPr b="0" lang="cs-CZ" sz="3200" spc="-1" strike="noStrike">
+          <a:bodyPr lIns="0" tIns="0" rIns="0" bIns="0">
+            <a:normAutofit/>
+          </a:bodyPr>
+          <a:lstStyle/>
+          <a:p>
+            <a:endParaRPr lang="cs-CZ" sz="3200" b="0" strike="noStrike" spc="-1">
               <a:latin typeface="Arial"/>
             </a:endParaRPr>
           </a:p>
@@ -1690,11 +1874,12 @@
           </a:prstGeom>
         </p:spPr>
         <p:txBody>
-          <a:bodyPr lIns="0" rIns="0" tIns="0" bIns="0">
-            <a:normAutofit/>
-          </a:bodyPr>
-          <a:p>
-            <a:endParaRPr b="0" lang="cs-CZ" sz="3200" spc="-1" strike="noStrike">
+          <a:bodyPr lIns="0" tIns="0" rIns="0" bIns="0">
+            <a:normAutofit/>
+          </a:bodyPr>
+          <a:lstStyle/>
+          <a:p>
+            <a:endParaRPr lang="cs-CZ" sz="3200" b="0" strike="noStrike" spc="-1">
               <a:latin typeface="Arial"/>
             </a:endParaRPr>
           </a:p>
@@ -1720,11 +1905,12 @@
           </a:prstGeom>
         </p:spPr>
         <p:txBody>
-          <a:bodyPr lIns="0" rIns="0" tIns="0" bIns="0">
-            <a:normAutofit/>
-          </a:bodyPr>
-          <a:p>
-            <a:endParaRPr b="0" lang="cs-CZ" sz="3200" spc="-1" strike="noStrike">
+          <a:bodyPr lIns="0" tIns="0" rIns="0" bIns="0">
+            <a:normAutofit/>
+          </a:bodyPr>
+          <a:lstStyle/>
+          <a:p>
+            <a:endParaRPr lang="cs-CZ" sz="3200" b="0" strike="noStrike" spc="-1">
               <a:latin typeface="Arial"/>
             </a:endParaRPr>
           </a:p>
@@ -1732,11 +1918,14 @@
       </p:sp>
     </p:spTree>
   </p:cSld>
+  <p:clrMapOvr>
+    <a:masterClrMapping/>
+  </p:clrMapOvr>
 </p:sldLayout>
 </file>
 
 <file path=ppt/slideLayouts/slideLayout24.xml><?xml version="1.0" encoding="utf-8"?>
-<p:sldLayout xmlns:a="http://schemas.openxmlformats.org/drawingml/2006/main" xmlns:p="http://schemas.openxmlformats.org/presentationml/2006/main" xmlns:r="http://schemas.openxmlformats.org/officeDocument/2006/relationships" xmlns:p14="http://schemas.microsoft.com/office/powerpoint/2010/main" xmlns:p15="http://schemas.microsoft.com/office/powerpoint/2012/main" xmlns:mc="http://schemas.openxmlformats.org/markup-compatibility/2006" type="blank" preserve="1">
+<p:sldLayout xmlns:a="http://schemas.openxmlformats.org/drawingml/2006/main" xmlns:r="http://schemas.openxmlformats.org/officeDocument/2006/relationships" xmlns:p="http://schemas.openxmlformats.org/presentationml/2006/main" type="blank" preserve="1">
   <p:cSld name="Title, 6 Content">
     <p:spTree>
       <p:nvGrpSpPr>
@@ -1772,10 +1961,11 @@
           </a:prstGeom>
         </p:spPr>
         <p:txBody>
-          <a:bodyPr lIns="0" rIns="0" tIns="0" bIns="0" anchor="ctr"/>
+          <a:bodyPr lIns="0" tIns="0" rIns="0" bIns="0" anchor="ctr"/>
+          <a:lstStyle/>
           <a:p>
             <a:pPr algn="ctr"/>
-            <a:endParaRPr b="0" lang="cs-CZ" sz="4400" spc="-1" strike="noStrike">
+            <a:endParaRPr lang="cs-CZ" sz="4400" b="0" strike="noStrike" spc="-1">
               <a:latin typeface="Arial"/>
             </a:endParaRPr>
           </a:p>
@@ -1801,11 +1991,12 @@
           </a:prstGeom>
         </p:spPr>
         <p:txBody>
-          <a:bodyPr lIns="0" rIns="0" tIns="0" bIns="0">
-            <a:normAutofit/>
-          </a:bodyPr>
-          <a:p>
-            <a:endParaRPr b="0" lang="cs-CZ" sz="3200" spc="-1" strike="noStrike">
+          <a:bodyPr lIns="0" tIns="0" rIns="0" bIns="0">
+            <a:normAutofit/>
+          </a:bodyPr>
+          <a:lstStyle/>
+          <a:p>
+            <a:endParaRPr lang="cs-CZ" sz="3200" b="0" strike="noStrike" spc="-1">
               <a:latin typeface="Arial"/>
             </a:endParaRPr>
           </a:p>
@@ -1831,11 +2022,12 @@
           </a:prstGeom>
         </p:spPr>
         <p:txBody>
-          <a:bodyPr lIns="0" rIns="0" tIns="0" bIns="0">
-            <a:normAutofit/>
-          </a:bodyPr>
-          <a:p>
-            <a:endParaRPr b="0" lang="cs-CZ" sz="3200" spc="-1" strike="noStrike">
+          <a:bodyPr lIns="0" tIns="0" rIns="0" bIns="0">
+            <a:normAutofit/>
+          </a:bodyPr>
+          <a:lstStyle/>
+          <a:p>
+            <a:endParaRPr lang="cs-CZ" sz="3200" b="0" strike="noStrike" spc="-1">
               <a:latin typeface="Arial"/>
             </a:endParaRPr>
           </a:p>
@@ -1861,11 +2053,12 @@
           </a:prstGeom>
         </p:spPr>
         <p:txBody>
-          <a:bodyPr lIns="0" rIns="0" tIns="0" bIns="0">
-            <a:normAutofit/>
-          </a:bodyPr>
-          <a:p>
-            <a:endParaRPr b="0" lang="cs-CZ" sz="3200" spc="-1" strike="noStrike">
+          <a:bodyPr lIns="0" tIns="0" rIns="0" bIns="0">
+            <a:normAutofit/>
+          </a:bodyPr>
+          <a:lstStyle/>
+          <a:p>
+            <a:endParaRPr lang="cs-CZ" sz="3200" b="0" strike="noStrike" spc="-1">
               <a:latin typeface="Arial"/>
             </a:endParaRPr>
           </a:p>
@@ -1891,11 +2084,12 @@
           </a:prstGeom>
         </p:spPr>
         <p:txBody>
-          <a:bodyPr lIns="0" rIns="0" tIns="0" bIns="0">
-            <a:normAutofit/>
-          </a:bodyPr>
-          <a:p>
-            <a:endParaRPr b="0" lang="cs-CZ" sz="3200" spc="-1" strike="noStrike">
+          <a:bodyPr lIns="0" tIns="0" rIns="0" bIns="0">
+            <a:normAutofit/>
+          </a:bodyPr>
+          <a:lstStyle/>
+          <a:p>
+            <a:endParaRPr lang="cs-CZ" sz="3200" b="0" strike="noStrike" spc="-1">
               <a:latin typeface="Arial"/>
             </a:endParaRPr>
           </a:p>
@@ -1921,11 +2115,12 @@
           </a:prstGeom>
         </p:spPr>
         <p:txBody>
-          <a:bodyPr lIns="0" rIns="0" tIns="0" bIns="0">
-            <a:normAutofit/>
-          </a:bodyPr>
-          <a:p>
-            <a:endParaRPr b="0" lang="cs-CZ" sz="3200" spc="-1" strike="noStrike">
+          <a:bodyPr lIns="0" tIns="0" rIns="0" bIns="0">
+            <a:normAutofit/>
+          </a:bodyPr>
+          <a:lstStyle/>
+          <a:p>
+            <a:endParaRPr lang="cs-CZ" sz="3200" b="0" strike="noStrike" spc="-1">
               <a:latin typeface="Arial"/>
             </a:endParaRPr>
           </a:p>
@@ -1951,11 +2146,12 @@
           </a:prstGeom>
         </p:spPr>
         <p:txBody>
-          <a:bodyPr lIns="0" rIns="0" tIns="0" bIns="0">
-            <a:normAutofit/>
-          </a:bodyPr>
-          <a:p>
-            <a:endParaRPr b="0" lang="cs-CZ" sz="3200" spc="-1" strike="noStrike">
+          <a:bodyPr lIns="0" tIns="0" rIns="0" bIns="0">
+            <a:normAutofit/>
+          </a:bodyPr>
+          <a:lstStyle/>
+          <a:p>
+            <a:endParaRPr lang="cs-CZ" sz="3200" b="0" strike="noStrike" spc="-1">
               <a:latin typeface="Arial"/>
             </a:endParaRPr>
           </a:p>
@@ -1963,11 +2159,14 @@
       </p:sp>
     </p:spTree>
   </p:cSld>
+  <p:clrMapOvr>
+    <a:masterClrMapping/>
+  </p:clrMapOvr>
 </p:sldLayout>
 </file>
 
 <file path=ppt/slideLayouts/slideLayout25.xml><?xml version="1.0" encoding="utf-8"?>
-<p:sldLayout xmlns:a="http://schemas.openxmlformats.org/drawingml/2006/main" xmlns:p="http://schemas.openxmlformats.org/presentationml/2006/main" xmlns:r="http://schemas.openxmlformats.org/officeDocument/2006/relationships" xmlns:p14="http://schemas.microsoft.com/office/powerpoint/2010/main" xmlns:p15="http://schemas.microsoft.com/office/powerpoint/2012/main" xmlns:mc="http://schemas.openxmlformats.org/markup-compatibility/2006" type="blank" preserve="1">
+<p:sldLayout xmlns:a="http://schemas.openxmlformats.org/drawingml/2006/main" xmlns:r="http://schemas.openxmlformats.org/officeDocument/2006/relationships" xmlns:p="http://schemas.openxmlformats.org/presentationml/2006/main" type="blank" preserve="1">
   <p:cSld name="Blank Slide">
     <p:spTree>
       <p:nvGrpSpPr>
@@ -1985,11 +2184,14 @@
       </p:grpSpPr>
     </p:spTree>
   </p:cSld>
+  <p:clrMapOvr>
+    <a:masterClrMapping/>
+  </p:clrMapOvr>
 </p:sldLayout>
 </file>
 
 <file path=ppt/slideLayouts/slideLayout26.xml><?xml version="1.0" encoding="utf-8"?>
-<p:sldLayout xmlns:a="http://schemas.openxmlformats.org/drawingml/2006/main" xmlns:p="http://schemas.openxmlformats.org/presentationml/2006/main" xmlns:r="http://schemas.openxmlformats.org/officeDocument/2006/relationships" xmlns:p14="http://schemas.microsoft.com/office/powerpoint/2010/main" xmlns:p15="http://schemas.microsoft.com/office/powerpoint/2012/main" xmlns:mc="http://schemas.openxmlformats.org/markup-compatibility/2006" type="tx" preserve="1">
+<p:sldLayout xmlns:a="http://schemas.openxmlformats.org/drawingml/2006/main" xmlns:r="http://schemas.openxmlformats.org/officeDocument/2006/relationships" xmlns:p="http://schemas.openxmlformats.org/presentationml/2006/main" type="tx" preserve="1">
   <p:cSld name="Title Slide">
     <p:spTree>
       <p:nvGrpSpPr>
@@ -2025,10 +2227,11 @@
           </a:prstGeom>
         </p:spPr>
         <p:txBody>
-          <a:bodyPr lIns="0" rIns="0" tIns="0" bIns="0" anchor="ctr"/>
+          <a:bodyPr lIns="0" tIns="0" rIns="0" bIns="0" anchor="ctr"/>
+          <a:lstStyle/>
           <a:p>
             <a:pPr algn="ctr"/>
-            <a:endParaRPr b="0" lang="cs-CZ" sz="4400" spc="-1" strike="noStrike">
+            <a:endParaRPr lang="cs-CZ" sz="4400" b="0" strike="noStrike" spc="-1">
               <a:latin typeface="Arial"/>
             </a:endParaRPr>
           </a:p>
@@ -2054,10 +2257,11 @@
           </a:prstGeom>
         </p:spPr>
         <p:txBody>
-          <a:bodyPr lIns="0" rIns="0" tIns="0" bIns="0" anchor="ctr"/>
+          <a:bodyPr lIns="0" tIns="0" rIns="0" bIns="0" anchor="ctr"/>
+          <a:lstStyle/>
           <a:p>
             <a:pPr algn="ctr"/>
-            <a:endParaRPr b="0" lang="cs-CZ" sz="3200" spc="-1" strike="noStrike">
+            <a:endParaRPr lang="cs-CZ" sz="3200" b="0" strike="noStrike" spc="-1">
               <a:latin typeface="Arial"/>
             </a:endParaRPr>
           </a:p>
@@ -2065,11 +2269,14 @@
       </p:sp>
     </p:spTree>
   </p:cSld>
+  <p:clrMapOvr>
+    <a:masterClrMapping/>
+  </p:clrMapOvr>
 </p:sldLayout>
 </file>
 
 <file path=ppt/slideLayouts/slideLayout27.xml><?xml version="1.0" encoding="utf-8"?>
-<p:sldLayout xmlns:a="http://schemas.openxmlformats.org/drawingml/2006/main" xmlns:p="http://schemas.openxmlformats.org/presentationml/2006/main" xmlns:r="http://schemas.openxmlformats.org/officeDocument/2006/relationships" xmlns:p14="http://schemas.microsoft.com/office/powerpoint/2010/main" xmlns:p15="http://schemas.microsoft.com/office/powerpoint/2012/main" xmlns:mc="http://schemas.openxmlformats.org/markup-compatibility/2006" type="obj" preserve="1">
+<p:sldLayout xmlns:a="http://schemas.openxmlformats.org/drawingml/2006/main" xmlns:r="http://schemas.openxmlformats.org/officeDocument/2006/relationships" xmlns:p="http://schemas.openxmlformats.org/presentationml/2006/main" type="obj" preserve="1">
   <p:cSld name="Title, Content">
     <p:spTree>
       <p:nvGrpSpPr>
@@ -2105,10 +2312,11 @@
           </a:prstGeom>
         </p:spPr>
         <p:txBody>
-          <a:bodyPr lIns="0" rIns="0" tIns="0" bIns="0" anchor="ctr"/>
+          <a:bodyPr lIns="0" tIns="0" rIns="0" bIns="0" anchor="ctr"/>
+          <a:lstStyle/>
           <a:p>
             <a:pPr algn="ctr"/>
-            <a:endParaRPr b="0" lang="cs-CZ" sz="4400" spc="-1" strike="noStrike">
+            <a:endParaRPr lang="cs-CZ" sz="4400" b="0" strike="noStrike" spc="-1">
               <a:latin typeface="Arial"/>
             </a:endParaRPr>
           </a:p>
@@ -2134,11 +2342,12 @@
           </a:prstGeom>
         </p:spPr>
         <p:txBody>
-          <a:bodyPr lIns="0" rIns="0" tIns="0" bIns="0">
-            <a:normAutofit/>
-          </a:bodyPr>
-          <a:p>
-            <a:endParaRPr b="0" lang="cs-CZ" sz="3200" spc="-1" strike="noStrike">
+          <a:bodyPr lIns="0" tIns="0" rIns="0" bIns="0">
+            <a:normAutofit/>
+          </a:bodyPr>
+          <a:lstStyle/>
+          <a:p>
+            <a:endParaRPr lang="cs-CZ" sz="3200" b="0" strike="noStrike" spc="-1">
               <a:latin typeface="Arial"/>
             </a:endParaRPr>
           </a:p>
@@ -2146,11 +2355,14 @@
       </p:sp>
     </p:spTree>
   </p:cSld>
+  <p:clrMapOvr>
+    <a:masterClrMapping/>
+  </p:clrMapOvr>
 </p:sldLayout>
 </file>
 
 <file path=ppt/slideLayouts/slideLayout28.xml><?xml version="1.0" encoding="utf-8"?>
-<p:sldLayout xmlns:a="http://schemas.openxmlformats.org/drawingml/2006/main" xmlns:p="http://schemas.openxmlformats.org/presentationml/2006/main" xmlns:r="http://schemas.openxmlformats.org/officeDocument/2006/relationships" xmlns:p14="http://schemas.microsoft.com/office/powerpoint/2010/main" xmlns:p15="http://schemas.microsoft.com/office/powerpoint/2012/main" xmlns:mc="http://schemas.openxmlformats.org/markup-compatibility/2006" type="twoObj" preserve="1">
+<p:sldLayout xmlns:a="http://schemas.openxmlformats.org/drawingml/2006/main" xmlns:r="http://schemas.openxmlformats.org/officeDocument/2006/relationships" xmlns:p="http://schemas.openxmlformats.org/presentationml/2006/main" type="twoObj" preserve="1">
   <p:cSld name="Title, 2 Content">
     <p:spTree>
       <p:nvGrpSpPr>
@@ -2186,10 +2398,11 @@
           </a:prstGeom>
         </p:spPr>
         <p:txBody>
-          <a:bodyPr lIns="0" rIns="0" tIns="0" bIns="0" anchor="ctr"/>
+          <a:bodyPr lIns="0" tIns="0" rIns="0" bIns="0" anchor="ctr"/>
+          <a:lstStyle/>
           <a:p>
             <a:pPr algn="ctr"/>
-            <a:endParaRPr b="0" lang="cs-CZ" sz="4400" spc="-1" strike="noStrike">
+            <a:endParaRPr lang="cs-CZ" sz="4400" b="0" strike="noStrike" spc="-1">
               <a:latin typeface="Arial"/>
             </a:endParaRPr>
           </a:p>
@@ -2215,11 +2428,12 @@
           </a:prstGeom>
         </p:spPr>
         <p:txBody>
-          <a:bodyPr lIns="0" rIns="0" tIns="0" bIns="0">
-            <a:normAutofit/>
-          </a:bodyPr>
-          <a:p>
-            <a:endParaRPr b="0" lang="cs-CZ" sz="3200" spc="-1" strike="noStrike">
+          <a:bodyPr lIns="0" tIns="0" rIns="0" bIns="0">
+            <a:normAutofit/>
+          </a:bodyPr>
+          <a:lstStyle/>
+          <a:p>
+            <a:endParaRPr lang="cs-CZ" sz="3200" b="0" strike="noStrike" spc="-1">
               <a:latin typeface="Arial"/>
             </a:endParaRPr>
           </a:p>
@@ -2245,11 +2459,12 @@
           </a:prstGeom>
         </p:spPr>
         <p:txBody>
-          <a:bodyPr lIns="0" rIns="0" tIns="0" bIns="0">
-            <a:normAutofit/>
-          </a:bodyPr>
-          <a:p>
-            <a:endParaRPr b="0" lang="cs-CZ" sz="3200" spc="-1" strike="noStrike">
+          <a:bodyPr lIns="0" tIns="0" rIns="0" bIns="0">
+            <a:normAutofit/>
+          </a:bodyPr>
+          <a:lstStyle/>
+          <a:p>
+            <a:endParaRPr lang="cs-CZ" sz="3200" b="0" strike="noStrike" spc="-1">
               <a:latin typeface="Arial"/>
             </a:endParaRPr>
           </a:p>
@@ -2257,11 +2472,14 @@
       </p:sp>
     </p:spTree>
   </p:cSld>
+  <p:clrMapOvr>
+    <a:masterClrMapping/>
+  </p:clrMapOvr>
 </p:sldLayout>
 </file>
 
 <file path=ppt/slideLayouts/slideLayout29.xml><?xml version="1.0" encoding="utf-8"?>
-<p:sldLayout xmlns:a="http://schemas.openxmlformats.org/drawingml/2006/main" xmlns:p="http://schemas.openxmlformats.org/presentationml/2006/main" xmlns:r="http://schemas.openxmlformats.org/officeDocument/2006/relationships" xmlns:p14="http://schemas.microsoft.com/office/powerpoint/2010/main" xmlns:p15="http://schemas.microsoft.com/office/powerpoint/2012/main" xmlns:mc="http://schemas.openxmlformats.org/markup-compatibility/2006" type="titleOnly" preserve="1">
+<p:sldLayout xmlns:a="http://schemas.openxmlformats.org/drawingml/2006/main" xmlns:r="http://schemas.openxmlformats.org/officeDocument/2006/relationships" xmlns:p="http://schemas.openxmlformats.org/presentationml/2006/main" type="titleOnly" preserve="1">
   <p:cSld name="Title Only">
     <p:spTree>
       <p:nvGrpSpPr>
@@ -2297,10 +2515,11 @@
           </a:prstGeom>
         </p:spPr>
         <p:txBody>
-          <a:bodyPr lIns="0" rIns="0" tIns="0" bIns="0" anchor="ctr"/>
+          <a:bodyPr lIns="0" tIns="0" rIns="0" bIns="0" anchor="ctr"/>
+          <a:lstStyle/>
           <a:p>
             <a:pPr algn="ctr"/>
-            <a:endParaRPr b="0" lang="cs-CZ" sz="4400" spc="-1" strike="noStrike">
+            <a:endParaRPr lang="cs-CZ" sz="4400" b="0" strike="noStrike" spc="-1">
               <a:latin typeface="Arial"/>
             </a:endParaRPr>
           </a:p>
@@ -2308,11 +2527,14 @@
       </p:sp>
     </p:spTree>
   </p:cSld>
+  <p:clrMapOvr>
+    <a:masterClrMapping/>
+  </p:clrMapOvr>
 </p:sldLayout>
 </file>
 
 <file path=ppt/slideLayouts/slideLayout3.xml><?xml version="1.0" encoding="utf-8"?>
-<p:sldLayout xmlns:a="http://schemas.openxmlformats.org/drawingml/2006/main" xmlns:p="http://schemas.openxmlformats.org/presentationml/2006/main" xmlns:r="http://schemas.openxmlformats.org/officeDocument/2006/relationships" xmlns:p14="http://schemas.microsoft.com/office/powerpoint/2010/main" xmlns:p15="http://schemas.microsoft.com/office/powerpoint/2012/main" xmlns:mc="http://schemas.openxmlformats.org/markup-compatibility/2006" type="obj" preserve="1">
+<p:sldLayout xmlns:a="http://schemas.openxmlformats.org/drawingml/2006/main" xmlns:r="http://schemas.openxmlformats.org/officeDocument/2006/relationships" xmlns:p="http://schemas.openxmlformats.org/presentationml/2006/main" type="obj" preserve="1">
   <p:cSld name="Title, Content">
     <p:spTree>
       <p:nvGrpSpPr>
@@ -2348,10 +2570,11 @@
           </a:prstGeom>
         </p:spPr>
         <p:txBody>
-          <a:bodyPr lIns="0" rIns="0" tIns="0" bIns="0" anchor="ctr"/>
+          <a:bodyPr lIns="0" tIns="0" rIns="0" bIns="0" anchor="ctr"/>
+          <a:lstStyle/>
           <a:p>
             <a:pPr algn="ctr"/>
-            <a:endParaRPr b="0" lang="cs-CZ" sz="4400" spc="-1" strike="noStrike">
+            <a:endParaRPr lang="cs-CZ" sz="4400" b="0" strike="noStrike" spc="-1">
               <a:latin typeface="Arial"/>
             </a:endParaRPr>
           </a:p>
@@ -2377,11 +2600,12 @@
           </a:prstGeom>
         </p:spPr>
         <p:txBody>
-          <a:bodyPr lIns="0" rIns="0" tIns="0" bIns="0">
-            <a:normAutofit/>
-          </a:bodyPr>
-          <a:p>
-            <a:endParaRPr b="0" lang="cs-CZ" sz="3200" spc="-1" strike="noStrike">
+          <a:bodyPr lIns="0" tIns="0" rIns="0" bIns="0">
+            <a:normAutofit/>
+          </a:bodyPr>
+          <a:lstStyle/>
+          <a:p>
+            <a:endParaRPr lang="cs-CZ" sz="3200" b="0" strike="noStrike" spc="-1">
               <a:latin typeface="Arial"/>
             </a:endParaRPr>
           </a:p>
@@ -2389,11 +2613,14 @@
       </p:sp>
     </p:spTree>
   </p:cSld>
+  <p:clrMapOvr>
+    <a:masterClrMapping/>
+  </p:clrMapOvr>
 </p:sldLayout>
 </file>
 
 <file path=ppt/slideLayouts/slideLayout30.xml><?xml version="1.0" encoding="utf-8"?>
-<p:sldLayout xmlns:a="http://schemas.openxmlformats.org/drawingml/2006/main" xmlns:p="http://schemas.openxmlformats.org/presentationml/2006/main" xmlns:r="http://schemas.openxmlformats.org/officeDocument/2006/relationships" xmlns:p14="http://schemas.microsoft.com/office/powerpoint/2010/main" xmlns:p15="http://schemas.microsoft.com/office/powerpoint/2012/main" xmlns:mc="http://schemas.openxmlformats.org/markup-compatibility/2006" type="objOnly" preserve="1">
+<p:sldLayout xmlns:a="http://schemas.openxmlformats.org/drawingml/2006/main" xmlns:r="http://schemas.openxmlformats.org/officeDocument/2006/relationships" xmlns:p="http://schemas.openxmlformats.org/presentationml/2006/main" type="objOnly" preserve="1">
   <p:cSld name="Centered Text">
     <p:spTree>
       <p:nvGrpSpPr>
@@ -2429,10 +2656,11 @@
           </a:prstGeom>
         </p:spPr>
         <p:txBody>
-          <a:bodyPr lIns="0" rIns="0" tIns="0" bIns="0" anchor="ctr"/>
+          <a:bodyPr lIns="0" tIns="0" rIns="0" bIns="0" anchor="ctr"/>
+          <a:lstStyle/>
           <a:p>
             <a:pPr algn="ctr"/>
-            <a:endParaRPr b="0" lang="cs-CZ" sz="3200" spc="-1" strike="noStrike">
+            <a:endParaRPr lang="cs-CZ" sz="3200" b="0" strike="noStrike" spc="-1">
               <a:latin typeface="Arial"/>
             </a:endParaRPr>
           </a:p>
@@ -2440,11 +2668,14 @@
       </p:sp>
     </p:spTree>
   </p:cSld>
+  <p:clrMapOvr>
+    <a:masterClrMapping/>
+  </p:clrMapOvr>
 </p:sldLayout>
 </file>
 
 <file path=ppt/slideLayouts/slideLayout31.xml><?xml version="1.0" encoding="utf-8"?>
-<p:sldLayout xmlns:a="http://schemas.openxmlformats.org/drawingml/2006/main" xmlns:p="http://schemas.openxmlformats.org/presentationml/2006/main" xmlns:r="http://schemas.openxmlformats.org/officeDocument/2006/relationships" xmlns:p14="http://schemas.microsoft.com/office/powerpoint/2010/main" xmlns:p15="http://schemas.microsoft.com/office/powerpoint/2012/main" xmlns:mc="http://schemas.openxmlformats.org/markup-compatibility/2006" type="twoObjAndObj" preserve="1">
+<p:sldLayout xmlns:a="http://schemas.openxmlformats.org/drawingml/2006/main" xmlns:r="http://schemas.openxmlformats.org/officeDocument/2006/relationships" xmlns:p="http://schemas.openxmlformats.org/presentationml/2006/main" type="twoObjAndObj" preserve="1">
   <p:cSld name="Title, 2 Content and Content">
     <p:spTree>
       <p:nvGrpSpPr>
@@ -2480,10 +2711,11 @@
           </a:prstGeom>
         </p:spPr>
         <p:txBody>
-          <a:bodyPr lIns="0" rIns="0" tIns="0" bIns="0" anchor="ctr"/>
+          <a:bodyPr lIns="0" tIns="0" rIns="0" bIns="0" anchor="ctr"/>
+          <a:lstStyle/>
           <a:p>
             <a:pPr algn="ctr"/>
-            <a:endParaRPr b="0" lang="cs-CZ" sz="4400" spc="-1" strike="noStrike">
+            <a:endParaRPr lang="cs-CZ" sz="4400" b="0" strike="noStrike" spc="-1">
               <a:latin typeface="Arial"/>
             </a:endParaRPr>
           </a:p>
@@ -2509,11 +2741,12 @@
           </a:prstGeom>
         </p:spPr>
         <p:txBody>
-          <a:bodyPr lIns="0" rIns="0" tIns="0" bIns="0">
-            <a:normAutofit/>
-          </a:bodyPr>
-          <a:p>
-            <a:endParaRPr b="0" lang="cs-CZ" sz="3200" spc="-1" strike="noStrike">
+          <a:bodyPr lIns="0" tIns="0" rIns="0" bIns="0">
+            <a:normAutofit/>
+          </a:bodyPr>
+          <a:lstStyle/>
+          <a:p>
+            <a:endParaRPr lang="cs-CZ" sz="3200" b="0" strike="noStrike" spc="-1">
               <a:latin typeface="Arial"/>
             </a:endParaRPr>
           </a:p>
@@ -2539,11 +2772,12 @@
           </a:prstGeom>
         </p:spPr>
         <p:txBody>
-          <a:bodyPr lIns="0" rIns="0" tIns="0" bIns="0">
-            <a:normAutofit/>
-          </a:bodyPr>
-          <a:p>
-            <a:endParaRPr b="0" lang="cs-CZ" sz="3200" spc="-1" strike="noStrike">
+          <a:bodyPr lIns="0" tIns="0" rIns="0" bIns="0">
+            <a:normAutofit/>
+          </a:bodyPr>
+          <a:lstStyle/>
+          <a:p>
+            <a:endParaRPr lang="cs-CZ" sz="3200" b="0" strike="noStrike" spc="-1">
               <a:latin typeface="Arial"/>
             </a:endParaRPr>
           </a:p>
@@ -2569,11 +2803,12 @@
           </a:prstGeom>
         </p:spPr>
         <p:txBody>
-          <a:bodyPr lIns="0" rIns="0" tIns="0" bIns="0">
-            <a:normAutofit/>
-          </a:bodyPr>
-          <a:p>
-            <a:endParaRPr b="0" lang="cs-CZ" sz="3200" spc="-1" strike="noStrike">
+          <a:bodyPr lIns="0" tIns="0" rIns="0" bIns="0">
+            <a:normAutofit/>
+          </a:bodyPr>
+          <a:lstStyle/>
+          <a:p>
+            <a:endParaRPr lang="cs-CZ" sz="3200" b="0" strike="noStrike" spc="-1">
               <a:latin typeface="Arial"/>
             </a:endParaRPr>
           </a:p>
@@ -2581,11 +2816,14 @@
       </p:sp>
     </p:spTree>
   </p:cSld>
+  <p:clrMapOvr>
+    <a:masterClrMapping/>
+  </p:clrMapOvr>
 </p:sldLayout>
 </file>
 
 <file path=ppt/slideLayouts/slideLayout32.xml><?xml version="1.0" encoding="utf-8"?>
-<p:sldLayout xmlns:a="http://schemas.openxmlformats.org/drawingml/2006/main" xmlns:p="http://schemas.openxmlformats.org/presentationml/2006/main" xmlns:r="http://schemas.openxmlformats.org/officeDocument/2006/relationships" xmlns:p14="http://schemas.microsoft.com/office/powerpoint/2010/main" xmlns:p15="http://schemas.microsoft.com/office/powerpoint/2012/main" xmlns:mc="http://schemas.openxmlformats.org/markup-compatibility/2006" type="objAndTwoObj" preserve="1">
+<p:sldLayout xmlns:a="http://schemas.openxmlformats.org/drawingml/2006/main" xmlns:r="http://schemas.openxmlformats.org/officeDocument/2006/relationships" xmlns:p="http://schemas.openxmlformats.org/presentationml/2006/main" type="objAndTwoObj" preserve="1">
   <p:cSld name="Title Content and 2 Content">
     <p:spTree>
       <p:nvGrpSpPr>
@@ -2621,10 +2859,11 @@
           </a:prstGeom>
         </p:spPr>
         <p:txBody>
-          <a:bodyPr lIns="0" rIns="0" tIns="0" bIns="0" anchor="ctr"/>
+          <a:bodyPr lIns="0" tIns="0" rIns="0" bIns="0" anchor="ctr"/>
+          <a:lstStyle/>
           <a:p>
             <a:pPr algn="ctr"/>
-            <a:endParaRPr b="0" lang="cs-CZ" sz="4400" spc="-1" strike="noStrike">
+            <a:endParaRPr lang="cs-CZ" sz="4400" b="0" strike="noStrike" spc="-1">
               <a:latin typeface="Arial"/>
             </a:endParaRPr>
           </a:p>
@@ -2650,11 +2889,12 @@
           </a:prstGeom>
         </p:spPr>
         <p:txBody>
-          <a:bodyPr lIns="0" rIns="0" tIns="0" bIns="0">
-            <a:normAutofit/>
-          </a:bodyPr>
-          <a:p>
-            <a:endParaRPr b="0" lang="cs-CZ" sz="3200" spc="-1" strike="noStrike">
+          <a:bodyPr lIns="0" tIns="0" rIns="0" bIns="0">
+            <a:normAutofit/>
+          </a:bodyPr>
+          <a:lstStyle/>
+          <a:p>
+            <a:endParaRPr lang="cs-CZ" sz="3200" b="0" strike="noStrike" spc="-1">
               <a:latin typeface="Arial"/>
             </a:endParaRPr>
           </a:p>
@@ -2680,11 +2920,12 @@
           </a:prstGeom>
         </p:spPr>
         <p:txBody>
-          <a:bodyPr lIns="0" rIns="0" tIns="0" bIns="0">
-            <a:normAutofit/>
-          </a:bodyPr>
-          <a:p>
-            <a:endParaRPr b="0" lang="cs-CZ" sz="3200" spc="-1" strike="noStrike">
+          <a:bodyPr lIns="0" tIns="0" rIns="0" bIns="0">
+            <a:normAutofit/>
+          </a:bodyPr>
+          <a:lstStyle/>
+          <a:p>
+            <a:endParaRPr lang="cs-CZ" sz="3200" b="0" strike="noStrike" spc="-1">
               <a:latin typeface="Arial"/>
             </a:endParaRPr>
           </a:p>
@@ -2710,11 +2951,12 @@
           </a:prstGeom>
         </p:spPr>
         <p:txBody>
-          <a:bodyPr lIns="0" rIns="0" tIns="0" bIns="0">
-            <a:normAutofit/>
-          </a:bodyPr>
-          <a:p>
-            <a:endParaRPr b="0" lang="cs-CZ" sz="3200" spc="-1" strike="noStrike">
+          <a:bodyPr lIns="0" tIns="0" rIns="0" bIns="0">
+            <a:normAutofit/>
+          </a:bodyPr>
+          <a:lstStyle/>
+          <a:p>
+            <a:endParaRPr lang="cs-CZ" sz="3200" b="0" strike="noStrike" spc="-1">
               <a:latin typeface="Arial"/>
             </a:endParaRPr>
           </a:p>
@@ -2722,11 +2964,14 @@
       </p:sp>
     </p:spTree>
   </p:cSld>
+  <p:clrMapOvr>
+    <a:masterClrMapping/>
+  </p:clrMapOvr>
 </p:sldLayout>
 </file>
 
 <file path=ppt/slideLayouts/slideLayout33.xml><?xml version="1.0" encoding="utf-8"?>
-<p:sldLayout xmlns:a="http://schemas.openxmlformats.org/drawingml/2006/main" xmlns:p="http://schemas.openxmlformats.org/presentationml/2006/main" xmlns:r="http://schemas.openxmlformats.org/officeDocument/2006/relationships" xmlns:p14="http://schemas.microsoft.com/office/powerpoint/2010/main" xmlns:p15="http://schemas.microsoft.com/office/powerpoint/2012/main" xmlns:mc="http://schemas.openxmlformats.org/markup-compatibility/2006" type="twoObjOverTx" preserve="1">
+<p:sldLayout xmlns:a="http://schemas.openxmlformats.org/drawingml/2006/main" xmlns:r="http://schemas.openxmlformats.org/officeDocument/2006/relationships" xmlns:p="http://schemas.openxmlformats.org/presentationml/2006/main" type="twoObjOverTx" preserve="1">
   <p:cSld name="Title, 2 Content over Content">
     <p:spTree>
       <p:nvGrpSpPr>
@@ -2762,10 +3007,11 @@
           </a:prstGeom>
         </p:spPr>
         <p:txBody>
-          <a:bodyPr lIns="0" rIns="0" tIns="0" bIns="0" anchor="ctr"/>
+          <a:bodyPr lIns="0" tIns="0" rIns="0" bIns="0" anchor="ctr"/>
+          <a:lstStyle/>
           <a:p>
             <a:pPr algn="ctr"/>
-            <a:endParaRPr b="0" lang="cs-CZ" sz="4400" spc="-1" strike="noStrike">
+            <a:endParaRPr lang="cs-CZ" sz="4400" b="0" strike="noStrike" spc="-1">
               <a:latin typeface="Arial"/>
             </a:endParaRPr>
           </a:p>
@@ -2791,11 +3037,12 @@
           </a:prstGeom>
         </p:spPr>
         <p:txBody>
-          <a:bodyPr lIns="0" rIns="0" tIns="0" bIns="0">
-            <a:normAutofit/>
-          </a:bodyPr>
-          <a:p>
-            <a:endParaRPr b="0" lang="cs-CZ" sz="3200" spc="-1" strike="noStrike">
+          <a:bodyPr lIns="0" tIns="0" rIns="0" bIns="0">
+            <a:normAutofit/>
+          </a:bodyPr>
+          <a:lstStyle/>
+          <a:p>
+            <a:endParaRPr lang="cs-CZ" sz="3200" b="0" strike="noStrike" spc="-1">
               <a:latin typeface="Arial"/>
             </a:endParaRPr>
           </a:p>
@@ -2821,11 +3068,12 @@
           </a:prstGeom>
         </p:spPr>
         <p:txBody>
-          <a:bodyPr lIns="0" rIns="0" tIns="0" bIns="0">
-            <a:normAutofit/>
-          </a:bodyPr>
-          <a:p>
-            <a:endParaRPr b="0" lang="cs-CZ" sz="3200" spc="-1" strike="noStrike">
+          <a:bodyPr lIns="0" tIns="0" rIns="0" bIns="0">
+            <a:normAutofit/>
+          </a:bodyPr>
+          <a:lstStyle/>
+          <a:p>
+            <a:endParaRPr lang="cs-CZ" sz="3200" b="0" strike="noStrike" spc="-1">
               <a:latin typeface="Arial"/>
             </a:endParaRPr>
           </a:p>
@@ -2851,11 +3099,12 @@
           </a:prstGeom>
         </p:spPr>
         <p:txBody>
-          <a:bodyPr lIns="0" rIns="0" tIns="0" bIns="0">
-            <a:normAutofit/>
-          </a:bodyPr>
-          <a:p>
-            <a:endParaRPr b="0" lang="cs-CZ" sz="3200" spc="-1" strike="noStrike">
+          <a:bodyPr lIns="0" tIns="0" rIns="0" bIns="0">
+            <a:normAutofit/>
+          </a:bodyPr>
+          <a:lstStyle/>
+          <a:p>
+            <a:endParaRPr lang="cs-CZ" sz="3200" b="0" strike="noStrike" spc="-1">
               <a:latin typeface="Arial"/>
             </a:endParaRPr>
           </a:p>
@@ -2863,11 +3112,14 @@
       </p:sp>
     </p:spTree>
   </p:cSld>
+  <p:clrMapOvr>
+    <a:masterClrMapping/>
+  </p:clrMapOvr>
 </p:sldLayout>
 </file>
 
 <file path=ppt/slideLayouts/slideLayout34.xml><?xml version="1.0" encoding="utf-8"?>
-<p:sldLayout xmlns:a="http://schemas.openxmlformats.org/drawingml/2006/main" xmlns:p="http://schemas.openxmlformats.org/presentationml/2006/main" xmlns:r="http://schemas.openxmlformats.org/officeDocument/2006/relationships" xmlns:p14="http://schemas.microsoft.com/office/powerpoint/2010/main" xmlns:p15="http://schemas.microsoft.com/office/powerpoint/2012/main" xmlns:mc="http://schemas.openxmlformats.org/markup-compatibility/2006" type="objOverTx" preserve="1">
+<p:sldLayout xmlns:a="http://schemas.openxmlformats.org/drawingml/2006/main" xmlns:r="http://schemas.openxmlformats.org/officeDocument/2006/relationships" xmlns:p="http://schemas.openxmlformats.org/presentationml/2006/main" type="objOverTx" preserve="1">
   <p:cSld name="Title, Content over Content">
     <p:spTree>
       <p:nvGrpSpPr>
@@ -2903,10 +3155,11 @@
           </a:prstGeom>
         </p:spPr>
         <p:txBody>
-          <a:bodyPr lIns="0" rIns="0" tIns="0" bIns="0" anchor="ctr"/>
+          <a:bodyPr lIns="0" tIns="0" rIns="0" bIns="0" anchor="ctr"/>
+          <a:lstStyle/>
           <a:p>
             <a:pPr algn="ctr"/>
-            <a:endParaRPr b="0" lang="cs-CZ" sz="4400" spc="-1" strike="noStrike">
+            <a:endParaRPr lang="cs-CZ" sz="4400" b="0" strike="noStrike" spc="-1">
               <a:latin typeface="Arial"/>
             </a:endParaRPr>
           </a:p>
@@ -2932,11 +3185,12 @@
           </a:prstGeom>
         </p:spPr>
         <p:txBody>
-          <a:bodyPr lIns="0" rIns="0" tIns="0" bIns="0">
-            <a:normAutofit/>
-          </a:bodyPr>
-          <a:p>
-            <a:endParaRPr b="0" lang="cs-CZ" sz="3200" spc="-1" strike="noStrike">
+          <a:bodyPr lIns="0" tIns="0" rIns="0" bIns="0">
+            <a:normAutofit/>
+          </a:bodyPr>
+          <a:lstStyle/>
+          <a:p>
+            <a:endParaRPr lang="cs-CZ" sz="3200" b="0" strike="noStrike" spc="-1">
               <a:latin typeface="Arial"/>
             </a:endParaRPr>
           </a:p>
@@ -2962,11 +3216,12 @@
           </a:prstGeom>
         </p:spPr>
         <p:txBody>
-          <a:bodyPr lIns="0" rIns="0" tIns="0" bIns="0">
-            <a:normAutofit/>
-          </a:bodyPr>
-          <a:p>
-            <a:endParaRPr b="0" lang="cs-CZ" sz="3200" spc="-1" strike="noStrike">
+          <a:bodyPr lIns="0" tIns="0" rIns="0" bIns="0">
+            <a:normAutofit/>
+          </a:bodyPr>
+          <a:lstStyle/>
+          <a:p>
+            <a:endParaRPr lang="cs-CZ" sz="3200" b="0" strike="noStrike" spc="-1">
               <a:latin typeface="Arial"/>
             </a:endParaRPr>
           </a:p>
@@ -2974,11 +3229,14 @@
       </p:sp>
     </p:spTree>
   </p:cSld>
+  <p:clrMapOvr>
+    <a:masterClrMapping/>
+  </p:clrMapOvr>
 </p:sldLayout>
 </file>
 
 <file path=ppt/slideLayouts/slideLayout35.xml><?xml version="1.0" encoding="utf-8"?>
-<p:sldLayout xmlns:a="http://schemas.openxmlformats.org/drawingml/2006/main" xmlns:p="http://schemas.openxmlformats.org/presentationml/2006/main" xmlns:r="http://schemas.openxmlformats.org/officeDocument/2006/relationships" xmlns:p14="http://schemas.microsoft.com/office/powerpoint/2010/main" xmlns:p15="http://schemas.microsoft.com/office/powerpoint/2012/main" xmlns:mc="http://schemas.openxmlformats.org/markup-compatibility/2006" type="fourObj" preserve="1">
+<p:sldLayout xmlns:a="http://schemas.openxmlformats.org/drawingml/2006/main" xmlns:r="http://schemas.openxmlformats.org/officeDocument/2006/relationships" xmlns:p="http://schemas.openxmlformats.org/presentationml/2006/main" type="fourObj" preserve="1">
   <p:cSld name="Title, 4 Content">
     <p:spTree>
       <p:nvGrpSpPr>
@@ -3014,10 +3272,11 @@
           </a:prstGeom>
         </p:spPr>
         <p:txBody>
-          <a:bodyPr lIns="0" rIns="0" tIns="0" bIns="0" anchor="ctr"/>
+          <a:bodyPr lIns="0" tIns="0" rIns="0" bIns="0" anchor="ctr"/>
+          <a:lstStyle/>
           <a:p>
             <a:pPr algn="ctr"/>
-            <a:endParaRPr b="0" lang="cs-CZ" sz="4400" spc="-1" strike="noStrike">
+            <a:endParaRPr lang="cs-CZ" sz="4400" b="0" strike="noStrike" spc="-1">
               <a:latin typeface="Arial"/>
             </a:endParaRPr>
           </a:p>
@@ -3043,11 +3302,12 @@
           </a:prstGeom>
         </p:spPr>
         <p:txBody>
-          <a:bodyPr lIns="0" rIns="0" tIns="0" bIns="0">
-            <a:normAutofit/>
-          </a:bodyPr>
-          <a:p>
-            <a:endParaRPr b="0" lang="cs-CZ" sz="3200" spc="-1" strike="noStrike">
+          <a:bodyPr lIns="0" tIns="0" rIns="0" bIns="0">
+            <a:normAutofit/>
+          </a:bodyPr>
+          <a:lstStyle/>
+          <a:p>
+            <a:endParaRPr lang="cs-CZ" sz="3200" b="0" strike="noStrike" spc="-1">
               <a:latin typeface="Arial"/>
             </a:endParaRPr>
           </a:p>
@@ -3073,11 +3333,12 @@
           </a:prstGeom>
         </p:spPr>
         <p:txBody>
-          <a:bodyPr lIns="0" rIns="0" tIns="0" bIns="0">
-            <a:normAutofit/>
-          </a:bodyPr>
-          <a:p>
-            <a:endParaRPr b="0" lang="cs-CZ" sz="3200" spc="-1" strike="noStrike">
+          <a:bodyPr lIns="0" tIns="0" rIns="0" bIns="0">
+            <a:normAutofit/>
+          </a:bodyPr>
+          <a:lstStyle/>
+          <a:p>
+            <a:endParaRPr lang="cs-CZ" sz="3200" b="0" strike="noStrike" spc="-1">
               <a:latin typeface="Arial"/>
             </a:endParaRPr>
           </a:p>
@@ -3103,11 +3364,12 @@
           </a:prstGeom>
         </p:spPr>
         <p:txBody>
-          <a:bodyPr lIns="0" rIns="0" tIns="0" bIns="0">
-            <a:normAutofit/>
-          </a:bodyPr>
-          <a:p>
-            <a:endParaRPr b="0" lang="cs-CZ" sz="3200" spc="-1" strike="noStrike">
+          <a:bodyPr lIns="0" tIns="0" rIns="0" bIns="0">
+            <a:normAutofit/>
+          </a:bodyPr>
+          <a:lstStyle/>
+          <a:p>
+            <a:endParaRPr lang="cs-CZ" sz="3200" b="0" strike="noStrike" spc="-1">
               <a:latin typeface="Arial"/>
             </a:endParaRPr>
           </a:p>
@@ -3133,11 +3395,12 @@
           </a:prstGeom>
         </p:spPr>
         <p:txBody>
-          <a:bodyPr lIns="0" rIns="0" tIns="0" bIns="0">
-            <a:normAutofit/>
-          </a:bodyPr>
-          <a:p>
-            <a:endParaRPr b="0" lang="cs-CZ" sz="3200" spc="-1" strike="noStrike">
+          <a:bodyPr lIns="0" tIns="0" rIns="0" bIns="0">
+            <a:normAutofit/>
+          </a:bodyPr>
+          <a:lstStyle/>
+          <a:p>
+            <a:endParaRPr lang="cs-CZ" sz="3200" b="0" strike="noStrike" spc="-1">
               <a:latin typeface="Arial"/>
             </a:endParaRPr>
           </a:p>
@@ -3145,11 +3408,14 @@
       </p:sp>
     </p:spTree>
   </p:cSld>
+  <p:clrMapOvr>
+    <a:masterClrMapping/>
+  </p:clrMapOvr>
 </p:sldLayout>
 </file>
 
 <file path=ppt/slideLayouts/slideLayout36.xml><?xml version="1.0" encoding="utf-8"?>
-<p:sldLayout xmlns:a="http://schemas.openxmlformats.org/drawingml/2006/main" xmlns:p="http://schemas.openxmlformats.org/presentationml/2006/main" xmlns:r="http://schemas.openxmlformats.org/officeDocument/2006/relationships" xmlns:p14="http://schemas.microsoft.com/office/powerpoint/2010/main" xmlns:p15="http://schemas.microsoft.com/office/powerpoint/2012/main" xmlns:mc="http://schemas.openxmlformats.org/markup-compatibility/2006" type="blank" preserve="1">
+<p:sldLayout xmlns:a="http://schemas.openxmlformats.org/drawingml/2006/main" xmlns:r="http://schemas.openxmlformats.org/officeDocument/2006/relationships" xmlns:p="http://schemas.openxmlformats.org/presentationml/2006/main" type="blank" preserve="1">
   <p:cSld name="Title, 6 Content">
     <p:spTree>
       <p:nvGrpSpPr>
@@ -3185,10 +3451,11 @@
           </a:prstGeom>
         </p:spPr>
         <p:txBody>
-          <a:bodyPr lIns="0" rIns="0" tIns="0" bIns="0" anchor="ctr"/>
+          <a:bodyPr lIns="0" tIns="0" rIns="0" bIns="0" anchor="ctr"/>
+          <a:lstStyle/>
           <a:p>
             <a:pPr algn="ctr"/>
-            <a:endParaRPr b="0" lang="cs-CZ" sz="4400" spc="-1" strike="noStrike">
+            <a:endParaRPr lang="cs-CZ" sz="4400" b="0" strike="noStrike" spc="-1">
               <a:latin typeface="Arial"/>
             </a:endParaRPr>
           </a:p>
@@ -3214,11 +3481,12 @@
           </a:prstGeom>
         </p:spPr>
         <p:txBody>
-          <a:bodyPr lIns="0" rIns="0" tIns="0" bIns="0">
-            <a:normAutofit/>
-          </a:bodyPr>
-          <a:p>
-            <a:endParaRPr b="0" lang="cs-CZ" sz="3200" spc="-1" strike="noStrike">
+          <a:bodyPr lIns="0" tIns="0" rIns="0" bIns="0">
+            <a:normAutofit/>
+          </a:bodyPr>
+          <a:lstStyle/>
+          <a:p>
+            <a:endParaRPr lang="cs-CZ" sz="3200" b="0" strike="noStrike" spc="-1">
               <a:latin typeface="Arial"/>
             </a:endParaRPr>
           </a:p>
@@ -3244,11 +3512,12 @@
           </a:prstGeom>
         </p:spPr>
         <p:txBody>
-          <a:bodyPr lIns="0" rIns="0" tIns="0" bIns="0">
-            <a:normAutofit/>
-          </a:bodyPr>
-          <a:p>
-            <a:endParaRPr b="0" lang="cs-CZ" sz="3200" spc="-1" strike="noStrike">
+          <a:bodyPr lIns="0" tIns="0" rIns="0" bIns="0">
+            <a:normAutofit/>
+          </a:bodyPr>
+          <a:lstStyle/>
+          <a:p>
+            <a:endParaRPr lang="cs-CZ" sz="3200" b="0" strike="noStrike" spc="-1">
               <a:latin typeface="Arial"/>
             </a:endParaRPr>
           </a:p>
@@ -3274,11 +3543,12 @@
           </a:prstGeom>
         </p:spPr>
         <p:txBody>
-          <a:bodyPr lIns="0" rIns="0" tIns="0" bIns="0">
-            <a:normAutofit/>
-          </a:bodyPr>
-          <a:p>
-            <a:endParaRPr b="0" lang="cs-CZ" sz="3200" spc="-1" strike="noStrike">
+          <a:bodyPr lIns="0" tIns="0" rIns="0" bIns="0">
+            <a:normAutofit/>
+          </a:bodyPr>
+          <a:lstStyle/>
+          <a:p>
+            <a:endParaRPr lang="cs-CZ" sz="3200" b="0" strike="noStrike" spc="-1">
               <a:latin typeface="Arial"/>
             </a:endParaRPr>
           </a:p>
@@ -3304,11 +3574,12 @@
           </a:prstGeom>
         </p:spPr>
         <p:txBody>
-          <a:bodyPr lIns="0" rIns="0" tIns="0" bIns="0">
-            <a:normAutofit/>
-          </a:bodyPr>
-          <a:p>
-            <a:endParaRPr b="0" lang="cs-CZ" sz="3200" spc="-1" strike="noStrike">
+          <a:bodyPr lIns="0" tIns="0" rIns="0" bIns="0">
+            <a:normAutofit/>
+          </a:bodyPr>
+          <a:lstStyle/>
+          <a:p>
+            <a:endParaRPr lang="cs-CZ" sz="3200" b="0" strike="noStrike" spc="-1">
               <a:latin typeface="Arial"/>
             </a:endParaRPr>
           </a:p>
@@ -3334,11 +3605,12 @@
           </a:prstGeom>
         </p:spPr>
         <p:txBody>
-          <a:bodyPr lIns="0" rIns="0" tIns="0" bIns="0">
-            <a:normAutofit/>
-          </a:bodyPr>
-          <a:p>
-            <a:endParaRPr b="0" lang="cs-CZ" sz="3200" spc="-1" strike="noStrike">
+          <a:bodyPr lIns="0" tIns="0" rIns="0" bIns="0">
+            <a:normAutofit/>
+          </a:bodyPr>
+          <a:lstStyle/>
+          <a:p>
+            <a:endParaRPr lang="cs-CZ" sz="3200" b="0" strike="noStrike" spc="-1">
               <a:latin typeface="Arial"/>
             </a:endParaRPr>
           </a:p>
@@ -3364,11 +3636,12 @@
           </a:prstGeom>
         </p:spPr>
         <p:txBody>
-          <a:bodyPr lIns="0" rIns="0" tIns="0" bIns="0">
-            <a:normAutofit/>
-          </a:bodyPr>
-          <a:p>
-            <a:endParaRPr b="0" lang="cs-CZ" sz="3200" spc="-1" strike="noStrike">
+          <a:bodyPr lIns="0" tIns="0" rIns="0" bIns="0">
+            <a:normAutofit/>
+          </a:bodyPr>
+          <a:lstStyle/>
+          <a:p>
+            <a:endParaRPr lang="cs-CZ" sz="3200" b="0" strike="noStrike" spc="-1">
               <a:latin typeface="Arial"/>
             </a:endParaRPr>
           </a:p>
@@ -3376,11 +3649,14 @@
       </p:sp>
     </p:spTree>
   </p:cSld>
+  <p:clrMapOvr>
+    <a:masterClrMapping/>
+  </p:clrMapOvr>
 </p:sldLayout>
 </file>
 
 <file path=ppt/slideLayouts/slideLayout37.xml><?xml version="1.0" encoding="utf-8"?>
-<p:sldLayout xmlns:a="http://schemas.openxmlformats.org/drawingml/2006/main" xmlns:p="http://schemas.openxmlformats.org/presentationml/2006/main" xmlns:r="http://schemas.openxmlformats.org/officeDocument/2006/relationships" xmlns:p14="http://schemas.microsoft.com/office/powerpoint/2010/main" xmlns:p15="http://schemas.microsoft.com/office/powerpoint/2012/main" xmlns:mc="http://schemas.openxmlformats.org/markup-compatibility/2006" type="blank" preserve="1">
+<p:sldLayout xmlns:a="http://schemas.openxmlformats.org/drawingml/2006/main" xmlns:r="http://schemas.openxmlformats.org/officeDocument/2006/relationships" xmlns:p="http://schemas.openxmlformats.org/presentationml/2006/main" type="blank" preserve="1">
   <p:cSld name="Blank Slide">
     <p:spTree>
       <p:nvGrpSpPr>
@@ -3398,11 +3674,14 @@
       </p:grpSpPr>
     </p:spTree>
   </p:cSld>
+  <p:clrMapOvr>
+    <a:masterClrMapping/>
+  </p:clrMapOvr>
 </p:sldLayout>
 </file>
 
 <file path=ppt/slideLayouts/slideLayout38.xml><?xml version="1.0" encoding="utf-8"?>
-<p:sldLayout xmlns:a="http://schemas.openxmlformats.org/drawingml/2006/main" xmlns:p="http://schemas.openxmlformats.org/presentationml/2006/main" xmlns:r="http://schemas.openxmlformats.org/officeDocument/2006/relationships" xmlns:p14="http://schemas.microsoft.com/office/powerpoint/2010/main" xmlns:p15="http://schemas.microsoft.com/office/powerpoint/2012/main" xmlns:mc="http://schemas.openxmlformats.org/markup-compatibility/2006" type="tx" preserve="1">
+<p:sldLayout xmlns:a="http://schemas.openxmlformats.org/drawingml/2006/main" xmlns:r="http://schemas.openxmlformats.org/officeDocument/2006/relationships" xmlns:p="http://schemas.openxmlformats.org/presentationml/2006/main" type="tx" preserve="1">
   <p:cSld name="Title Slide">
     <p:spTree>
       <p:nvGrpSpPr>
@@ -3438,10 +3717,11 @@
           </a:prstGeom>
         </p:spPr>
         <p:txBody>
-          <a:bodyPr lIns="0" rIns="0" tIns="0" bIns="0" anchor="ctr"/>
+          <a:bodyPr lIns="0" tIns="0" rIns="0" bIns="0" anchor="ctr"/>
+          <a:lstStyle/>
           <a:p>
             <a:pPr algn="ctr"/>
-            <a:endParaRPr b="0" lang="cs-CZ" sz="4400" spc="-1" strike="noStrike">
+            <a:endParaRPr lang="cs-CZ" sz="4400" b="0" strike="noStrike" spc="-1">
               <a:latin typeface="Arial"/>
             </a:endParaRPr>
           </a:p>
@@ -3467,10 +3747,11 @@
           </a:prstGeom>
         </p:spPr>
         <p:txBody>
-          <a:bodyPr lIns="0" rIns="0" tIns="0" bIns="0" anchor="ctr"/>
+          <a:bodyPr lIns="0" tIns="0" rIns="0" bIns="0" anchor="ctr"/>
+          <a:lstStyle/>
           <a:p>
             <a:pPr algn="ctr"/>
-            <a:endParaRPr b="0" lang="cs-CZ" sz="3200" spc="-1" strike="noStrike">
+            <a:endParaRPr lang="cs-CZ" sz="3200" b="0" strike="noStrike" spc="-1">
               <a:latin typeface="Arial"/>
             </a:endParaRPr>
           </a:p>
@@ -3478,11 +3759,14 @@
       </p:sp>
     </p:spTree>
   </p:cSld>
+  <p:clrMapOvr>
+    <a:masterClrMapping/>
+  </p:clrMapOvr>
 </p:sldLayout>
 </file>
 
 <file path=ppt/slideLayouts/slideLayout39.xml><?xml version="1.0" encoding="utf-8"?>
-<p:sldLayout xmlns:a="http://schemas.openxmlformats.org/drawingml/2006/main" xmlns:p="http://schemas.openxmlformats.org/presentationml/2006/main" xmlns:r="http://schemas.openxmlformats.org/officeDocument/2006/relationships" xmlns:p14="http://schemas.microsoft.com/office/powerpoint/2010/main" xmlns:p15="http://schemas.microsoft.com/office/powerpoint/2012/main" xmlns:mc="http://schemas.openxmlformats.org/markup-compatibility/2006" type="obj" preserve="1">
+<p:sldLayout xmlns:a="http://schemas.openxmlformats.org/drawingml/2006/main" xmlns:r="http://schemas.openxmlformats.org/officeDocument/2006/relationships" xmlns:p="http://schemas.openxmlformats.org/presentationml/2006/main" type="obj" preserve="1">
   <p:cSld name="Title, Content">
     <p:spTree>
       <p:nvGrpSpPr>
@@ -3518,10 +3802,11 @@
           </a:prstGeom>
         </p:spPr>
         <p:txBody>
-          <a:bodyPr lIns="0" rIns="0" tIns="0" bIns="0" anchor="ctr"/>
+          <a:bodyPr lIns="0" tIns="0" rIns="0" bIns="0" anchor="ctr"/>
+          <a:lstStyle/>
           <a:p>
             <a:pPr algn="ctr"/>
-            <a:endParaRPr b="0" lang="cs-CZ" sz="4400" spc="-1" strike="noStrike">
+            <a:endParaRPr lang="cs-CZ" sz="4400" b="0" strike="noStrike" spc="-1">
               <a:latin typeface="Arial"/>
             </a:endParaRPr>
           </a:p>
@@ -3547,11 +3832,12 @@
           </a:prstGeom>
         </p:spPr>
         <p:txBody>
-          <a:bodyPr lIns="0" rIns="0" tIns="0" bIns="0">
-            <a:normAutofit/>
-          </a:bodyPr>
-          <a:p>
-            <a:endParaRPr b="0" lang="cs-CZ" sz="3200" spc="-1" strike="noStrike">
+          <a:bodyPr lIns="0" tIns="0" rIns="0" bIns="0">
+            <a:normAutofit/>
+          </a:bodyPr>
+          <a:lstStyle/>
+          <a:p>
+            <a:endParaRPr lang="cs-CZ" sz="3200" b="0" strike="noStrike" spc="-1">
               <a:latin typeface="Arial"/>
             </a:endParaRPr>
           </a:p>
@@ -3559,11 +3845,14 @@
       </p:sp>
     </p:spTree>
   </p:cSld>
+  <p:clrMapOvr>
+    <a:masterClrMapping/>
+  </p:clrMapOvr>
 </p:sldLayout>
 </file>
 
 <file path=ppt/slideLayouts/slideLayout4.xml><?xml version="1.0" encoding="utf-8"?>
-<p:sldLayout xmlns:a="http://schemas.openxmlformats.org/drawingml/2006/main" xmlns:p="http://schemas.openxmlformats.org/presentationml/2006/main" xmlns:r="http://schemas.openxmlformats.org/officeDocument/2006/relationships" xmlns:p14="http://schemas.microsoft.com/office/powerpoint/2010/main" xmlns:p15="http://schemas.microsoft.com/office/powerpoint/2012/main" xmlns:mc="http://schemas.openxmlformats.org/markup-compatibility/2006" type="twoObj" preserve="1">
+<p:sldLayout xmlns:a="http://schemas.openxmlformats.org/drawingml/2006/main" xmlns:r="http://schemas.openxmlformats.org/officeDocument/2006/relationships" xmlns:p="http://schemas.openxmlformats.org/presentationml/2006/main" type="twoObj" preserve="1">
   <p:cSld name="Title, 2 Content">
     <p:spTree>
       <p:nvGrpSpPr>
@@ -3599,10 +3888,11 @@
           </a:prstGeom>
         </p:spPr>
         <p:txBody>
-          <a:bodyPr lIns="0" rIns="0" tIns="0" bIns="0" anchor="ctr"/>
+          <a:bodyPr lIns="0" tIns="0" rIns="0" bIns="0" anchor="ctr"/>
+          <a:lstStyle/>
           <a:p>
             <a:pPr algn="ctr"/>
-            <a:endParaRPr b="0" lang="cs-CZ" sz="4400" spc="-1" strike="noStrike">
+            <a:endParaRPr lang="cs-CZ" sz="4400" b="0" strike="noStrike" spc="-1">
               <a:latin typeface="Arial"/>
             </a:endParaRPr>
           </a:p>
@@ -3628,11 +3918,12 @@
           </a:prstGeom>
         </p:spPr>
         <p:txBody>
-          <a:bodyPr lIns="0" rIns="0" tIns="0" bIns="0">
-            <a:normAutofit/>
-          </a:bodyPr>
-          <a:p>
-            <a:endParaRPr b="0" lang="cs-CZ" sz="3200" spc="-1" strike="noStrike">
+          <a:bodyPr lIns="0" tIns="0" rIns="0" bIns="0">
+            <a:normAutofit/>
+          </a:bodyPr>
+          <a:lstStyle/>
+          <a:p>
+            <a:endParaRPr lang="cs-CZ" sz="3200" b="0" strike="noStrike" spc="-1">
               <a:latin typeface="Arial"/>
             </a:endParaRPr>
           </a:p>
@@ -3658,11 +3949,12 @@
           </a:prstGeom>
         </p:spPr>
         <p:txBody>
-          <a:bodyPr lIns="0" rIns="0" tIns="0" bIns="0">
-            <a:normAutofit/>
-          </a:bodyPr>
-          <a:p>
-            <a:endParaRPr b="0" lang="cs-CZ" sz="3200" spc="-1" strike="noStrike">
+          <a:bodyPr lIns="0" tIns="0" rIns="0" bIns="0">
+            <a:normAutofit/>
+          </a:bodyPr>
+          <a:lstStyle/>
+          <a:p>
+            <a:endParaRPr lang="cs-CZ" sz="3200" b="0" strike="noStrike" spc="-1">
               <a:latin typeface="Arial"/>
             </a:endParaRPr>
           </a:p>
@@ -3670,11 +3962,14 @@
       </p:sp>
     </p:spTree>
   </p:cSld>
+  <p:clrMapOvr>
+    <a:masterClrMapping/>
+  </p:clrMapOvr>
 </p:sldLayout>
 </file>
 
 <file path=ppt/slideLayouts/slideLayout40.xml><?xml version="1.0" encoding="utf-8"?>
-<p:sldLayout xmlns:a="http://schemas.openxmlformats.org/drawingml/2006/main" xmlns:p="http://schemas.openxmlformats.org/presentationml/2006/main" xmlns:r="http://schemas.openxmlformats.org/officeDocument/2006/relationships" xmlns:p14="http://schemas.microsoft.com/office/powerpoint/2010/main" xmlns:p15="http://schemas.microsoft.com/office/powerpoint/2012/main" xmlns:mc="http://schemas.openxmlformats.org/markup-compatibility/2006" type="twoObj" preserve="1">
+<p:sldLayout xmlns:a="http://schemas.openxmlformats.org/drawingml/2006/main" xmlns:r="http://schemas.openxmlformats.org/officeDocument/2006/relationships" xmlns:p="http://schemas.openxmlformats.org/presentationml/2006/main" type="twoObj" preserve="1">
   <p:cSld name="Title, 2 Content">
     <p:spTree>
       <p:nvGrpSpPr>
@@ -3710,10 +4005,11 @@
           </a:prstGeom>
         </p:spPr>
         <p:txBody>
-          <a:bodyPr lIns="0" rIns="0" tIns="0" bIns="0" anchor="ctr"/>
+          <a:bodyPr lIns="0" tIns="0" rIns="0" bIns="0" anchor="ctr"/>
+          <a:lstStyle/>
           <a:p>
             <a:pPr algn="ctr"/>
-            <a:endParaRPr b="0" lang="cs-CZ" sz="4400" spc="-1" strike="noStrike">
+            <a:endParaRPr lang="cs-CZ" sz="4400" b="0" strike="noStrike" spc="-1">
               <a:latin typeface="Arial"/>
             </a:endParaRPr>
           </a:p>
@@ -3739,11 +4035,12 @@
           </a:prstGeom>
         </p:spPr>
         <p:txBody>
-          <a:bodyPr lIns="0" rIns="0" tIns="0" bIns="0">
-            <a:normAutofit/>
-          </a:bodyPr>
-          <a:p>
-            <a:endParaRPr b="0" lang="cs-CZ" sz="3200" spc="-1" strike="noStrike">
+          <a:bodyPr lIns="0" tIns="0" rIns="0" bIns="0">
+            <a:normAutofit/>
+          </a:bodyPr>
+          <a:lstStyle/>
+          <a:p>
+            <a:endParaRPr lang="cs-CZ" sz="3200" b="0" strike="noStrike" spc="-1">
               <a:latin typeface="Arial"/>
             </a:endParaRPr>
           </a:p>
@@ -3769,11 +4066,12 @@
           </a:prstGeom>
         </p:spPr>
         <p:txBody>
-          <a:bodyPr lIns="0" rIns="0" tIns="0" bIns="0">
-            <a:normAutofit/>
-          </a:bodyPr>
-          <a:p>
-            <a:endParaRPr b="0" lang="cs-CZ" sz="3200" spc="-1" strike="noStrike">
+          <a:bodyPr lIns="0" tIns="0" rIns="0" bIns="0">
+            <a:normAutofit/>
+          </a:bodyPr>
+          <a:lstStyle/>
+          <a:p>
+            <a:endParaRPr lang="cs-CZ" sz="3200" b="0" strike="noStrike" spc="-1">
               <a:latin typeface="Arial"/>
             </a:endParaRPr>
           </a:p>
@@ -3781,11 +4079,14 @@
       </p:sp>
     </p:spTree>
   </p:cSld>
+  <p:clrMapOvr>
+    <a:masterClrMapping/>
+  </p:clrMapOvr>
 </p:sldLayout>
 </file>
 
 <file path=ppt/slideLayouts/slideLayout41.xml><?xml version="1.0" encoding="utf-8"?>
-<p:sldLayout xmlns:a="http://schemas.openxmlformats.org/drawingml/2006/main" xmlns:p="http://schemas.openxmlformats.org/presentationml/2006/main" xmlns:r="http://schemas.openxmlformats.org/officeDocument/2006/relationships" xmlns:p14="http://schemas.microsoft.com/office/powerpoint/2010/main" xmlns:p15="http://schemas.microsoft.com/office/powerpoint/2012/main" xmlns:mc="http://schemas.openxmlformats.org/markup-compatibility/2006" type="titleOnly" preserve="1">
+<p:sldLayout xmlns:a="http://schemas.openxmlformats.org/drawingml/2006/main" xmlns:r="http://schemas.openxmlformats.org/officeDocument/2006/relationships" xmlns:p="http://schemas.openxmlformats.org/presentationml/2006/main" type="titleOnly" preserve="1">
   <p:cSld name="Title Only">
     <p:spTree>
       <p:nvGrpSpPr>
@@ -3821,10 +4122,11 @@
           </a:prstGeom>
         </p:spPr>
         <p:txBody>
-          <a:bodyPr lIns="0" rIns="0" tIns="0" bIns="0" anchor="ctr"/>
+          <a:bodyPr lIns="0" tIns="0" rIns="0" bIns="0" anchor="ctr"/>
+          <a:lstStyle/>
           <a:p>
             <a:pPr algn="ctr"/>
-            <a:endParaRPr b="0" lang="cs-CZ" sz="4400" spc="-1" strike="noStrike">
+            <a:endParaRPr lang="cs-CZ" sz="4400" b="0" strike="noStrike" spc="-1">
               <a:latin typeface="Arial"/>
             </a:endParaRPr>
           </a:p>
@@ -3832,11 +4134,14 @@
       </p:sp>
     </p:spTree>
   </p:cSld>
+  <p:clrMapOvr>
+    <a:masterClrMapping/>
+  </p:clrMapOvr>
 </p:sldLayout>
 </file>
 
 <file path=ppt/slideLayouts/slideLayout42.xml><?xml version="1.0" encoding="utf-8"?>
-<p:sldLayout xmlns:a="http://schemas.openxmlformats.org/drawingml/2006/main" xmlns:p="http://schemas.openxmlformats.org/presentationml/2006/main" xmlns:r="http://schemas.openxmlformats.org/officeDocument/2006/relationships" xmlns:p14="http://schemas.microsoft.com/office/powerpoint/2010/main" xmlns:p15="http://schemas.microsoft.com/office/powerpoint/2012/main" xmlns:mc="http://schemas.openxmlformats.org/markup-compatibility/2006" type="objOnly" preserve="1">
+<p:sldLayout xmlns:a="http://schemas.openxmlformats.org/drawingml/2006/main" xmlns:r="http://schemas.openxmlformats.org/officeDocument/2006/relationships" xmlns:p="http://schemas.openxmlformats.org/presentationml/2006/main" type="objOnly" preserve="1">
   <p:cSld name="Centered Text">
     <p:spTree>
       <p:nvGrpSpPr>
@@ -3872,10 +4177,11 @@
           </a:prstGeom>
         </p:spPr>
         <p:txBody>
-          <a:bodyPr lIns="0" rIns="0" tIns="0" bIns="0" anchor="ctr"/>
+          <a:bodyPr lIns="0" tIns="0" rIns="0" bIns="0" anchor="ctr"/>
+          <a:lstStyle/>
           <a:p>
             <a:pPr algn="ctr"/>
-            <a:endParaRPr b="0" lang="cs-CZ" sz="3200" spc="-1" strike="noStrike">
+            <a:endParaRPr lang="cs-CZ" sz="3200" b="0" strike="noStrike" spc="-1">
               <a:latin typeface="Arial"/>
             </a:endParaRPr>
           </a:p>
@@ -3883,11 +4189,14 @@
       </p:sp>
     </p:spTree>
   </p:cSld>
+  <p:clrMapOvr>
+    <a:masterClrMapping/>
+  </p:clrMapOvr>
 </p:sldLayout>
 </file>
 
 <file path=ppt/slideLayouts/slideLayout43.xml><?xml version="1.0" encoding="utf-8"?>
-<p:sldLayout xmlns:a="http://schemas.openxmlformats.org/drawingml/2006/main" xmlns:p="http://schemas.openxmlformats.org/presentationml/2006/main" xmlns:r="http://schemas.openxmlformats.org/officeDocument/2006/relationships" xmlns:p14="http://schemas.microsoft.com/office/powerpoint/2010/main" xmlns:p15="http://schemas.microsoft.com/office/powerpoint/2012/main" xmlns:mc="http://schemas.openxmlformats.org/markup-compatibility/2006" type="twoObjAndObj" preserve="1">
+<p:sldLayout xmlns:a="http://schemas.openxmlformats.org/drawingml/2006/main" xmlns:r="http://schemas.openxmlformats.org/officeDocument/2006/relationships" xmlns:p="http://schemas.openxmlformats.org/presentationml/2006/main" type="twoObjAndObj" preserve="1">
   <p:cSld name="Title, 2 Content and Content">
     <p:spTree>
       <p:nvGrpSpPr>
@@ -3923,10 +4232,11 @@
           </a:prstGeom>
         </p:spPr>
         <p:txBody>
-          <a:bodyPr lIns="0" rIns="0" tIns="0" bIns="0" anchor="ctr"/>
+          <a:bodyPr lIns="0" tIns="0" rIns="0" bIns="0" anchor="ctr"/>
+          <a:lstStyle/>
           <a:p>
             <a:pPr algn="ctr"/>
-            <a:endParaRPr b="0" lang="cs-CZ" sz="4400" spc="-1" strike="noStrike">
+            <a:endParaRPr lang="cs-CZ" sz="4400" b="0" strike="noStrike" spc="-1">
               <a:latin typeface="Arial"/>
             </a:endParaRPr>
           </a:p>
@@ -3952,11 +4262,12 @@
           </a:prstGeom>
         </p:spPr>
         <p:txBody>
-          <a:bodyPr lIns="0" rIns="0" tIns="0" bIns="0">
-            <a:normAutofit/>
-          </a:bodyPr>
-          <a:p>
-            <a:endParaRPr b="0" lang="cs-CZ" sz="3200" spc="-1" strike="noStrike">
+          <a:bodyPr lIns="0" tIns="0" rIns="0" bIns="0">
+            <a:normAutofit/>
+          </a:bodyPr>
+          <a:lstStyle/>
+          <a:p>
+            <a:endParaRPr lang="cs-CZ" sz="3200" b="0" strike="noStrike" spc="-1">
               <a:latin typeface="Arial"/>
             </a:endParaRPr>
           </a:p>
@@ -3982,11 +4293,12 @@
           </a:prstGeom>
         </p:spPr>
         <p:txBody>
-          <a:bodyPr lIns="0" rIns="0" tIns="0" bIns="0">
-            <a:normAutofit/>
-          </a:bodyPr>
-          <a:p>
-            <a:endParaRPr b="0" lang="cs-CZ" sz="3200" spc="-1" strike="noStrike">
+          <a:bodyPr lIns="0" tIns="0" rIns="0" bIns="0">
+            <a:normAutofit/>
+          </a:bodyPr>
+          <a:lstStyle/>
+          <a:p>
+            <a:endParaRPr lang="cs-CZ" sz="3200" b="0" strike="noStrike" spc="-1">
               <a:latin typeface="Arial"/>
             </a:endParaRPr>
           </a:p>
@@ -4012,11 +4324,12 @@
           </a:prstGeom>
         </p:spPr>
         <p:txBody>
-          <a:bodyPr lIns="0" rIns="0" tIns="0" bIns="0">
-            <a:normAutofit/>
-          </a:bodyPr>
-          <a:p>
-            <a:endParaRPr b="0" lang="cs-CZ" sz="3200" spc="-1" strike="noStrike">
+          <a:bodyPr lIns="0" tIns="0" rIns="0" bIns="0">
+            <a:normAutofit/>
+          </a:bodyPr>
+          <a:lstStyle/>
+          <a:p>
+            <a:endParaRPr lang="cs-CZ" sz="3200" b="0" strike="noStrike" spc="-1">
               <a:latin typeface="Arial"/>
             </a:endParaRPr>
           </a:p>
@@ -4024,11 +4337,14 @@
       </p:sp>
     </p:spTree>
   </p:cSld>
+  <p:clrMapOvr>
+    <a:masterClrMapping/>
+  </p:clrMapOvr>
 </p:sldLayout>
 </file>
 
 <file path=ppt/slideLayouts/slideLayout44.xml><?xml version="1.0" encoding="utf-8"?>
-<p:sldLayout xmlns:a="http://schemas.openxmlformats.org/drawingml/2006/main" xmlns:p="http://schemas.openxmlformats.org/presentationml/2006/main" xmlns:r="http://schemas.openxmlformats.org/officeDocument/2006/relationships" xmlns:p14="http://schemas.microsoft.com/office/powerpoint/2010/main" xmlns:p15="http://schemas.microsoft.com/office/powerpoint/2012/main" xmlns:mc="http://schemas.openxmlformats.org/markup-compatibility/2006" type="objAndTwoObj" preserve="1">
+<p:sldLayout xmlns:a="http://schemas.openxmlformats.org/drawingml/2006/main" xmlns:r="http://schemas.openxmlformats.org/officeDocument/2006/relationships" xmlns:p="http://schemas.openxmlformats.org/presentationml/2006/main" type="objAndTwoObj" preserve="1">
   <p:cSld name="Title Content and 2 Content">
     <p:spTree>
       <p:nvGrpSpPr>
@@ -4064,10 +4380,11 @@
           </a:prstGeom>
         </p:spPr>
         <p:txBody>
-          <a:bodyPr lIns="0" rIns="0" tIns="0" bIns="0" anchor="ctr"/>
+          <a:bodyPr lIns="0" tIns="0" rIns="0" bIns="0" anchor="ctr"/>
+          <a:lstStyle/>
           <a:p>
             <a:pPr algn="ctr"/>
-            <a:endParaRPr b="0" lang="cs-CZ" sz="4400" spc="-1" strike="noStrike">
+            <a:endParaRPr lang="cs-CZ" sz="4400" b="0" strike="noStrike" spc="-1">
               <a:latin typeface="Arial"/>
             </a:endParaRPr>
           </a:p>
@@ -4093,11 +4410,12 @@
           </a:prstGeom>
         </p:spPr>
         <p:txBody>
-          <a:bodyPr lIns="0" rIns="0" tIns="0" bIns="0">
-            <a:normAutofit/>
-          </a:bodyPr>
-          <a:p>
-            <a:endParaRPr b="0" lang="cs-CZ" sz="3200" spc="-1" strike="noStrike">
+          <a:bodyPr lIns="0" tIns="0" rIns="0" bIns="0">
+            <a:normAutofit/>
+          </a:bodyPr>
+          <a:lstStyle/>
+          <a:p>
+            <a:endParaRPr lang="cs-CZ" sz="3200" b="0" strike="noStrike" spc="-1">
               <a:latin typeface="Arial"/>
             </a:endParaRPr>
           </a:p>
@@ -4123,11 +4441,12 @@
           </a:prstGeom>
         </p:spPr>
         <p:txBody>
-          <a:bodyPr lIns="0" rIns="0" tIns="0" bIns="0">
-            <a:normAutofit/>
-          </a:bodyPr>
-          <a:p>
-            <a:endParaRPr b="0" lang="cs-CZ" sz="3200" spc="-1" strike="noStrike">
+          <a:bodyPr lIns="0" tIns="0" rIns="0" bIns="0">
+            <a:normAutofit/>
+          </a:bodyPr>
+          <a:lstStyle/>
+          <a:p>
+            <a:endParaRPr lang="cs-CZ" sz="3200" b="0" strike="noStrike" spc="-1">
               <a:latin typeface="Arial"/>
             </a:endParaRPr>
           </a:p>
@@ -4153,11 +4472,12 @@
           </a:prstGeom>
         </p:spPr>
         <p:txBody>
-          <a:bodyPr lIns="0" rIns="0" tIns="0" bIns="0">
-            <a:normAutofit/>
-          </a:bodyPr>
-          <a:p>
-            <a:endParaRPr b="0" lang="cs-CZ" sz="3200" spc="-1" strike="noStrike">
+          <a:bodyPr lIns="0" tIns="0" rIns="0" bIns="0">
+            <a:normAutofit/>
+          </a:bodyPr>
+          <a:lstStyle/>
+          <a:p>
+            <a:endParaRPr lang="cs-CZ" sz="3200" b="0" strike="noStrike" spc="-1">
               <a:latin typeface="Arial"/>
             </a:endParaRPr>
           </a:p>
@@ -4165,11 +4485,14 @@
       </p:sp>
     </p:spTree>
   </p:cSld>
+  <p:clrMapOvr>
+    <a:masterClrMapping/>
+  </p:clrMapOvr>
 </p:sldLayout>
 </file>
 
 <file path=ppt/slideLayouts/slideLayout45.xml><?xml version="1.0" encoding="utf-8"?>
-<p:sldLayout xmlns:a="http://schemas.openxmlformats.org/drawingml/2006/main" xmlns:p="http://schemas.openxmlformats.org/presentationml/2006/main" xmlns:r="http://schemas.openxmlformats.org/officeDocument/2006/relationships" xmlns:p14="http://schemas.microsoft.com/office/powerpoint/2010/main" xmlns:p15="http://schemas.microsoft.com/office/powerpoint/2012/main" xmlns:mc="http://schemas.openxmlformats.org/markup-compatibility/2006" type="twoObjOverTx" preserve="1">
+<p:sldLayout xmlns:a="http://schemas.openxmlformats.org/drawingml/2006/main" xmlns:r="http://schemas.openxmlformats.org/officeDocument/2006/relationships" xmlns:p="http://schemas.openxmlformats.org/presentationml/2006/main" type="twoObjOverTx" preserve="1">
   <p:cSld name="Title, 2 Content over Content">
     <p:spTree>
       <p:nvGrpSpPr>
@@ -4205,10 +4528,11 @@
           </a:prstGeom>
         </p:spPr>
         <p:txBody>
-          <a:bodyPr lIns="0" rIns="0" tIns="0" bIns="0" anchor="ctr"/>
+          <a:bodyPr lIns="0" tIns="0" rIns="0" bIns="0" anchor="ctr"/>
+          <a:lstStyle/>
           <a:p>
             <a:pPr algn="ctr"/>
-            <a:endParaRPr b="0" lang="cs-CZ" sz="4400" spc="-1" strike="noStrike">
+            <a:endParaRPr lang="cs-CZ" sz="4400" b="0" strike="noStrike" spc="-1">
               <a:latin typeface="Arial"/>
             </a:endParaRPr>
           </a:p>
@@ -4234,11 +4558,12 @@
           </a:prstGeom>
         </p:spPr>
         <p:txBody>
-          <a:bodyPr lIns="0" rIns="0" tIns="0" bIns="0">
-            <a:normAutofit/>
-          </a:bodyPr>
-          <a:p>
-            <a:endParaRPr b="0" lang="cs-CZ" sz="3200" spc="-1" strike="noStrike">
+          <a:bodyPr lIns="0" tIns="0" rIns="0" bIns="0">
+            <a:normAutofit/>
+          </a:bodyPr>
+          <a:lstStyle/>
+          <a:p>
+            <a:endParaRPr lang="cs-CZ" sz="3200" b="0" strike="noStrike" spc="-1">
               <a:latin typeface="Arial"/>
             </a:endParaRPr>
           </a:p>
@@ -4264,11 +4589,12 @@
           </a:prstGeom>
         </p:spPr>
         <p:txBody>
-          <a:bodyPr lIns="0" rIns="0" tIns="0" bIns="0">
-            <a:normAutofit/>
-          </a:bodyPr>
-          <a:p>
-            <a:endParaRPr b="0" lang="cs-CZ" sz="3200" spc="-1" strike="noStrike">
+          <a:bodyPr lIns="0" tIns="0" rIns="0" bIns="0">
+            <a:normAutofit/>
+          </a:bodyPr>
+          <a:lstStyle/>
+          <a:p>
+            <a:endParaRPr lang="cs-CZ" sz="3200" b="0" strike="noStrike" spc="-1">
               <a:latin typeface="Arial"/>
             </a:endParaRPr>
           </a:p>
@@ -4294,11 +4620,12 @@
           </a:prstGeom>
         </p:spPr>
         <p:txBody>
-          <a:bodyPr lIns="0" rIns="0" tIns="0" bIns="0">
-            <a:normAutofit/>
-          </a:bodyPr>
-          <a:p>
-            <a:endParaRPr b="0" lang="cs-CZ" sz="3200" spc="-1" strike="noStrike">
+          <a:bodyPr lIns="0" tIns="0" rIns="0" bIns="0">
+            <a:normAutofit/>
+          </a:bodyPr>
+          <a:lstStyle/>
+          <a:p>
+            <a:endParaRPr lang="cs-CZ" sz="3200" b="0" strike="noStrike" spc="-1">
               <a:latin typeface="Arial"/>
             </a:endParaRPr>
           </a:p>
@@ -4306,11 +4633,14 @@
       </p:sp>
     </p:spTree>
   </p:cSld>
+  <p:clrMapOvr>
+    <a:masterClrMapping/>
+  </p:clrMapOvr>
 </p:sldLayout>
 </file>
 
 <file path=ppt/slideLayouts/slideLayout46.xml><?xml version="1.0" encoding="utf-8"?>
-<p:sldLayout xmlns:a="http://schemas.openxmlformats.org/drawingml/2006/main" xmlns:p="http://schemas.openxmlformats.org/presentationml/2006/main" xmlns:r="http://schemas.openxmlformats.org/officeDocument/2006/relationships" xmlns:p14="http://schemas.microsoft.com/office/powerpoint/2010/main" xmlns:p15="http://schemas.microsoft.com/office/powerpoint/2012/main" xmlns:mc="http://schemas.openxmlformats.org/markup-compatibility/2006" type="objOverTx" preserve="1">
+<p:sldLayout xmlns:a="http://schemas.openxmlformats.org/drawingml/2006/main" xmlns:r="http://schemas.openxmlformats.org/officeDocument/2006/relationships" xmlns:p="http://schemas.openxmlformats.org/presentationml/2006/main" type="objOverTx" preserve="1">
   <p:cSld name="Title, Content over Content">
     <p:spTree>
       <p:nvGrpSpPr>
@@ -4346,10 +4676,11 @@
           </a:prstGeom>
         </p:spPr>
         <p:txBody>
-          <a:bodyPr lIns="0" rIns="0" tIns="0" bIns="0" anchor="ctr"/>
+          <a:bodyPr lIns="0" tIns="0" rIns="0" bIns="0" anchor="ctr"/>
+          <a:lstStyle/>
           <a:p>
             <a:pPr algn="ctr"/>
-            <a:endParaRPr b="0" lang="cs-CZ" sz="4400" spc="-1" strike="noStrike">
+            <a:endParaRPr lang="cs-CZ" sz="4400" b="0" strike="noStrike" spc="-1">
               <a:latin typeface="Arial"/>
             </a:endParaRPr>
           </a:p>
@@ -4375,11 +4706,12 @@
           </a:prstGeom>
         </p:spPr>
         <p:txBody>
-          <a:bodyPr lIns="0" rIns="0" tIns="0" bIns="0">
-            <a:normAutofit/>
-          </a:bodyPr>
-          <a:p>
-            <a:endParaRPr b="0" lang="cs-CZ" sz="3200" spc="-1" strike="noStrike">
+          <a:bodyPr lIns="0" tIns="0" rIns="0" bIns="0">
+            <a:normAutofit/>
+          </a:bodyPr>
+          <a:lstStyle/>
+          <a:p>
+            <a:endParaRPr lang="cs-CZ" sz="3200" b="0" strike="noStrike" spc="-1">
               <a:latin typeface="Arial"/>
             </a:endParaRPr>
           </a:p>
@@ -4405,11 +4737,12 @@
           </a:prstGeom>
         </p:spPr>
         <p:txBody>
-          <a:bodyPr lIns="0" rIns="0" tIns="0" bIns="0">
-            <a:normAutofit/>
-          </a:bodyPr>
-          <a:p>
-            <a:endParaRPr b="0" lang="cs-CZ" sz="3200" spc="-1" strike="noStrike">
+          <a:bodyPr lIns="0" tIns="0" rIns="0" bIns="0">
+            <a:normAutofit/>
+          </a:bodyPr>
+          <a:lstStyle/>
+          <a:p>
+            <a:endParaRPr lang="cs-CZ" sz="3200" b="0" strike="noStrike" spc="-1">
               <a:latin typeface="Arial"/>
             </a:endParaRPr>
           </a:p>
@@ -4417,11 +4750,14 @@
       </p:sp>
     </p:spTree>
   </p:cSld>
+  <p:clrMapOvr>
+    <a:masterClrMapping/>
+  </p:clrMapOvr>
 </p:sldLayout>
 </file>
 
 <file path=ppt/slideLayouts/slideLayout47.xml><?xml version="1.0" encoding="utf-8"?>
-<p:sldLayout xmlns:a="http://schemas.openxmlformats.org/drawingml/2006/main" xmlns:p="http://schemas.openxmlformats.org/presentationml/2006/main" xmlns:r="http://schemas.openxmlformats.org/officeDocument/2006/relationships" xmlns:p14="http://schemas.microsoft.com/office/powerpoint/2010/main" xmlns:p15="http://schemas.microsoft.com/office/powerpoint/2012/main" xmlns:mc="http://schemas.openxmlformats.org/markup-compatibility/2006" type="fourObj" preserve="1">
+<p:sldLayout xmlns:a="http://schemas.openxmlformats.org/drawingml/2006/main" xmlns:r="http://schemas.openxmlformats.org/officeDocument/2006/relationships" xmlns:p="http://schemas.openxmlformats.org/presentationml/2006/main" type="fourObj" preserve="1">
   <p:cSld name="Title, 4 Content">
     <p:spTree>
       <p:nvGrpSpPr>
@@ -4457,10 +4793,11 @@
           </a:prstGeom>
         </p:spPr>
         <p:txBody>
-          <a:bodyPr lIns="0" rIns="0" tIns="0" bIns="0" anchor="ctr"/>
+          <a:bodyPr lIns="0" tIns="0" rIns="0" bIns="0" anchor="ctr"/>
+          <a:lstStyle/>
           <a:p>
             <a:pPr algn="ctr"/>
-            <a:endParaRPr b="0" lang="cs-CZ" sz="4400" spc="-1" strike="noStrike">
+            <a:endParaRPr lang="cs-CZ" sz="4400" b="0" strike="noStrike" spc="-1">
               <a:latin typeface="Arial"/>
             </a:endParaRPr>
           </a:p>
@@ -4486,11 +4823,12 @@
           </a:prstGeom>
         </p:spPr>
         <p:txBody>
-          <a:bodyPr lIns="0" rIns="0" tIns="0" bIns="0">
-            <a:normAutofit/>
-          </a:bodyPr>
-          <a:p>
-            <a:endParaRPr b="0" lang="cs-CZ" sz="3200" spc="-1" strike="noStrike">
+          <a:bodyPr lIns="0" tIns="0" rIns="0" bIns="0">
+            <a:normAutofit/>
+          </a:bodyPr>
+          <a:lstStyle/>
+          <a:p>
+            <a:endParaRPr lang="cs-CZ" sz="3200" b="0" strike="noStrike" spc="-1">
               <a:latin typeface="Arial"/>
             </a:endParaRPr>
           </a:p>
@@ -4516,11 +4854,12 @@
           </a:prstGeom>
         </p:spPr>
         <p:txBody>
-          <a:bodyPr lIns="0" rIns="0" tIns="0" bIns="0">
-            <a:normAutofit/>
-          </a:bodyPr>
-          <a:p>
-            <a:endParaRPr b="0" lang="cs-CZ" sz="3200" spc="-1" strike="noStrike">
+          <a:bodyPr lIns="0" tIns="0" rIns="0" bIns="0">
+            <a:normAutofit/>
+          </a:bodyPr>
+          <a:lstStyle/>
+          <a:p>
+            <a:endParaRPr lang="cs-CZ" sz="3200" b="0" strike="noStrike" spc="-1">
               <a:latin typeface="Arial"/>
             </a:endParaRPr>
           </a:p>
@@ -4546,11 +4885,12 @@
           </a:prstGeom>
         </p:spPr>
         <p:txBody>
-          <a:bodyPr lIns="0" rIns="0" tIns="0" bIns="0">
-            <a:normAutofit/>
-          </a:bodyPr>
-          <a:p>
-            <a:endParaRPr b="0" lang="cs-CZ" sz="3200" spc="-1" strike="noStrike">
+          <a:bodyPr lIns="0" tIns="0" rIns="0" bIns="0">
+            <a:normAutofit/>
+          </a:bodyPr>
+          <a:lstStyle/>
+          <a:p>
+            <a:endParaRPr lang="cs-CZ" sz="3200" b="0" strike="noStrike" spc="-1">
               <a:latin typeface="Arial"/>
             </a:endParaRPr>
           </a:p>
@@ -4576,11 +4916,12 @@
           </a:prstGeom>
         </p:spPr>
         <p:txBody>
-          <a:bodyPr lIns="0" rIns="0" tIns="0" bIns="0">
-            <a:normAutofit/>
-          </a:bodyPr>
-          <a:p>
-            <a:endParaRPr b="0" lang="cs-CZ" sz="3200" spc="-1" strike="noStrike">
+          <a:bodyPr lIns="0" tIns="0" rIns="0" bIns="0">
+            <a:normAutofit/>
+          </a:bodyPr>
+          <a:lstStyle/>
+          <a:p>
+            <a:endParaRPr lang="cs-CZ" sz="3200" b="0" strike="noStrike" spc="-1">
               <a:latin typeface="Arial"/>
             </a:endParaRPr>
           </a:p>
@@ -4588,11 +4929,14 @@
       </p:sp>
     </p:spTree>
   </p:cSld>
+  <p:clrMapOvr>
+    <a:masterClrMapping/>
+  </p:clrMapOvr>
 </p:sldLayout>
 </file>
 
 <file path=ppt/slideLayouts/slideLayout48.xml><?xml version="1.0" encoding="utf-8"?>
-<p:sldLayout xmlns:a="http://schemas.openxmlformats.org/drawingml/2006/main" xmlns:p="http://schemas.openxmlformats.org/presentationml/2006/main" xmlns:r="http://schemas.openxmlformats.org/officeDocument/2006/relationships" xmlns:p14="http://schemas.microsoft.com/office/powerpoint/2010/main" xmlns:p15="http://schemas.microsoft.com/office/powerpoint/2012/main" xmlns:mc="http://schemas.openxmlformats.org/markup-compatibility/2006" type="blank" preserve="1">
+<p:sldLayout xmlns:a="http://schemas.openxmlformats.org/drawingml/2006/main" xmlns:r="http://schemas.openxmlformats.org/officeDocument/2006/relationships" xmlns:p="http://schemas.openxmlformats.org/presentationml/2006/main" type="blank" preserve="1">
   <p:cSld name="Title, 6 Content">
     <p:spTree>
       <p:nvGrpSpPr>
@@ -4628,10 +4972,11 @@
           </a:prstGeom>
         </p:spPr>
         <p:txBody>
-          <a:bodyPr lIns="0" rIns="0" tIns="0" bIns="0" anchor="ctr"/>
+          <a:bodyPr lIns="0" tIns="0" rIns="0" bIns="0" anchor="ctr"/>
+          <a:lstStyle/>
           <a:p>
             <a:pPr algn="ctr"/>
-            <a:endParaRPr b="0" lang="cs-CZ" sz="4400" spc="-1" strike="noStrike">
+            <a:endParaRPr lang="cs-CZ" sz="4400" b="0" strike="noStrike" spc="-1">
               <a:latin typeface="Arial"/>
             </a:endParaRPr>
           </a:p>
@@ -4657,11 +5002,12 @@
           </a:prstGeom>
         </p:spPr>
         <p:txBody>
-          <a:bodyPr lIns="0" rIns="0" tIns="0" bIns="0">
-            <a:normAutofit/>
-          </a:bodyPr>
-          <a:p>
-            <a:endParaRPr b="0" lang="cs-CZ" sz="3200" spc="-1" strike="noStrike">
+          <a:bodyPr lIns="0" tIns="0" rIns="0" bIns="0">
+            <a:normAutofit/>
+          </a:bodyPr>
+          <a:lstStyle/>
+          <a:p>
+            <a:endParaRPr lang="cs-CZ" sz="3200" b="0" strike="noStrike" spc="-1">
               <a:latin typeface="Arial"/>
             </a:endParaRPr>
           </a:p>
@@ -4687,11 +5033,12 @@
           </a:prstGeom>
         </p:spPr>
         <p:txBody>
-          <a:bodyPr lIns="0" rIns="0" tIns="0" bIns="0">
-            <a:normAutofit/>
-          </a:bodyPr>
-          <a:p>
-            <a:endParaRPr b="0" lang="cs-CZ" sz="3200" spc="-1" strike="noStrike">
+          <a:bodyPr lIns="0" tIns="0" rIns="0" bIns="0">
+            <a:normAutofit/>
+          </a:bodyPr>
+          <a:lstStyle/>
+          <a:p>
+            <a:endParaRPr lang="cs-CZ" sz="3200" b="0" strike="noStrike" spc="-1">
               <a:latin typeface="Arial"/>
             </a:endParaRPr>
           </a:p>
@@ -4717,11 +5064,12 @@
           </a:prstGeom>
         </p:spPr>
         <p:txBody>
-          <a:bodyPr lIns="0" rIns="0" tIns="0" bIns="0">
-            <a:normAutofit/>
-          </a:bodyPr>
-          <a:p>
-            <a:endParaRPr b="0" lang="cs-CZ" sz="3200" spc="-1" strike="noStrike">
+          <a:bodyPr lIns="0" tIns="0" rIns="0" bIns="0">
+            <a:normAutofit/>
+          </a:bodyPr>
+          <a:lstStyle/>
+          <a:p>
+            <a:endParaRPr lang="cs-CZ" sz="3200" b="0" strike="noStrike" spc="-1">
               <a:latin typeface="Arial"/>
             </a:endParaRPr>
           </a:p>
@@ -4747,11 +5095,12 @@
           </a:prstGeom>
         </p:spPr>
         <p:txBody>
-          <a:bodyPr lIns="0" rIns="0" tIns="0" bIns="0">
-            <a:normAutofit/>
-          </a:bodyPr>
-          <a:p>
-            <a:endParaRPr b="0" lang="cs-CZ" sz="3200" spc="-1" strike="noStrike">
+          <a:bodyPr lIns="0" tIns="0" rIns="0" bIns="0">
+            <a:normAutofit/>
+          </a:bodyPr>
+          <a:lstStyle/>
+          <a:p>
+            <a:endParaRPr lang="cs-CZ" sz="3200" b="0" strike="noStrike" spc="-1">
               <a:latin typeface="Arial"/>
             </a:endParaRPr>
           </a:p>
@@ -4777,11 +5126,12 @@
           </a:prstGeom>
         </p:spPr>
         <p:txBody>
-          <a:bodyPr lIns="0" rIns="0" tIns="0" bIns="0">
-            <a:normAutofit/>
-          </a:bodyPr>
-          <a:p>
-            <a:endParaRPr b="0" lang="cs-CZ" sz="3200" spc="-1" strike="noStrike">
+          <a:bodyPr lIns="0" tIns="0" rIns="0" bIns="0">
+            <a:normAutofit/>
+          </a:bodyPr>
+          <a:lstStyle/>
+          <a:p>
+            <a:endParaRPr lang="cs-CZ" sz="3200" b="0" strike="noStrike" spc="-1">
               <a:latin typeface="Arial"/>
             </a:endParaRPr>
           </a:p>
@@ -4807,11 +5157,12 @@
           </a:prstGeom>
         </p:spPr>
         <p:txBody>
-          <a:bodyPr lIns="0" rIns="0" tIns="0" bIns="0">
-            <a:normAutofit/>
-          </a:bodyPr>
-          <a:p>
-            <a:endParaRPr b="0" lang="cs-CZ" sz="3200" spc="-1" strike="noStrike">
+          <a:bodyPr lIns="0" tIns="0" rIns="0" bIns="0">
+            <a:normAutofit/>
+          </a:bodyPr>
+          <a:lstStyle/>
+          <a:p>
+            <a:endParaRPr lang="cs-CZ" sz="3200" b="0" strike="noStrike" spc="-1">
               <a:latin typeface="Arial"/>
             </a:endParaRPr>
           </a:p>
@@ -4819,11 +5170,14 @@
       </p:sp>
     </p:spTree>
   </p:cSld>
+  <p:clrMapOvr>
+    <a:masterClrMapping/>
+  </p:clrMapOvr>
 </p:sldLayout>
 </file>
 
 <file path=ppt/slideLayouts/slideLayout5.xml><?xml version="1.0" encoding="utf-8"?>
-<p:sldLayout xmlns:a="http://schemas.openxmlformats.org/drawingml/2006/main" xmlns:p="http://schemas.openxmlformats.org/presentationml/2006/main" xmlns:r="http://schemas.openxmlformats.org/officeDocument/2006/relationships" xmlns:p14="http://schemas.microsoft.com/office/powerpoint/2010/main" xmlns:p15="http://schemas.microsoft.com/office/powerpoint/2012/main" xmlns:mc="http://schemas.openxmlformats.org/markup-compatibility/2006" type="titleOnly" preserve="1">
+<p:sldLayout xmlns:a="http://schemas.openxmlformats.org/drawingml/2006/main" xmlns:r="http://schemas.openxmlformats.org/officeDocument/2006/relationships" xmlns:p="http://schemas.openxmlformats.org/presentationml/2006/main" type="titleOnly" preserve="1">
   <p:cSld name="Title Only">
     <p:spTree>
       <p:nvGrpSpPr>
@@ -4859,10 +5213,11 @@
           </a:prstGeom>
         </p:spPr>
         <p:txBody>
-          <a:bodyPr lIns="0" rIns="0" tIns="0" bIns="0" anchor="ctr"/>
+          <a:bodyPr lIns="0" tIns="0" rIns="0" bIns="0" anchor="ctr"/>
+          <a:lstStyle/>
           <a:p>
             <a:pPr algn="ctr"/>
-            <a:endParaRPr b="0" lang="cs-CZ" sz="4400" spc="-1" strike="noStrike">
+            <a:endParaRPr lang="cs-CZ" sz="4400" b="0" strike="noStrike" spc="-1">
               <a:latin typeface="Arial"/>
             </a:endParaRPr>
           </a:p>
@@ -4870,11 +5225,14 @@
       </p:sp>
     </p:spTree>
   </p:cSld>
+  <p:clrMapOvr>
+    <a:masterClrMapping/>
+  </p:clrMapOvr>
 </p:sldLayout>
 </file>
 
 <file path=ppt/slideLayouts/slideLayout6.xml><?xml version="1.0" encoding="utf-8"?>
-<p:sldLayout xmlns:a="http://schemas.openxmlformats.org/drawingml/2006/main" xmlns:p="http://schemas.openxmlformats.org/presentationml/2006/main" xmlns:r="http://schemas.openxmlformats.org/officeDocument/2006/relationships" xmlns:p14="http://schemas.microsoft.com/office/powerpoint/2010/main" xmlns:p15="http://schemas.microsoft.com/office/powerpoint/2012/main" xmlns:mc="http://schemas.openxmlformats.org/markup-compatibility/2006" type="objOnly" preserve="1">
+<p:sldLayout xmlns:a="http://schemas.openxmlformats.org/drawingml/2006/main" xmlns:r="http://schemas.openxmlformats.org/officeDocument/2006/relationships" xmlns:p="http://schemas.openxmlformats.org/presentationml/2006/main" type="objOnly" preserve="1">
   <p:cSld name="Centered Text">
     <p:spTree>
       <p:nvGrpSpPr>
@@ -4910,10 +5268,11 @@
           </a:prstGeom>
         </p:spPr>
         <p:txBody>
-          <a:bodyPr lIns="0" rIns="0" tIns="0" bIns="0" anchor="ctr"/>
+          <a:bodyPr lIns="0" tIns="0" rIns="0" bIns="0" anchor="ctr"/>
+          <a:lstStyle/>
           <a:p>
             <a:pPr algn="ctr"/>
-            <a:endParaRPr b="0" lang="cs-CZ" sz="3200" spc="-1" strike="noStrike">
+            <a:endParaRPr lang="cs-CZ" sz="3200" b="0" strike="noStrike" spc="-1">
               <a:latin typeface="Arial"/>
             </a:endParaRPr>
           </a:p>
@@ -4921,11 +5280,14 @@
       </p:sp>
     </p:spTree>
   </p:cSld>
+  <p:clrMapOvr>
+    <a:masterClrMapping/>
+  </p:clrMapOvr>
 </p:sldLayout>
 </file>
 
 <file path=ppt/slideLayouts/slideLayout7.xml><?xml version="1.0" encoding="utf-8"?>
-<p:sldLayout xmlns:a="http://schemas.openxmlformats.org/drawingml/2006/main" xmlns:p="http://schemas.openxmlformats.org/presentationml/2006/main" xmlns:r="http://schemas.openxmlformats.org/officeDocument/2006/relationships" xmlns:p14="http://schemas.microsoft.com/office/powerpoint/2010/main" xmlns:p15="http://schemas.microsoft.com/office/powerpoint/2012/main" xmlns:mc="http://schemas.openxmlformats.org/markup-compatibility/2006" type="twoObjAndObj" preserve="1">
+<p:sldLayout xmlns:a="http://schemas.openxmlformats.org/drawingml/2006/main" xmlns:r="http://schemas.openxmlformats.org/officeDocument/2006/relationships" xmlns:p="http://schemas.openxmlformats.org/presentationml/2006/main" type="twoObjAndObj" preserve="1">
   <p:cSld name="Title, 2 Content and Content">
     <p:spTree>
       <p:nvGrpSpPr>
@@ -4961,10 +5323,11 @@
           </a:prstGeom>
         </p:spPr>
         <p:txBody>
-          <a:bodyPr lIns="0" rIns="0" tIns="0" bIns="0" anchor="ctr"/>
+          <a:bodyPr lIns="0" tIns="0" rIns="0" bIns="0" anchor="ctr"/>
+          <a:lstStyle/>
           <a:p>
             <a:pPr algn="ctr"/>
-            <a:endParaRPr b="0" lang="cs-CZ" sz="4400" spc="-1" strike="noStrike">
+            <a:endParaRPr lang="cs-CZ" sz="4400" b="0" strike="noStrike" spc="-1">
               <a:latin typeface="Arial"/>
             </a:endParaRPr>
           </a:p>
@@ -4990,11 +5353,12 @@
           </a:prstGeom>
         </p:spPr>
         <p:txBody>
-          <a:bodyPr lIns="0" rIns="0" tIns="0" bIns="0">
-            <a:normAutofit/>
-          </a:bodyPr>
-          <a:p>
-            <a:endParaRPr b="0" lang="cs-CZ" sz="3200" spc="-1" strike="noStrike">
+          <a:bodyPr lIns="0" tIns="0" rIns="0" bIns="0">
+            <a:normAutofit/>
+          </a:bodyPr>
+          <a:lstStyle/>
+          <a:p>
+            <a:endParaRPr lang="cs-CZ" sz="3200" b="0" strike="noStrike" spc="-1">
               <a:latin typeface="Arial"/>
             </a:endParaRPr>
           </a:p>
@@ -5020,11 +5384,12 @@
           </a:prstGeom>
         </p:spPr>
         <p:txBody>
-          <a:bodyPr lIns="0" rIns="0" tIns="0" bIns="0">
-            <a:normAutofit/>
-          </a:bodyPr>
-          <a:p>
-            <a:endParaRPr b="0" lang="cs-CZ" sz="3200" spc="-1" strike="noStrike">
+          <a:bodyPr lIns="0" tIns="0" rIns="0" bIns="0">
+            <a:normAutofit/>
+          </a:bodyPr>
+          <a:lstStyle/>
+          <a:p>
+            <a:endParaRPr lang="cs-CZ" sz="3200" b="0" strike="noStrike" spc="-1">
               <a:latin typeface="Arial"/>
             </a:endParaRPr>
           </a:p>
@@ -5050,11 +5415,12 @@
           </a:prstGeom>
         </p:spPr>
         <p:txBody>
-          <a:bodyPr lIns="0" rIns="0" tIns="0" bIns="0">
-            <a:normAutofit/>
-          </a:bodyPr>
-          <a:p>
-            <a:endParaRPr b="0" lang="cs-CZ" sz="3200" spc="-1" strike="noStrike">
+          <a:bodyPr lIns="0" tIns="0" rIns="0" bIns="0">
+            <a:normAutofit/>
+          </a:bodyPr>
+          <a:lstStyle/>
+          <a:p>
+            <a:endParaRPr lang="cs-CZ" sz="3200" b="0" strike="noStrike" spc="-1">
               <a:latin typeface="Arial"/>
             </a:endParaRPr>
           </a:p>
@@ -5062,11 +5428,14 @@
       </p:sp>
     </p:spTree>
   </p:cSld>
+  <p:clrMapOvr>
+    <a:masterClrMapping/>
+  </p:clrMapOvr>
 </p:sldLayout>
 </file>
 
 <file path=ppt/slideLayouts/slideLayout8.xml><?xml version="1.0" encoding="utf-8"?>
-<p:sldLayout xmlns:a="http://schemas.openxmlformats.org/drawingml/2006/main" xmlns:p="http://schemas.openxmlformats.org/presentationml/2006/main" xmlns:r="http://schemas.openxmlformats.org/officeDocument/2006/relationships" xmlns:p14="http://schemas.microsoft.com/office/powerpoint/2010/main" xmlns:p15="http://schemas.microsoft.com/office/powerpoint/2012/main" xmlns:mc="http://schemas.openxmlformats.org/markup-compatibility/2006" type="objAndTwoObj" preserve="1">
+<p:sldLayout xmlns:a="http://schemas.openxmlformats.org/drawingml/2006/main" xmlns:r="http://schemas.openxmlformats.org/officeDocument/2006/relationships" xmlns:p="http://schemas.openxmlformats.org/presentationml/2006/main" type="objAndTwoObj" preserve="1">
   <p:cSld name="Title Content and 2 Content">
     <p:spTree>
       <p:nvGrpSpPr>
@@ -5102,10 +5471,11 @@
           </a:prstGeom>
         </p:spPr>
         <p:txBody>
-          <a:bodyPr lIns="0" rIns="0" tIns="0" bIns="0" anchor="ctr"/>
+          <a:bodyPr lIns="0" tIns="0" rIns="0" bIns="0" anchor="ctr"/>
+          <a:lstStyle/>
           <a:p>
             <a:pPr algn="ctr"/>
-            <a:endParaRPr b="0" lang="cs-CZ" sz="4400" spc="-1" strike="noStrike">
+            <a:endParaRPr lang="cs-CZ" sz="4400" b="0" strike="noStrike" spc="-1">
               <a:latin typeface="Arial"/>
             </a:endParaRPr>
           </a:p>
@@ -5131,11 +5501,12 @@
           </a:prstGeom>
         </p:spPr>
         <p:txBody>
-          <a:bodyPr lIns="0" rIns="0" tIns="0" bIns="0">
-            <a:normAutofit/>
-          </a:bodyPr>
-          <a:p>
-            <a:endParaRPr b="0" lang="cs-CZ" sz="3200" spc="-1" strike="noStrike">
+          <a:bodyPr lIns="0" tIns="0" rIns="0" bIns="0">
+            <a:normAutofit/>
+          </a:bodyPr>
+          <a:lstStyle/>
+          <a:p>
+            <a:endParaRPr lang="cs-CZ" sz="3200" b="0" strike="noStrike" spc="-1">
               <a:latin typeface="Arial"/>
             </a:endParaRPr>
           </a:p>
@@ -5161,11 +5532,12 @@
           </a:prstGeom>
         </p:spPr>
         <p:txBody>
-          <a:bodyPr lIns="0" rIns="0" tIns="0" bIns="0">
-            <a:normAutofit/>
-          </a:bodyPr>
-          <a:p>
-            <a:endParaRPr b="0" lang="cs-CZ" sz="3200" spc="-1" strike="noStrike">
+          <a:bodyPr lIns="0" tIns="0" rIns="0" bIns="0">
+            <a:normAutofit/>
+          </a:bodyPr>
+          <a:lstStyle/>
+          <a:p>
+            <a:endParaRPr lang="cs-CZ" sz="3200" b="0" strike="noStrike" spc="-1">
               <a:latin typeface="Arial"/>
             </a:endParaRPr>
           </a:p>
@@ -5191,11 +5563,12 @@
           </a:prstGeom>
         </p:spPr>
         <p:txBody>
-          <a:bodyPr lIns="0" rIns="0" tIns="0" bIns="0">
-            <a:normAutofit/>
-          </a:bodyPr>
-          <a:p>
-            <a:endParaRPr b="0" lang="cs-CZ" sz="3200" spc="-1" strike="noStrike">
+          <a:bodyPr lIns="0" tIns="0" rIns="0" bIns="0">
+            <a:normAutofit/>
+          </a:bodyPr>
+          <a:lstStyle/>
+          <a:p>
+            <a:endParaRPr lang="cs-CZ" sz="3200" b="0" strike="noStrike" spc="-1">
               <a:latin typeface="Arial"/>
             </a:endParaRPr>
           </a:p>
@@ -5203,11 +5576,14 @@
       </p:sp>
     </p:spTree>
   </p:cSld>
+  <p:clrMapOvr>
+    <a:masterClrMapping/>
+  </p:clrMapOvr>
 </p:sldLayout>
 </file>
 
 <file path=ppt/slideLayouts/slideLayout9.xml><?xml version="1.0" encoding="utf-8"?>
-<p:sldLayout xmlns:a="http://schemas.openxmlformats.org/drawingml/2006/main" xmlns:p="http://schemas.openxmlformats.org/presentationml/2006/main" xmlns:r="http://schemas.openxmlformats.org/officeDocument/2006/relationships" xmlns:p14="http://schemas.microsoft.com/office/powerpoint/2010/main" xmlns:p15="http://schemas.microsoft.com/office/powerpoint/2012/main" xmlns:mc="http://schemas.openxmlformats.org/markup-compatibility/2006" type="twoObjOverTx" preserve="1">
+<p:sldLayout xmlns:a="http://schemas.openxmlformats.org/drawingml/2006/main" xmlns:r="http://schemas.openxmlformats.org/officeDocument/2006/relationships" xmlns:p="http://schemas.openxmlformats.org/presentationml/2006/main" type="twoObjOverTx" preserve="1">
   <p:cSld name="Title, 2 Content over Content">
     <p:spTree>
       <p:nvGrpSpPr>
@@ -5243,10 +5619,11 @@
           </a:prstGeom>
         </p:spPr>
         <p:txBody>
-          <a:bodyPr lIns="0" rIns="0" tIns="0" bIns="0" anchor="ctr"/>
+          <a:bodyPr lIns="0" tIns="0" rIns="0" bIns="0" anchor="ctr"/>
+          <a:lstStyle/>
           <a:p>
             <a:pPr algn="ctr"/>
-            <a:endParaRPr b="0" lang="cs-CZ" sz="4400" spc="-1" strike="noStrike">
+            <a:endParaRPr lang="cs-CZ" sz="4400" b="0" strike="noStrike" spc="-1">
               <a:latin typeface="Arial"/>
             </a:endParaRPr>
           </a:p>
@@ -5272,11 +5649,12 @@
           </a:prstGeom>
         </p:spPr>
         <p:txBody>
-          <a:bodyPr lIns="0" rIns="0" tIns="0" bIns="0">
-            <a:normAutofit/>
-          </a:bodyPr>
-          <a:p>
-            <a:endParaRPr b="0" lang="cs-CZ" sz="3200" spc="-1" strike="noStrike">
+          <a:bodyPr lIns="0" tIns="0" rIns="0" bIns="0">
+            <a:normAutofit/>
+          </a:bodyPr>
+          <a:lstStyle/>
+          <a:p>
+            <a:endParaRPr lang="cs-CZ" sz="3200" b="0" strike="noStrike" spc="-1">
               <a:latin typeface="Arial"/>
             </a:endParaRPr>
           </a:p>
@@ -5302,11 +5680,12 @@
           </a:prstGeom>
         </p:spPr>
         <p:txBody>
-          <a:bodyPr lIns="0" rIns="0" tIns="0" bIns="0">
-            <a:normAutofit/>
-          </a:bodyPr>
-          <a:p>
-            <a:endParaRPr b="0" lang="cs-CZ" sz="3200" spc="-1" strike="noStrike">
+          <a:bodyPr lIns="0" tIns="0" rIns="0" bIns="0">
+            <a:normAutofit/>
+          </a:bodyPr>
+          <a:lstStyle/>
+          <a:p>
+            <a:endParaRPr lang="cs-CZ" sz="3200" b="0" strike="noStrike" spc="-1">
               <a:latin typeface="Arial"/>
             </a:endParaRPr>
           </a:p>
@@ -5332,11 +5711,12 @@
           </a:prstGeom>
         </p:spPr>
         <p:txBody>
-          <a:bodyPr lIns="0" rIns="0" tIns="0" bIns="0">
-            <a:normAutofit/>
-          </a:bodyPr>
-          <a:p>
-            <a:endParaRPr b="0" lang="cs-CZ" sz="3200" spc="-1" strike="noStrike">
+          <a:bodyPr lIns="0" tIns="0" rIns="0" bIns="0">
+            <a:normAutofit/>
+          </a:bodyPr>
+          <a:lstStyle/>
+          <a:p>
+            <a:endParaRPr lang="cs-CZ" sz="3200" b="0" strike="noStrike" spc="-1">
               <a:latin typeface="Arial"/>
             </a:endParaRPr>
           </a:p>
@@ -5344,20 +5724,24 @@
       </p:sp>
     </p:spTree>
   </p:cSld>
+  <p:clrMapOvr>
+    <a:masterClrMapping/>
+  </p:clrMapOvr>
 </p:sldLayout>
 </file>
 
 <file path=ppt/slideMasters/slideMaster1.xml><?xml version="1.0" encoding="utf-8"?>
-<p:sldMaster xmlns:a="http://schemas.openxmlformats.org/drawingml/2006/main" xmlns:p="http://schemas.openxmlformats.org/presentationml/2006/main" xmlns:r="http://schemas.openxmlformats.org/officeDocument/2006/relationships" xmlns:p14="http://schemas.microsoft.com/office/powerpoint/2010/main" xmlns:p15="http://schemas.microsoft.com/office/powerpoint/2012/main" xmlns:mc="http://schemas.openxmlformats.org/markup-compatibility/2006">
+<p:sldMaster xmlns:a="http://schemas.openxmlformats.org/drawingml/2006/main" xmlns:r="http://schemas.openxmlformats.org/officeDocument/2006/relationships" xmlns:p="http://schemas.openxmlformats.org/presentationml/2006/main">
   <p:cSld>
     <p:bg>
       <p:bgPr>
         <a:blipFill rotWithShape="0">
-          <a:blip r:embed="rId2"/>
+          <a:blip r:embed="rId14"/>
           <a:stretch>
             <a:fillRect/>
           </a:stretch>
         </a:blipFill>
+        <a:effectLst/>
       </p:bgPr>
     </p:bg>
     <p:spTree>
@@ -5376,7 +5760,7 @@
       </p:grpSpPr>
       <p:sp>
         <p:nvSpPr>
-          <p:cNvPr id="0" name="PlaceHolder 1"/>
+          <p:cNvPr id="2" name="PlaceHolder 1"/>
           <p:cNvSpPr>
             <a:spLocks noGrp="1"/>
           </p:cNvSpPr>
@@ -5394,23 +5778,21 @@
           </a:prstGeom>
         </p:spPr>
         <p:txBody>
-          <a:bodyPr lIns="0" rIns="0" tIns="0" bIns="0" anchor="ctr"/>
+          <a:bodyPr lIns="0" tIns="0" rIns="0" bIns="0" anchor="ctr"/>
+          <a:lstStyle/>
           <a:p>
             <a:r>
-              <a:rPr b="0" lang="cs-CZ" sz="1800" spc="-1" strike="noStrike">
+              <a:rPr lang="cs-CZ" sz="1800" b="0" strike="noStrike" spc="-1">
                 <a:latin typeface="Arial"/>
               </a:rPr>
               <a:t>Klikněte pro úpravu formátu textu nadpisu</a:t>
             </a:r>
-            <a:endParaRPr b="0" lang="cs-CZ" sz="1800" spc="-1" strike="noStrike">
-              <a:latin typeface="Arial"/>
-            </a:endParaRPr>
-          </a:p>
-        </p:txBody>
-      </p:sp>
-      <p:sp>
-        <p:nvSpPr>
-          <p:cNvPr id="1" name="PlaceHolder 2"/>
+          </a:p>
+        </p:txBody>
+      </p:sp>
+      <p:sp>
+        <p:nvSpPr>
+          <p:cNvPr id="3" name="PlaceHolder 2"/>
           <p:cNvSpPr>
             <a:spLocks noGrp="1"/>
           </p:cNvSpPr>
@@ -5428,9 +5810,10 @@
           </a:prstGeom>
         </p:spPr>
         <p:txBody>
-          <a:bodyPr lIns="0" rIns="0" tIns="0" bIns="0">
-            <a:normAutofit/>
-          </a:bodyPr>
+          <a:bodyPr lIns="0" tIns="0" rIns="0" bIns="0">
+            <a:normAutofit/>
+          </a:bodyPr>
+          <a:lstStyle/>
           <a:p>
             <a:pPr marL="432000" indent="-324000">
               <a:spcBef>
@@ -5444,17 +5827,14 @@
               <a:buChar char=""/>
             </a:pPr>
             <a:r>
-              <a:rPr b="0" lang="cs-CZ" sz="3200" spc="-1" strike="noStrike">
+              <a:rPr lang="cs-CZ" sz="3200" b="0" strike="noStrike" spc="-1">
                 <a:latin typeface="Arial"/>
               </a:rPr>
               <a:t>Klikněte pro úpravu formátu textu osnovy</a:t>
             </a:r>
-            <a:endParaRPr b="0" lang="cs-CZ" sz="3200" spc="-1" strike="noStrike">
-              <a:latin typeface="Arial"/>
-            </a:endParaRPr>
-          </a:p>
-          <a:p>
-            <a:pPr lvl="1" marL="864000" indent="-324000">
+          </a:p>
+          <a:p>
+            <a:pPr marL="864000" lvl="1" indent="-324000">
               <a:spcBef>
                 <a:spcPts val="1134"/>
               </a:spcBef>
@@ -5466,17 +5846,14 @@
               <a:buChar char=""/>
             </a:pPr>
             <a:r>
-              <a:rPr b="0" lang="cs-CZ" sz="2800" spc="-1" strike="noStrike">
+              <a:rPr lang="cs-CZ" sz="2800" b="0" strike="noStrike" spc="-1">
                 <a:latin typeface="Arial"/>
               </a:rPr>
               <a:t>Druhá úroveň</a:t>
             </a:r>
-            <a:endParaRPr b="0" lang="cs-CZ" sz="2800" spc="-1" strike="noStrike">
-              <a:latin typeface="Arial"/>
-            </a:endParaRPr>
-          </a:p>
-          <a:p>
-            <a:pPr lvl="2" marL="1296000" indent="-288000">
+          </a:p>
+          <a:p>
+            <a:pPr marL="1296000" lvl="2" indent="-288000">
               <a:spcBef>
                 <a:spcPts val="850"/>
               </a:spcBef>
@@ -5488,17 +5865,14 @@
               <a:buChar char=""/>
             </a:pPr>
             <a:r>
-              <a:rPr b="0" lang="cs-CZ" sz="2400" spc="-1" strike="noStrike">
+              <a:rPr lang="cs-CZ" sz="2400" b="0" strike="noStrike" spc="-1">
                 <a:latin typeface="Arial"/>
               </a:rPr>
               <a:t>Třetí úroveň</a:t>
             </a:r>
-            <a:endParaRPr b="0" lang="cs-CZ" sz="2400" spc="-1" strike="noStrike">
-              <a:latin typeface="Arial"/>
-            </a:endParaRPr>
-          </a:p>
-          <a:p>
-            <a:pPr lvl="3" marL="1728000" indent="-216000">
+          </a:p>
+          <a:p>
+            <a:pPr marL="1728000" lvl="3" indent="-216000">
               <a:spcBef>
                 <a:spcPts val="567"/>
               </a:spcBef>
@@ -5510,17 +5884,14 @@
               <a:buChar char=""/>
             </a:pPr>
             <a:r>
-              <a:rPr b="0" lang="cs-CZ" sz="2000" spc="-1" strike="noStrike">
+              <a:rPr lang="cs-CZ" sz="2000" b="0" strike="noStrike" spc="-1">
                 <a:latin typeface="Arial"/>
               </a:rPr>
               <a:t>Čtvrtá úroveň osnovy</a:t>
             </a:r>
-            <a:endParaRPr b="0" lang="cs-CZ" sz="2000" spc="-1" strike="noStrike">
-              <a:latin typeface="Arial"/>
-            </a:endParaRPr>
-          </a:p>
-          <a:p>
-            <a:pPr lvl="4" marL="2160000" indent="-216000">
+          </a:p>
+          <a:p>
+            <a:pPr marL="2160000" lvl="4" indent="-216000">
               <a:spcBef>
                 <a:spcPts val="283"/>
               </a:spcBef>
@@ -5532,17 +5903,14 @@
               <a:buChar char=""/>
             </a:pPr>
             <a:r>
-              <a:rPr b="0" lang="cs-CZ" sz="2000" spc="-1" strike="noStrike">
+              <a:rPr lang="cs-CZ" sz="2000" b="0" strike="noStrike" spc="-1">
                 <a:latin typeface="Arial"/>
               </a:rPr>
               <a:t>Pátá úroveň osnovy</a:t>
             </a:r>
-            <a:endParaRPr b="0" lang="cs-CZ" sz="2000" spc="-1" strike="noStrike">
-              <a:latin typeface="Arial"/>
-            </a:endParaRPr>
-          </a:p>
-          <a:p>
-            <a:pPr lvl="5" marL="2592000" indent="-216000">
+          </a:p>
+          <a:p>
+            <a:pPr marL="2592000" lvl="5" indent="-216000">
               <a:spcBef>
                 <a:spcPts val="283"/>
               </a:spcBef>
@@ -5554,17 +5922,14 @@
               <a:buChar char=""/>
             </a:pPr>
             <a:r>
-              <a:rPr b="0" lang="cs-CZ" sz="2000" spc="-1" strike="noStrike">
+              <a:rPr lang="cs-CZ" sz="2000" b="0" strike="noStrike" spc="-1">
                 <a:latin typeface="Arial"/>
               </a:rPr>
               <a:t>Šestá úroveň</a:t>
             </a:r>
-            <a:endParaRPr b="0" lang="cs-CZ" sz="2000" spc="-1" strike="noStrike">
-              <a:latin typeface="Arial"/>
-            </a:endParaRPr>
-          </a:p>
-          <a:p>
-            <a:pPr lvl="6" marL="3024000" indent="-216000">
+          </a:p>
+          <a:p>
+            <a:pPr marL="3024000" lvl="6" indent="-216000">
               <a:spcBef>
                 <a:spcPts val="283"/>
               </a:spcBef>
@@ -5576,48 +5941,326 @@
               <a:buChar char=""/>
             </a:pPr>
             <a:r>
-              <a:rPr b="0" lang="cs-CZ" sz="2000" spc="-1" strike="noStrike">
+              <a:rPr lang="cs-CZ" sz="2000" b="0" strike="noStrike" spc="-1">
                 <a:latin typeface="Arial"/>
               </a:rPr>
               <a:t>Sedmá úroveň</a:t>
             </a:r>
-            <a:endParaRPr b="0" lang="cs-CZ" sz="2000" spc="-1" strike="noStrike">
-              <a:latin typeface="Arial"/>
-            </a:endParaRPr>
           </a:p>
         </p:txBody>
       </p:sp>
     </p:spTree>
   </p:cSld>
-  <p:clrMap bg1="lt1" bg2="lt2" tx1="dk1" tx2="dk2" accent1="accent1" accent2="accent2" accent3="accent3" accent4="accent4" accent5="accent5" accent6="accent6" hlink="hlink" folHlink="folHlink"/>
+  <p:clrMap bg1="lt1" tx1="dk1" bg2="lt2" tx2="dk2" accent1="accent1" accent2="accent2" accent3="accent3" accent4="accent4" accent5="accent5" accent6="accent6" hlink="hlink" folHlink="folHlink"/>
   <p:sldLayoutIdLst>
-    <p:sldLayoutId id="2147483649" r:id="rId3"/>
-    <p:sldLayoutId id="2147483650" r:id="rId4"/>
-    <p:sldLayoutId id="2147483651" r:id="rId5"/>
-    <p:sldLayoutId id="2147483652" r:id="rId6"/>
-    <p:sldLayoutId id="2147483653" r:id="rId7"/>
-    <p:sldLayoutId id="2147483654" r:id="rId8"/>
-    <p:sldLayoutId id="2147483655" r:id="rId9"/>
-    <p:sldLayoutId id="2147483656" r:id="rId10"/>
-    <p:sldLayoutId id="2147483657" r:id="rId11"/>
-    <p:sldLayoutId id="2147483658" r:id="rId12"/>
-    <p:sldLayoutId id="2147483659" r:id="rId13"/>
-    <p:sldLayoutId id="2147483660" r:id="rId14"/>
+    <p:sldLayoutId id="2147483649" r:id="rId1"/>
+    <p:sldLayoutId id="2147483650" r:id="rId2"/>
+    <p:sldLayoutId id="2147483651" r:id="rId3"/>
+    <p:sldLayoutId id="2147483652" r:id="rId4"/>
+    <p:sldLayoutId id="2147483653" r:id="rId5"/>
+    <p:sldLayoutId id="2147483654" r:id="rId6"/>
+    <p:sldLayoutId id="2147483655" r:id="rId7"/>
+    <p:sldLayoutId id="2147483656" r:id="rId8"/>
+    <p:sldLayoutId id="2147483657" r:id="rId9"/>
+    <p:sldLayoutId id="2147483658" r:id="rId10"/>
+    <p:sldLayoutId id="2147483659" r:id="rId11"/>
+    <p:sldLayoutId id="2147483660" r:id="rId12"/>
   </p:sldLayoutIdLst>
+  <p:txStyles>
+    <p:titleStyle>
+      <a:lvl1pPr algn="l" defTabSz="914400" rtl="0" eaLnBrk="1" latinLnBrk="0" hangingPunct="1">
+        <a:lnSpc>
+          <a:spcPct val="90000"/>
+        </a:lnSpc>
+        <a:spcBef>
+          <a:spcPct val="0"/>
+        </a:spcBef>
+        <a:buNone/>
+        <a:defRPr sz="4400" kern="1200">
+          <a:solidFill>
+            <a:schemeClr val="tx1"/>
+          </a:solidFill>
+          <a:latin typeface="+mj-lt"/>
+          <a:ea typeface="+mj-ea"/>
+          <a:cs typeface="+mj-cs"/>
+        </a:defRPr>
+      </a:lvl1pPr>
+    </p:titleStyle>
+    <p:bodyStyle>
+      <a:lvl1pPr marL="228600" indent="-228600" algn="l" defTabSz="914400" rtl="0" eaLnBrk="1" latinLnBrk="0" hangingPunct="1">
+        <a:lnSpc>
+          <a:spcPct val="90000"/>
+        </a:lnSpc>
+        <a:spcBef>
+          <a:spcPts val="1000"/>
+        </a:spcBef>
+        <a:buFont typeface="Arial" panose="020B0604020202020204" pitchFamily="34" charset="0"/>
+        <a:buChar char="•"/>
+        <a:defRPr sz="2800" kern="1200">
+          <a:solidFill>
+            <a:schemeClr val="tx1"/>
+          </a:solidFill>
+          <a:latin typeface="+mn-lt"/>
+          <a:ea typeface="+mn-ea"/>
+          <a:cs typeface="+mn-cs"/>
+        </a:defRPr>
+      </a:lvl1pPr>
+      <a:lvl2pPr marL="685800" indent="-228600" algn="l" defTabSz="914400" rtl="0" eaLnBrk="1" latinLnBrk="0" hangingPunct="1">
+        <a:lnSpc>
+          <a:spcPct val="90000"/>
+        </a:lnSpc>
+        <a:spcBef>
+          <a:spcPts val="500"/>
+        </a:spcBef>
+        <a:buFont typeface="Arial" panose="020B0604020202020204" pitchFamily="34" charset="0"/>
+        <a:buChar char="•"/>
+        <a:defRPr sz="2400" kern="1200">
+          <a:solidFill>
+            <a:schemeClr val="tx1"/>
+          </a:solidFill>
+          <a:latin typeface="+mn-lt"/>
+          <a:ea typeface="+mn-ea"/>
+          <a:cs typeface="+mn-cs"/>
+        </a:defRPr>
+      </a:lvl2pPr>
+      <a:lvl3pPr marL="1143000" indent="-228600" algn="l" defTabSz="914400" rtl="0" eaLnBrk="1" latinLnBrk="0" hangingPunct="1">
+        <a:lnSpc>
+          <a:spcPct val="90000"/>
+        </a:lnSpc>
+        <a:spcBef>
+          <a:spcPts val="500"/>
+        </a:spcBef>
+        <a:buFont typeface="Arial" panose="020B0604020202020204" pitchFamily="34" charset="0"/>
+        <a:buChar char="•"/>
+        <a:defRPr sz="2000" kern="1200">
+          <a:solidFill>
+            <a:schemeClr val="tx1"/>
+          </a:solidFill>
+          <a:latin typeface="+mn-lt"/>
+          <a:ea typeface="+mn-ea"/>
+          <a:cs typeface="+mn-cs"/>
+        </a:defRPr>
+      </a:lvl3pPr>
+      <a:lvl4pPr marL="1600200" indent="-228600" algn="l" defTabSz="914400" rtl="0" eaLnBrk="1" latinLnBrk="0" hangingPunct="1">
+        <a:lnSpc>
+          <a:spcPct val="90000"/>
+        </a:lnSpc>
+        <a:spcBef>
+          <a:spcPts val="500"/>
+        </a:spcBef>
+        <a:buFont typeface="Arial" panose="020B0604020202020204" pitchFamily="34" charset="0"/>
+        <a:buChar char="•"/>
+        <a:defRPr sz="1800" kern="1200">
+          <a:solidFill>
+            <a:schemeClr val="tx1"/>
+          </a:solidFill>
+          <a:latin typeface="+mn-lt"/>
+          <a:ea typeface="+mn-ea"/>
+          <a:cs typeface="+mn-cs"/>
+        </a:defRPr>
+      </a:lvl4pPr>
+      <a:lvl5pPr marL="2057400" indent="-228600" algn="l" defTabSz="914400" rtl="0" eaLnBrk="1" latinLnBrk="0" hangingPunct="1">
+        <a:lnSpc>
+          <a:spcPct val="90000"/>
+        </a:lnSpc>
+        <a:spcBef>
+          <a:spcPts val="500"/>
+        </a:spcBef>
+        <a:buFont typeface="Arial" panose="020B0604020202020204" pitchFamily="34" charset="0"/>
+        <a:buChar char="•"/>
+        <a:defRPr sz="1800" kern="1200">
+          <a:solidFill>
+            <a:schemeClr val="tx1"/>
+          </a:solidFill>
+          <a:latin typeface="+mn-lt"/>
+          <a:ea typeface="+mn-ea"/>
+          <a:cs typeface="+mn-cs"/>
+        </a:defRPr>
+      </a:lvl5pPr>
+      <a:lvl6pPr marL="2514600" indent="-228600" algn="l" defTabSz="914400" rtl="0" eaLnBrk="1" latinLnBrk="0" hangingPunct="1">
+        <a:lnSpc>
+          <a:spcPct val="90000"/>
+        </a:lnSpc>
+        <a:spcBef>
+          <a:spcPts val="500"/>
+        </a:spcBef>
+        <a:buFont typeface="Arial" panose="020B0604020202020204" pitchFamily="34" charset="0"/>
+        <a:buChar char="•"/>
+        <a:defRPr sz="1800" kern="1200">
+          <a:solidFill>
+            <a:schemeClr val="tx1"/>
+          </a:solidFill>
+          <a:latin typeface="+mn-lt"/>
+          <a:ea typeface="+mn-ea"/>
+          <a:cs typeface="+mn-cs"/>
+        </a:defRPr>
+      </a:lvl6pPr>
+      <a:lvl7pPr marL="2971800" indent="-228600" algn="l" defTabSz="914400" rtl="0" eaLnBrk="1" latinLnBrk="0" hangingPunct="1">
+        <a:lnSpc>
+          <a:spcPct val="90000"/>
+        </a:lnSpc>
+        <a:spcBef>
+          <a:spcPts val="500"/>
+        </a:spcBef>
+        <a:buFont typeface="Arial" panose="020B0604020202020204" pitchFamily="34" charset="0"/>
+        <a:buChar char="•"/>
+        <a:defRPr sz="1800" kern="1200">
+          <a:solidFill>
+            <a:schemeClr val="tx1"/>
+          </a:solidFill>
+          <a:latin typeface="+mn-lt"/>
+          <a:ea typeface="+mn-ea"/>
+          <a:cs typeface="+mn-cs"/>
+        </a:defRPr>
+      </a:lvl7pPr>
+      <a:lvl8pPr marL="3429000" indent="-228600" algn="l" defTabSz="914400" rtl="0" eaLnBrk="1" latinLnBrk="0" hangingPunct="1">
+        <a:lnSpc>
+          <a:spcPct val="90000"/>
+        </a:lnSpc>
+        <a:spcBef>
+          <a:spcPts val="500"/>
+        </a:spcBef>
+        <a:buFont typeface="Arial" panose="020B0604020202020204" pitchFamily="34" charset="0"/>
+        <a:buChar char="•"/>
+        <a:defRPr sz="1800" kern="1200">
+          <a:solidFill>
+            <a:schemeClr val="tx1"/>
+          </a:solidFill>
+          <a:latin typeface="+mn-lt"/>
+          <a:ea typeface="+mn-ea"/>
+          <a:cs typeface="+mn-cs"/>
+        </a:defRPr>
+      </a:lvl8pPr>
+      <a:lvl9pPr marL="3886200" indent="-228600" algn="l" defTabSz="914400" rtl="0" eaLnBrk="1" latinLnBrk="0" hangingPunct="1">
+        <a:lnSpc>
+          <a:spcPct val="90000"/>
+        </a:lnSpc>
+        <a:spcBef>
+          <a:spcPts val="500"/>
+        </a:spcBef>
+        <a:buFont typeface="Arial" panose="020B0604020202020204" pitchFamily="34" charset="0"/>
+        <a:buChar char="•"/>
+        <a:defRPr sz="1800" kern="1200">
+          <a:solidFill>
+            <a:schemeClr val="tx1"/>
+          </a:solidFill>
+          <a:latin typeface="+mn-lt"/>
+          <a:ea typeface="+mn-ea"/>
+          <a:cs typeface="+mn-cs"/>
+        </a:defRPr>
+      </a:lvl9pPr>
+    </p:bodyStyle>
+    <p:otherStyle>
+      <a:defPPr>
+        <a:defRPr lang="cs-CZ"/>
+      </a:defPPr>
+      <a:lvl1pPr marL="0" algn="l" defTabSz="914400" rtl="0" eaLnBrk="1" latinLnBrk="0" hangingPunct="1">
+        <a:defRPr sz="1800" kern="1200">
+          <a:solidFill>
+            <a:schemeClr val="tx1"/>
+          </a:solidFill>
+          <a:latin typeface="+mn-lt"/>
+          <a:ea typeface="+mn-ea"/>
+          <a:cs typeface="+mn-cs"/>
+        </a:defRPr>
+      </a:lvl1pPr>
+      <a:lvl2pPr marL="457200" algn="l" defTabSz="914400" rtl="0" eaLnBrk="1" latinLnBrk="0" hangingPunct="1">
+        <a:defRPr sz="1800" kern="1200">
+          <a:solidFill>
+            <a:schemeClr val="tx1"/>
+          </a:solidFill>
+          <a:latin typeface="+mn-lt"/>
+          <a:ea typeface="+mn-ea"/>
+          <a:cs typeface="+mn-cs"/>
+        </a:defRPr>
+      </a:lvl2pPr>
+      <a:lvl3pPr marL="914400" algn="l" defTabSz="914400" rtl="0" eaLnBrk="1" latinLnBrk="0" hangingPunct="1">
+        <a:defRPr sz="1800" kern="1200">
+          <a:solidFill>
+            <a:schemeClr val="tx1"/>
+          </a:solidFill>
+          <a:latin typeface="+mn-lt"/>
+          <a:ea typeface="+mn-ea"/>
+          <a:cs typeface="+mn-cs"/>
+        </a:defRPr>
+      </a:lvl3pPr>
+      <a:lvl4pPr marL="1371600" algn="l" defTabSz="914400" rtl="0" eaLnBrk="1" latinLnBrk="0" hangingPunct="1">
+        <a:defRPr sz="1800" kern="1200">
+          <a:solidFill>
+            <a:schemeClr val="tx1"/>
+          </a:solidFill>
+          <a:latin typeface="+mn-lt"/>
+          <a:ea typeface="+mn-ea"/>
+          <a:cs typeface="+mn-cs"/>
+        </a:defRPr>
+      </a:lvl4pPr>
+      <a:lvl5pPr marL="1828800" algn="l" defTabSz="914400" rtl="0" eaLnBrk="1" latinLnBrk="0" hangingPunct="1">
+        <a:defRPr sz="1800" kern="1200">
+          <a:solidFill>
+            <a:schemeClr val="tx1"/>
+          </a:solidFill>
+          <a:latin typeface="+mn-lt"/>
+          <a:ea typeface="+mn-ea"/>
+          <a:cs typeface="+mn-cs"/>
+        </a:defRPr>
+      </a:lvl5pPr>
+      <a:lvl6pPr marL="2286000" algn="l" defTabSz="914400" rtl="0" eaLnBrk="1" latinLnBrk="0" hangingPunct="1">
+        <a:defRPr sz="1800" kern="1200">
+          <a:solidFill>
+            <a:schemeClr val="tx1"/>
+          </a:solidFill>
+          <a:latin typeface="+mn-lt"/>
+          <a:ea typeface="+mn-ea"/>
+          <a:cs typeface="+mn-cs"/>
+        </a:defRPr>
+      </a:lvl6pPr>
+      <a:lvl7pPr marL="2743200" algn="l" defTabSz="914400" rtl="0" eaLnBrk="1" latinLnBrk="0" hangingPunct="1">
+        <a:defRPr sz="1800" kern="1200">
+          <a:solidFill>
+            <a:schemeClr val="tx1"/>
+          </a:solidFill>
+          <a:latin typeface="+mn-lt"/>
+          <a:ea typeface="+mn-ea"/>
+          <a:cs typeface="+mn-cs"/>
+        </a:defRPr>
+      </a:lvl7pPr>
+      <a:lvl8pPr marL="3200400" algn="l" defTabSz="914400" rtl="0" eaLnBrk="1" latinLnBrk="0" hangingPunct="1">
+        <a:defRPr sz="1800" kern="1200">
+          <a:solidFill>
+            <a:schemeClr val="tx1"/>
+          </a:solidFill>
+          <a:latin typeface="+mn-lt"/>
+          <a:ea typeface="+mn-ea"/>
+          <a:cs typeface="+mn-cs"/>
+        </a:defRPr>
+      </a:lvl8pPr>
+      <a:lvl9pPr marL="3657600" algn="l" defTabSz="914400" rtl="0" eaLnBrk="1" latinLnBrk="0" hangingPunct="1">
+        <a:defRPr sz="1800" kern="1200">
+          <a:solidFill>
+            <a:schemeClr val="tx1"/>
+          </a:solidFill>
+          <a:latin typeface="+mn-lt"/>
+          <a:ea typeface="+mn-ea"/>
+          <a:cs typeface="+mn-cs"/>
+        </a:defRPr>
+      </a:lvl9pPr>
+    </p:otherStyle>
+  </p:txStyles>
 </p:sldMaster>
 </file>
 
 <file path=ppt/slideMasters/slideMaster2.xml><?xml version="1.0" encoding="utf-8"?>
-<p:sldMaster xmlns:a="http://schemas.openxmlformats.org/drawingml/2006/main" xmlns:p="http://schemas.openxmlformats.org/presentationml/2006/main" xmlns:r="http://schemas.openxmlformats.org/officeDocument/2006/relationships" xmlns:p14="http://schemas.microsoft.com/office/powerpoint/2010/main" xmlns:p15="http://schemas.microsoft.com/office/powerpoint/2012/main" xmlns:mc="http://schemas.openxmlformats.org/markup-compatibility/2006">
+<p:sldMaster xmlns:a="http://schemas.openxmlformats.org/drawingml/2006/main" xmlns:r="http://schemas.openxmlformats.org/officeDocument/2006/relationships" xmlns:p="http://schemas.openxmlformats.org/presentationml/2006/main">
   <p:cSld>
     <p:bg>
       <p:bgPr>
         <a:blipFill rotWithShape="0">
-          <a:blip r:embed="rId2"/>
+          <a:blip r:embed="rId14"/>
           <a:stretch>
             <a:fillRect/>
           </a:stretch>
         </a:blipFill>
+        <a:effectLst/>
       </p:bgPr>
     </p:bg>
     <p:spTree>
@@ -5654,17 +6297,15 @@
           </a:prstGeom>
         </p:spPr>
         <p:txBody>
-          <a:bodyPr lIns="0" rIns="0" tIns="0" bIns="0" anchor="ctr"/>
+          <a:bodyPr lIns="0" tIns="0" rIns="0" bIns="0" anchor="ctr"/>
+          <a:lstStyle/>
           <a:p>
             <a:r>
-              <a:rPr b="0" lang="cs-CZ" sz="1800" spc="-1" strike="noStrike">
+              <a:rPr lang="cs-CZ" sz="1800" b="0" strike="noStrike" spc="-1">
                 <a:latin typeface="Arial"/>
               </a:rPr>
               <a:t>Klikněte pro úpravu formátu textu nadpisu</a:t>
             </a:r>
-            <a:endParaRPr b="0" lang="cs-CZ" sz="1800" spc="-1" strike="noStrike">
-              <a:latin typeface="Arial"/>
-            </a:endParaRPr>
           </a:p>
         </p:txBody>
       </p:sp>
@@ -5688,9 +6329,10 @@
           </a:prstGeom>
         </p:spPr>
         <p:txBody>
-          <a:bodyPr lIns="0" rIns="0" tIns="0" bIns="0">
-            <a:normAutofit/>
-          </a:bodyPr>
+          <a:bodyPr lIns="0" tIns="0" rIns="0" bIns="0">
+            <a:normAutofit/>
+          </a:bodyPr>
+          <a:lstStyle/>
           <a:p>
             <a:pPr marL="432000" indent="-324000">
               <a:spcBef>
@@ -5704,17 +6346,14 @@
               <a:buChar char=""/>
             </a:pPr>
             <a:r>
-              <a:rPr b="0" lang="cs-CZ" sz="3200" spc="-1" strike="noStrike">
+              <a:rPr lang="cs-CZ" sz="3200" b="0" strike="noStrike" spc="-1">
                 <a:latin typeface="Arial"/>
               </a:rPr>
               <a:t>Klikněte pro úpravu formátu textu osnovy</a:t>
             </a:r>
-            <a:endParaRPr b="0" lang="cs-CZ" sz="3200" spc="-1" strike="noStrike">
-              <a:latin typeface="Arial"/>
-            </a:endParaRPr>
-          </a:p>
-          <a:p>
-            <a:pPr lvl="1" marL="864000" indent="-324000">
+          </a:p>
+          <a:p>
+            <a:pPr marL="864000" lvl="1" indent="-324000">
               <a:spcBef>
                 <a:spcPts val="1134"/>
               </a:spcBef>
@@ -5726,17 +6365,14 @@
               <a:buChar char=""/>
             </a:pPr>
             <a:r>
-              <a:rPr b="0" lang="cs-CZ" sz="2800" spc="-1" strike="noStrike">
+              <a:rPr lang="cs-CZ" sz="2800" b="0" strike="noStrike" spc="-1">
                 <a:latin typeface="Arial"/>
               </a:rPr>
               <a:t>Druhá úroveň</a:t>
             </a:r>
-            <a:endParaRPr b="0" lang="cs-CZ" sz="2800" spc="-1" strike="noStrike">
-              <a:latin typeface="Arial"/>
-            </a:endParaRPr>
-          </a:p>
-          <a:p>
-            <a:pPr lvl="2" marL="1296000" indent="-288000">
+          </a:p>
+          <a:p>
+            <a:pPr marL="1296000" lvl="2" indent="-288000">
               <a:spcBef>
                 <a:spcPts val="850"/>
               </a:spcBef>
@@ -5748,17 +6384,14 @@
               <a:buChar char=""/>
             </a:pPr>
             <a:r>
-              <a:rPr b="0" lang="cs-CZ" sz="2400" spc="-1" strike="noStrike">
+              <a:rPr lang="cs-CZ" sz="2400" b="0" strike="noStrike" spc="-1">
                 <a:latin typeface="Arial"/>
               </a:rPr>
               <a:t>Třetí úroveň</a:t>
             </a:r>
-            <a:endParaRPr b="0" lang="cs-CZ" sz="2400" spc="-1" strike="noStrike">
-              <a:latin typeface="Arial"/>
-            </a:endParaRPr>
-          </a:p>
-          <a:p>
-            <a:pPr lvl="3" marL="1728000" indent="-216000">
+          </a:p>
+          <a:p>
+            <a:pPr marL="1728000" lvl="3" indent="-216000">
               <a:spcBef>
                 <a:spcPts val="567"/>
               </a:spcBef>
@@ -5770,17 +6403,14 @@
               <a:buChar char=""/>
             </a:pPr>
             <a:r>
-              <a:rPr b="0" lang="cs-CZ" sz="2000" spc="-1" strike="noStrike">
+              <a:rPr lang="cs-CZ" sz="2000" b="0" strike="noStrike" spc="-1">
                 <a:latin typeface="Arial"/>
               </a:rPr>
               <a:t>Čtvrtá úroveň osnovy</a:t>
             </a:r>
-            <a:endParaRPr b="0" lang="cs-CZ" sz="2000" spc="-1" strike="noStrike">
-              <a:latin typeface="Arial"/>
-            </a:endParaRPr>
-          </a:p>
-          <a:p>
-            <a:pPr lvl="4" marL="2160000" indent="-216000">
+          </a:p>
+          <a:p>
+            <a:pPr marL="2160000" lvl="4" indent="-216000">
               <a:spcBef>
                 <a:spcPts val="283"/>
               </a:spcBef>
@@ -5792,17 +6422,14 @@
               <a:buChar char=""/>
             </a:pPr>
             <a:r>
-              <a:rPr b="0" lang="cs-CZ" sz="2000" spc="-1" strike="noStrike">
+              <a:rPr lang="cs-CZ" sz="2000" b="0" strike="noStrike" spc="-1">
                 <a:latin typeface="Arial"/>
               </a:rPr>
               <a:t>Pátá úroveň osnovy</a:t>
             </a:r>
-            <a:endParaRPr b="0" lang="cs-CZ" sz="2000" spc="-1" strike="noStrike">
-              <a:latin typeface="Arial"/>
-            </a:endParaRPr>
-          </a:p>
-          <a:p>
-            <a:pPr lvl="5" marL="2592000" indent="-216000">
+          </a:p>
+          <a:p>
+            <a:pPr marL="2592000" lvl="5" indent="-216000">
               <a:spcBef>
                 <a:spcPts val="283"/>
               </a:spcBef>
@@ -5814,17 +6441,14 @@
               <a:buChar char=""/>
             </a:pPr>
             <a:r>
-              <a:rPr b="0" lang="cs-CZ" sz="2000" spc="-1" strike="noStrike">
+              <a:rPr lang="cs-CZ" sz="2000" b="0" strike="noStrike" spc="-1">
                 <a:latin typeface="Arial"/>
               </a:rPr>
               <a:t>Šestá úroveň</a:t>
             </a:r>
-            <a:endParaRPr b="0" lang="cs-CZ" sz="2000" spc="-1" strike="noStrike">
-              <a:latin typeface="Arial"/>
-            </a:endParaRPr>
-          </a:p>
-          <a:p>
-            <a:pPr lvl="6" marL="3024000" indent="-216000">
+          </a:p>
+          <a:p>
+            <a:pPr marL="3024000" lvl="6" indent="-216000">
               <a:spcBef>
                 <a:spcPts val="283"/>
               </a:spcBef>
@@ -5836,48 +6460,326 @@
               <a:buChar char=""/>
             </a:pPr>
             <a:r>
-              <a:rPr b="0" lang="cs-CZ" sz="2000" spc="-1" strike="noStrike">
+              <a:rPr lang="cs-CZ" sz="2000" b="0" strike="noStrike" spc="-1">
                 <a:latin typeface="Arial"/>
               </a:rPr>
               <a:t>Sedmá úroveň</a:t>
             </a:r>
-            <a:endParaRPr b="0" lang="cs-CZ" sz="2000" spc="-1" strike="noStrike">
-              <a:latin typeface="Arial"/>
-            </a:endParaRPr>
           </a:p>
         </p:txBody>
       </p:sp>
     </p:spTree>
   </p:cSld>
-  <p:clrMap bg1="lt1" bg2="lt2" tx1="dk1" tx2="dk2" accent1="accent1" accent2="accent2" accent3="accent3" accent4="accent4" accent5="accent5" accent6="accent6" hlink="hlink" folHlink="folHlink"/>
+  <p:clrMap bg1="lt1" tx1="dk1" bg2="lt2" tx2="dk2" accent1="accent1" accent2="accent2" accent3="accent3" accent4="accent4" accent5="accent5" accent6="accent6" hlink="hlink" folHlink="folHlink"/>
   <p:sldLayoutIdLst>
-    <p:sldLayoutId id="2147483662" r:id="rId3"/>
-    <p:sldLayoutId id="2147483663" r:id="rId4"/>
-    <p:sldLayoutId id="2147483664" r:id="rId5"/>
-    <p:sldLayoutId id="2147483665" r:id="rId6"/>
-    <p:sldLayoutId id="2147483666" r:id="rId7"/>
-    <p:sldLayoutId id="2147483667" r:id="rId8"/>
-    <p:sldLayoutId id="2147483668" r:id="rId9"/>
-    <p:sldLayoutId id="2147483669" r:id="rId10"/>
-    <p:sldLayoutId id="2147483670" r:id="rId11"/>
-    <p:sldLayoutId id="2147483671" r:id="rId12"/>
-    <p:sldLayoutId id="2147483672" r:id="rId13"/>
-    <p:sldLayoutId id="2147483673" r:id="rId14"/>
+    <p:sldLayoutId id="2147483662" r:id="rId1"/>
+    <p:sldLayoutId id="2147483663" r:id="rId2"/>
+    <p:sldLayoutId id="2147483664" r:id="rId3"/>
+    <p:sldLayoutId id="2147483665" r:id="rId4"/>
+    <p:sldLayoutId id="2147483666" r:id="rId5"/>
+    <p:sldLayoutId id="2147483667" r:id="rId6"/>
+    <p:sldLayoutId id="2147483668" r:id="rId7"/>
+    <p:sldLayoutId id="2147483669" r:id="rId8"/>
+    <p:sldLayoutId id="2147483670" r:id="rId9"/>
+    <p:sldLayoutId id="2147483671" r:id="rId10"/>
+    <p:sldLayoutId id="2147483672" r:id="rId11"/>
+    <p:sldLayoutId id="2147483673" r:id="rId12"/>
   </p:sldLayoutIdLst>
+  <p:txStyles>
+    <p:titleStyle>
+      <a:lvl1pPr algn="l" defTabSz="914400" rtl="0" eaLnBrk="1" latinLnBrk="0" hangingPunct="1">
+        <a:lnSpc>
+          <a:spcPct val="90000"/>
+        </a:lnSpc>
+        <a:spcBef>
+          <a:spcPct val="0"/>
+        </a:spcBef>
+        <a:buNone/>
+        <a:defRPr sz="4400" kern="1200">
+          <a:solidFill>
+            <a:schemeClr val="tx1"/>
+          </a:solidFill>
+          <a:latin typeface="+mj-lt"/>
+          <a:ea typeface="+mj-ea"/>
+          <a:cs typeface="+mj-cs"/>
+        </a:defRPr>
+      </a:lvl1pPr>
+    </p:titleStyle>
+    <p:bodyStyle>
+      <a:lvl1pPr marL="228600" indent="-228600" algn="l" defTabSz="914400" rtl="0" eaLnBrk="1" latinLnBrk="0" hangingPunct="1">
+        <a:lnSpc>
+          <a:spcPct val="90000"/>
+        </a:lnSpc>
+        <a:spcBef>
+          <a:spcPts val="1000"/>
+        </a:spcBef>
+        <a:buFont typeface="Arial" panose="020B0604020202020204" pitchFamily="34" charset="0"/>
+        <a:buChar char="•"/>
+        <a:defRPr sz="2800" kern="1200">
+          <a:solidFill>
+            <a:schemeClr val="tx1"/>
+          </a:solidFill>
+          <a:latin typeface="+mn-lt"/>
+          <a:ea typeface="+mn-ea"/>
+          <a:cs typeface="+mn-cs"/>
+        </a:defRPr>
+      </a:lvl1pPr>
+      <a:lvl2pPr marL="685800" indent="-228600" algn="l" defTabSz="914400" rtl="0" eaLnBrk="1" latinLnBrk="0" hangingPunct="1">
+        <a:lnSpc>
+          <a:spcPct val="90000"/>
+        </a:lnSpc>
+        <a:spcBef>
+          <a:spcPts val="500"/>
+        </a:spcBef>
+        <a:buFont typeface="Arial" panose="020B0604020202020204" pitchFamily="34" charset="0"/>
+        <a:buChar char="•"/>
+        <a:defRPr sz="2400" kern="1200">
+          <a:solidFill>
+            <a:schemeClr val="tx1"/>
+          </a:solidFill>
+          <a:latin typeface="+mn-lt"/>
+          <a:ea typeface="+mn-ea"/>
+          <a:cs typeface="+mn-cs"/>
+        </a:defRPr>
+      </a:lvl2pPr>
+      <a:lvl3pPr marL="1143000" indent="-228600" algn="l" defTabSz="914400" rtl="0" eaLnBrk="1" latinLnBrk="0" hangingPunct="1">
+        <a:lnSpc>
+          <a:spcPct val="90000"/>
+        </a:lnSpc>
+        <a:spcBef>
+          <a:spcPts val="500"/>
+        </a:spcBef>
+        <a:buFont typeface="Arial" panose="020B0604020202020204" pitchFamily="34" charset="0"/>
+        <a:buChar char="•"/>
+        <a:defRPr sz="2000" kern="1200">
+          <a:solidFill>
+            <a:schemeClr val="tx1"/>
+          </a:solidFill>
+          <a:latin typeface="+mn-lt"/>
+          <a:ea typeface="+mn-ea"/>
+          <a:cs typeface="+mn-cs"/>
+        </a:defRPr>
+      </a:lvl3pPr>
+      <a:lvl4pPr marL="1600200" indent="-228600" algn="l" defTabSz="914400" rtl="0" eaLnBrk="1" latinLnBrk="0" hangingPunct="1">
+        <a:lnSpc>
+          <a:spcPct val="90000"/>
+        </a:lnSpc>
+        <a:spcBef>
+          <a:spcPts val="500"/>
+        </a:spcBef>
+        <a:buFont typeface="Arial" panose="020B0604020202020204" pitchFamily="34" charset="0"/>
+        <a:buChar char="•"/>
+        <a:defRPr sz="1800" kern="1200">
+          <a:solidFill>
+            <a:schemeClr val="tx1"/>
+          </a:solidFill>
+          <a:latin typeface="+mn-lt"/>
+          <a:ea typeface="+mn-ea"/>
+          <a:cs typeface="+mn-cs"/>
+        </a:defRPr>
+      </a:lvl4pPr>
+      <a:lvl5pPr marL="2057400" indent="-228600" algn="l" defTabSz="914400" rtl="0" eaLnBrk="1" latinLnBrk="0" hangingPunct="1">
+        <a:lnSpc>
+          <a:spcPct val="90000"/>
+        </a:lnSpc>
+        <a:spcBef>
+          <a:spcPts val="500"/>
+        </a:spcBef>
+        <a:buFont typeface="Arial" panose="020B0604020202020204" pitchFamily="34" charset="0"/>
+        <a:buChar char="•"/>
+        <a:defRPr sz="1800" kern="1200">
+          <a:solidFill>
+            <a:schemeClr val="tx1"/>
+          </a:solidFill>
+          <a:latin typeface="+mn-lt"/>
+          <a:ea typeface="+mn-ea"/>
+          <a:cs typeface="+mn-cs"/>
+        </a:defRPr>
+      </a:lvl5pPr>
+      <a:lvl6pPr marL="2514600" indent="-228600" algn="l" defTabSz="914400" rtl="0" eaLnBrk="1" latinLnBrk="0" hangingPunct="1">
+        <a:lnSpc>
+          <a:spcPct val="90000"/>
+        </a:lnSpc>
+        <a:spcBef>
+          <a:spcPts val="500"/>
+        </a:spcBef>
+        <a:buFont typeface="Arial" panose="020B0604020202020204" pitchFamily="34" charset="0"/>
+        <a:buChar char="•"/>
+        <a:defRPr sz="1800" kern="1200">
+          <a:solidFill>
+            <a:schemeClr val="tx1"/>
+          </a:solidFill>
+          <a:latin typeface="+mn-lt"/>
+          <a:ea typeface="+mn-ea"/>
+          <a:cs typeface="+mn-cs"/>
+        </a:defRPr>
+      </a:lvl6pPr>
+      <a:lvl7pPr marL="2971800" indent="-228600" algn="l" defTabSz="914400" rtl="0" eaLnBrk="1" latinLnBrk="0" hangingPunct="1">
+        <a:lnSpc>
+          <a:spcPct val="90000"/>
+        </a:lnSpc>
+        <a:spcBef>
+          <a:spcPts val="500"/>
+        </a:spcBef>
+        <a:buFont typeface="Arial" panose="020B0604020202020204" pitchFamily="34" charset="0"/>
+        <a:buChar char="•"/>
+        <a:defRPr sz="1800" kern="1200">
+          <a:solidFill>
+            <a:schemeClr val="tx1"/>
+          </a:solidFill>
+          <a:latin typeface="+mn-lt"/>
+          <a:ea typeface="+mn-ea"/>
+          <a:cs typeface="+mn-cs"/>
+        </a:defRPr>
+      </a:lvl7pPr>
+      <a:lvl8pPr marL="3429000" indent="-228600" algn="l" defTabSz="914400" rtl="0" eaLnBrk="1" latinLnBrk="0" hangingPunct="1">
+        <a:lnSpc>
+          <a:spcPct val="90000"/>
+        </a:lnSpc>
+        <a:spcBef>
+          <a:spcPts val="500"/>
+        </a:spcBef>
+        <a:buFont typeface="Arial" panose="020B0604020202020204" pitchFamily="34" charset="0"/>
+        <a:buChar char="•"/>
+        <a:defRPr sz="1800" kern="1200">
+          <a:solidFill>
+            <a:schemeClr val="tx1"/>
+          </a:solidFill>
+          <a:latin typeface="+mn-lt"/>
+          <a:ea typeface="+mn-ea"/>
+          <a:cs typeface="+mn-cs"/>
+        </a:defRPr>
+      </a:lvl8pPr>
+      <a:lvl9pPr marL="3886200" indent="-228600" algn="l" defTabSz="914400" rtl="0" eaLnBrk="1" latinLnBrk="0" hangingPunct="1">
+        <a:lnSpc>
+          <a:spcPct val="90000"/>
+        </a:lnSpc>
+        <a:spcBef>
+          <a:spcPts val="500"/>
+        </a:spcBef>
+        <a:buFont typeface="Arial" panose="020B0604020202020204" pitchFamily="34" charset="0"/>
+        <a:buChar char="•"/>
+        <a:defRPr sz="1800" kern="1200">
+          <a:solidFill>
+            <a:schemeClr val="tx1"/>
+          </a:solidFill>
+          <a:latin typeface="+mn-lt"/>
+          <a:ea typeface="+mn-ea"/>
+          <a:cs typeface="+mn-cs"/>
+        </a:defRPr>
+      </a:lvl9pPr>
+    </p:bodyStyle>
+    <p:otherStyle>
+      <a:defPPr>
+        <a:defRPr lang="cs-CZ"/>
+      </a:defPPr>
+      <a:lvl1pPr marL="0" algn="l" defTabSz="914400" rtl="0" eaLnBrk="1" latinLnBrk="0" hangingPunct="1">
+        <a:defRPr sz="1800" kern="1200">
+          <a:solidFill>
+            <a:schemeClr val="tx1"/>
+          </a:solidFill>
+          <a:latin typeface="+mn-lt"/>
+          <a:ea typeface="+mn-ea"/>
+          <a:cs typeface="+mn-cs"/>
+        </a:defRPr>
+      </a:lvl1pPr>
+      <a:lvl2pPr marL="457200" algn="l" defTabSz="914400" rtl="0" eaLnBrk="1" latinLnBrk="0" hangingPunct="1">
+        <a:defRPr sz="1800" kern="1200">
+          <a:solidFill>
+            <a:schemeClr val="tx1"/>
+          </a:solidFill>
+          <a:latin typeface="+mn-lt"/>
+          <a:ea typeface="+mn-ea"/>
+          <a:cs typeface="+mn-cs"/>
+        </a:defRPr>
+      </a:lvl2pPr>
+      <a:lvl3pPr marL="914400" algn="l" defTabSz="914400" rtl="0" eaLnBrk="1" latinLnBrk="0" hangingPunct="1">
+        <a:defRPr sz="1800" kern="1200">
+          <a:solidFill>
+            <a:schemeClr val="tx1"/>
+          </a:solidFill>
+          <a:latin typeface="+mn-lt"/>
+          <a:ea typeface="+mn-ea"/>
+          <a:cs typeface="+mn-cs"/>
+        </a:defRPr>
+      </a:lvl3pPr>
+      <a:lvl4pPr marL="1371600" algn="l" defTabSz="914400" rtl="0" eaLnBrk="1" latinLnBrk="0" hangingPunct="1">
+        <a:defRPr sz="1800" kern="1200">
+          <a:solidFill>
+            <a:schemeClr val="tx1"/>
+          </a:solidFill>
+          <a:latin typeface="+mn-lt"/>
+          <a:ea typeface="+mn-ea"/>
+          <a:cs typeface="+mn-cs"/>
+        </a:defRPr>
+      </a:lvl4pPr>
+      <a:lvl5pPr marL="1828800" algn="l" defTabSz="914400" rtl="0" eaLnBrk="1" latinLnBrk="0" hangingPunct="1">
+        <a:defRPr sz="1800" kern="1200">
+          <a:solidFill>
+            <a:schemeClr val="tx1"/>
+          </a:solidFill>
+          <a:latin typeface="+mn-lt"/>
+          <a:ea typeface="+mn-ea"/>
+          <a:cs typeface="+mn-cs"/>
+        </a:defRPr>
+      </a:lvl5pPr>
+      <a:lvl6pPr marL="2286000" algn="l" defTabSz="914400" rtl="0" eaLnBrk="1" latinLnBrk="0" hangingPunct="1">
+        <a:defRPr sz="1800" kern="1200">
+          <a:solidFill>
+            <a:schemeClr val="tx1"/>
+          </a:solidFill>
+          <a:latin typeface="+mn-lt"/>
+          <a:ea typeface="+mn-ea"/>
+          <a:cs typeface="+mn-cs"/>
+        </a:defRPr>
+      </a:lvl6pPr>
+      <a:lvl7pPr marL="2743200" algn="l" defTabSz="914400" rtl="0" eaLnBrk="1" latinLnBrk="0" hangingPunct="1">
+        <a:defRPr sz="1800" kern="1200">
+          <a:solidFill>
+            <a:schemeClr val="tx1"/>
+          </a:solidFill>
+          <a:latin typeface="+mn-lt"/>
+          <a:ea typeface="+mn-ea"/>
+          <a:cs typeface="+mn-cs"/>
+        </a:defRPr>
+      </a:lvl7pPr>
+      <a:lvl8pPr marL="3200400" algn="l" defTabSz="914400" rtl="0" eaLnBrk="1" latinLnBrk="0" hangingPunct="1">
+        <a:defRPr sz="1800" kern="1200">
+          <a:solidFill>
+            <a:schemeClr val="tx1"/>
+          </a:solidFill>
+          <a:latin typeface="+mn-lt"/>
+          <a:ea typeface="+mn-ea"/>
+          <a:cs typeface="+mn-cs"/>
+        </a:defRPr>
+      </a:lvl8pPr>
+      <a:lvl9pPr marL="3657600" algn="l" defTabSz="914400" rtl="0" eaLnBrk="1" latinLnBrk="0" hangingPunct="1">
+        <a:defRPr sz="1800" kern="1200">
+          <a:solidFill>
+            <a:schemeClr val="tx1"/>
+          </a:solidFill>
+          <a:latin typeface="+mn-lt"/>
+          <a:ea typeface="+mn-ea"/>
+          <a:cs typeface="+mn-cs"/>
+        </a:defRPr>
+      </a:lvl9pPr>
+    </p:otherStyle>
+  </p:txStyles>
 </p:sldMaster>
 </file>
 
 <file path=ppt/slideMasters/slideMaster3.xml><?xml version="1.0" encoding="utf-8"?>
-<p:sldMaster xmlns:a="http://schemas.openxmlformats.org/drawingml/2006/main" xmlns:p="http://schemas.openxmlformats.org/presentationml/2006/main" xmlns:r="http://schemas.openxmlformats.org/officeDocument/2006/relationships" xmlns:p14="http://schemas.microsoft.com/office/powerpoint/2010/main" xmlns:p15="http://schemas.microsoft.com/office/powerpoint/2012/main" xmlns:mc="http://schemas.openxmlformats.org/markup-compatibility/2006">
+<p:sldMaster xmlns:a="http://schemas.openxmlformats.org/drawingml/2006/main" xmlns:r="http://schemas.openxmlformats.org/officeDocument/2006/relationships" xmlns:p="http://schemas.openxmlformats.org/presentationml/2006/main">
   <p:cSld>
     <p:bg>
       <p:bgPr>
         <a:blipFill rotWithShape="0">
-          <a:blip r:embed="rId2"/>
+          <a:blip r:embed="rId14"/>
           <a:stretch>
             <a:fillRect/>
           </a:stretch>
         </a:blipFill>
+        <a:effectLst/>
       </p:bgPr>
     </p:bg>
     <p:spTree>
@@ -5914,17 +6816,15 @@
           </a:prstGeom>
         </p:spPr>
         <p:txBody>
-          <a:bodyPr lIns="0" rIns="0" tIns="0" bIns="0" anchor="ctr"/>
+          <a:bodyPr lIns="0" tIns="0" rIns="0" bIns="0" anchor="ctr"/>
+          <a:lstStyle/>
           <a:p>
             <a:r>
-              <a:rPr b="0" lang="cs-CZ" sz="1800" spc="-1" strike="noStrike">
+              <a:rPr lang="cs-CZ" sz="1800" b="0" strike="noStrike" spc="-1">
                 <a:latin typeface="Arial"/>
               </a:rPr>
               <a:t>Klikněte pro úpravu formátu textu nadpisu</a:t>
             </a:r>
-            <a:endParaRPr b="0" lang="cs-CZ" sz="1800" spc="-1" strike="noStrike">
-              <a:latin typeface="Arial"/>
-            </a:endParaRPr>
           </a:p>
         </p:txBody>
       </p:sp>
@@ -5948,9 +6848,10 @@
           </a:prstGeom>
         </p:spPr>
         <p:txBody>
-          <a:bodyPr lIns="0" rIns="0" tIns="0" bIns="0">
-            <a:normAutofit/>
-          </a:bodyPr>
+          <a:bodyPr lIns="0" tIns="0" rIns="0" bIns="0">
+            <a:normAutofit/>
+          </a:bodyPr>
+          <a:lstStyle/>
           <a:p>
             <a:pPr marL="432000" indent="-324000">
               <a:spcBef>
@@ -5964,17 +6865,14 @@
               <a:buChar char=""/>
             </a:pPr>
             <a:r>
-              <a:rPr b="0" lang="cs-CZ" sz="3200" spc="-1" strike="noStrike">
+              <a:rPr lang="cs-CZ" sz="3200" b="0" strike="noStrike" spc="-1">
                 <a:latin typeface="Arial"/>
               </a:rPr>
               <a:t>Klikněte pro úpravu formátu textu osnovy</a:t>
             </a:r>
-            <a:endParaRPr b="0" lang="cs-CZ" sz="3200" spc="-1" strike="noStrike">
-              <a:latin typeface="Arial"/>
-            </a:endParaRPr>
-          </a:p>
-          <a:p>
-            <a:pPr lvl="1" marL="864000" indent="-324000">
+          </a:p>
+          <a:p>
+            <a:pPr marL="864000" lvl="1" indent="-324000">
               <a:spcBef>
                 <a:spcPts val="1134"/>
               </a:spcBef>
@@ -5986,17 +6884,14 @@
               <a:buChar char=""/>
             </a:pPr>
             <a:r>
-              <a:rPr b="0" lang="cs-CZ" sz="2800" spc="-1" strike="noStrike">
+              <a:rPr lang="cs-CZ" sz="2800" b="0" strike="noStrike" spc="-1">
                 <a:latin typeface="Arial"/>
               </a:rPr>
               <a:t>Druhá úroveň</a:t>
             </a:r>
-            <a:endParaRPr b="0" lang="cs-CZ" sz="2800" spc="-1" strike="noStrike">
-              <a:latin typeface="Arial"/>
-            </a:endParaRPr>
-          </a:p>
-          <a:p>
-            <a:pPr lvl="2" marL="1296000" indent="-288000">
+          </a:p>
+          <a:p>
+            <a:pPr marL="1296000" lvl="2" indent="-288000">
               <a:spcBef>
                 <a:spcPts val="850"/>
               </a:spcBef>
@@ -6008,17 +6903,14 @@
               <a:buChar char=""/>
             </a:pPr>
             <a:r>
-              <a:rPr b="0" lang="cs-CZ" sz="2400" spc="-1" strike="noStrike">
+              <a:rPr lang="cs-CZ" sz="2400" b="0" strike="noStrike" spc="-1">
                 <a:latin typeface="Arial"/>
               </a:rPr>
               <a:t>Třetí úroveň</a:t>
             </a:r>
-            <a:endParaRPr b="0" lang="cs-CZ" sz="2400" spc="-1" strike="noStrike">
-              <a:latin typeface="Arial"/>
-            </a:endParaRPr>
-          </a:p>
-          <a:p>
-            <a:pPr lvl="3" marL="1728000" indent="-216000">
+          </a:p>
+          <a:p>
+            <a:pPr marL="1728000" lvl="3" indent="-216000">
               <a:spcBef>
                 <a:spcPts val="567"/>
               </a:spcBef>
@@ -6030,17 +6922,14 @@
               <a:buChar char=""/>
             </a:pPr>
             <a:r>
-              <a:rPr b="0" lang="cs-CZ" sz="2000" spc="-1" strike="noStrike">
+              <a:rPr lang="cs-CZ" sz="2000" b="0" strike="noStrike" spc="-1">
                 <a:latin typeface="Arial"/>
               </a:rPr>
               <a:t>Čtvrtá úroveň osnovy</a:t>
             </a:r>
-            <a:endParaRPr b="0" lang="cs-CZ" sz="2000" spc="-1" strike="noStrike">
-              <a:latin typeface="Arial"/>
-            </a:endParaRPr>
-          </a:p>
-          <a:p>
-            <a:pPr lvl="4" marL="2160000" indent="-216000">
+          </a:p>
+          <a:p>
+            <a:pPr marL="2160000" lvl="4" indent="-216000">
               <a:spcBef>
                 <a:spcPts val="283"/>
               </a:spcBef>
@@ -6052,17 +6941,14 @@
               <a:buChar char=""/>
             </a:pPr>
             <a:r>
-              <a:rPr b="0" lang="cs-CZ" sz="2000" spc="-1" strike="noStrike">
+              <a:rPr lang="cs-CZ" sz="2000" b="0" strike="noStrike" spc="-1">
                 <a:latin typeface="Arial"/>
               </a:rPr>
               <a:t>Pátá úroveň osnovy</a:t>
             </a:r>
-            <a:endParaRPr b="0" lang="cs-CZ" sz="2000" spc="-1" strike="noStrike">
-              <a:latin typeface="Arial"/>
-            </a:endParaRPr>
-          </a:p>
-          <a:p>
-            <a:pPr lvl="5" marL="2592000" indent="-216000">
+          </a:p>
+          <a:p>
+            <a:pPr marL="2592000" lvl="5" indent="-216000">
               <a:spcBef>
                 <a:spcPts val="283"/>
               </a:spcBef>
@@ -6074,17 +6960,14 @@
               <a:buChar char=""/>
             </a:pPr>
             <a:r>
-              <a:rPr b="0" lang="cs-CZ" sz="2000" spc="-1" strike="noStrike">
+              <a:rPr lang="cs-CZ" sz="2000" b="0" strike="noStrike" spc="-1">
                 <a:latin typeface="Arial"/>
               </a:rPr>
               <a:t>Šestá úroveň</a:t>
             </a:r>
-            <a:endParaRPr b="0" lang="cs-CZ" sz="2000" spc="-1" strike="noStrike">
-              <a:latin typeface="Arial"/>
-            </a:endParaRPr>
-          </a:p>
-          <a:p>
-            <a:pPr lvl="6" marL="3024000" indent="-216000">
+          </a:p>
+          <a:p>
+            <a:pPr marL="3024000" lvl="6" indent="-216000">
               <a:spcBef>
                 <a:spcPts val="283"/>
               </a:spcBef>
@@ -6096,48 +6979,326 @@
               <a:buChar char=""/>
             </a:pPr>
             <a:r>
-              <a:rPr b="0" lang="cs-CZ" sz="2000" spc="-1" strike="noStrike">
+              <a:rPr lang="cs-CZ" sz="2000" b="0" strike="noStrike" spc="-1">
                 <a:latin typeface="Arial"/>
               </a:rPr>
               <a:t>Sedmá úroveň</a:t>
             </a:r>
-            <a:endParaRPr b="0" lang="cs-CZ" sz="2000" spc="-1" strike="noStrike">
-              <a:latin typeface="Arial"/>
-            </a:endParaRPr>
           </a:p>
         </p:txBody>
       </p:sp>
     </p:spTree>
   </p:cSld>
-  <p:clrMap bg1="lt1" bg2="lt2" tx1="dk1" tx2="dk2" accent1="accent1" accent2="accent2" accent3="accent3" accent4="accent4" accent5="accent5" accent6="accent6" hlink="hlink" folHlink="folHlink"/>
+  <p:clrMap bg1="lt1" tx1="dk1" bg2="lt2" tx2="dk2" accent1="accent1" accent2="accent2" accent3="accent3" accent4="accent4" accent5="accent5" accent6="accent6" hlink="hlink" folHlink="folHlink"/>
   <p:sldLayoutIdLst>
-    <p:sldLayoutId id="2147483675" r:id="rId3"/>
-    <p:sldLayoutId id="2147483676" r:id="rId4"/>
-    <p:sldLayoutId id="2147483677" r:id="rId5"/>
-    <p:sldLayoutId id="2147483678" r:id="rId6"/>
-    <p:sldLayoutId id="2147483679" r:id="rId7"/>
-    <p:sldLayoutId id="2147483680" r:id="rId8"/>
-    <p:sldLayoutId id="2147483681" r:id="rId9"/>
-    <p:sldLayoutId id="2147483682" r:id="rId10"/>
-    <p:sldLayoutId id="2147483683" r:id="rId11"/>
-    <p:sldLayoutId id="2147483684" r:id="rId12"/>
-    <p:sldLayoutId id="2147483685" r:id="rId13"/>
-    <p:sldLayoutId id="2147483686" r:id="rId14"/>
+    <p:sldLayoutId id="2147483675" r:id="rId1"/>
+    <p:sldLayoutId id="2147483676" r:id="rId2"/>
+    <p:sldLayoutId id="2147483677" r:id="rId3"/>
+    <p:sldLayoutId id="2147483678" r:id="rId4"/>
+    <p:sldLayoutId id="2147483679" r:id="rId5"/>
+    <p:sldLayoutId id="2147483680" r:id="rId6"/>
+    <p:sldLayoutId id="2147483681" r:id="rId7"/>
+    <p:sldLayoutId id="2147483682" r:id="rId8"/>
+    <p:sldLayoutId id="2147483683" r:id="rId9"/>
+    <p:sldLayoutId id="2147483684" r:id="rId10"/>
+    <p:sldLayoutId id="2147483685" r:id="rId11"/>
+    <p:sldLayoutId id="2147483686" r:id="rId12"/>
   </p:sldLayoutIdLst>
+  <p:txStyles>
+    <p:titleStyle>
+      <a:lvl1pPr algn="l" defTabSz="914400" rtl="0" eaLnBrk="1" latinLnBrk="0" hangingPunct="1">
+        <a:lnSpc>
+          <a:spcPct val="90000"/>
+        </a:lnSpc>
+        <a:spcBef>
+          <a:spcPct val="0"/>
+        </a:spcBef>
+        <a:buNone/>
+        <a:defRPr sz="4400" kern="1200">
+          <a:solidFill>
+            <a:schemeClr val="tx1"/>
+          </a:solidFill>
+          <a:latin typeface="+mj-lt"/>
+          <a:ea typeface="+mj-ea"/>
+          <a:cs typeface="+mj-cs"/>
+        </a:defRPr>
+      </a:lvl1pPr>
+    </p:titleStyle>
+    <p:bodyStyle>
+      <a:lvl1pPr marL="228600" indent="-228600" algn="l" defTabSz="914400" rtl="0" eaLnBrk="1" latinLnBrk="0" hangingPunct="1">
+        <a:lnSpc>
+          <a:spcPct val="90000"/>
+        </a:lnSpc>
+        <a:spcBef>
+          <a:spcPts val="1000"/>
+        </a:spcBef>
+        <a:buFont typeface="Arial" panose="020B0604020202020204" pitchFamily="34" charset="0"/>
+        <a:buChar char="•"/>
+        <a:defRPr sz="2800" kern="1200">
+          <a:solidFill>
+            <a:schemeClr val="tx1"/>
+          </a:solidFill>
+          <a:latin typeface="+mn-lt"/>
+          <a:ea typeface="+mn-ea"/>
+          <a:cs typeface="+mn-cs"/>
+        </a:defRPr>
+      </a:lvl1pPr>
+      <a:lvl2pPr marL="685800" indent="-228600" algn="l" defTabSz="914400" rtl="0" eaLnBrk="1" latinLnBrk="0" hangingPunct="1">
+        <a:lnSpc>
+          <a:spcPct val="90000"/>
+        </a:lnSpc>
+        <a:spcBef>
+          <a:spcPts val="500"/>
+        </a:spcBef>
+        <a:buFont typeface="Arial" panose="020B0604020202020204" pitchFamily="34" charset="0"/>
+        <a:buChar char="•"/>
+        <a:defRPr sz="2400" kern="1200">
+          <a:solidFill>
+            <a:schemeClr val="tx1"/>
+          </a:solidFill>
+          <a:latin typeface="+mn-lt"/>
+          <a:ea typeface="+mn-ea"/>
+          <a:cs typeface="+mn-cs"/>
+        </a:defRPr>
+      </a:lvl2pPr>
+      <a:lvl3pPr marL="1143000" indent="-228600" algn="l" defTabSz="914400" rtl="0" eaLnBrk="1" latinLnBrk="0" hangingPunct="1">
+        <a:lnSpc>
+          <a:spcPct val="90000"/>
+        </a:lnSpc>
+        <a:spcBef>
+          <a:spcPts val="500"/>
+        </a:spcBef>
+        <a:buFont typeface="Arial" panose="020B0604020202020204" pitchFamily="34" charset="0"/>
+        <a:buChar char="•"/>
+        <a:defRPr sz="2000" kern="1200">
+          <a:solidFill>
+            <a:schemeClr val="tx1"/>
+          </a:solidFill>
+          <a:latin typeface="+mn-lt"/>
+          <a:ea typeface="+mn-ea"/>
+          <a:cs typeface="+mn-cs"/>
+        </a:defRPr>
+      </a:lvl3pPr>
+      <a:lvl4pPr marL="1600200" indent="-228600" algn="l" defTabSz="914400" rtl="0" eaLnBrk="1" latinLnBrk="0" hangingPunct="1">
+        <a:lnSpc>
+          <a:spcPct val="90000"/>
+        </a:lnSpc>
+        <a:spcBef>
+          <a:spcPts val="500"/>
+        </a:spcBef>
+        <a:buFont typeface="Arial" panose="020B0604020202020204" pitchFamily="34" charset="0"/>
+        <a:buChar char="•"/>
+        <a:defRPr sz="1800" kern="1200">
+          <a:solidFill>
+            <a:schemeClr val="tx1"/>
+          </a:solidFill>
+          <a:latin typeface="+mn-lt"/>
+          <a:ea typeface="+mn-ea"/>
+          <a:cs typeface="+mn-cs"/>
+        </a:defRPr>
+      </a:lvl4pPr>
+      <a:lvl5pPr marL="2057400" indent="-228600" algn="l" defTabSz="914400" rtl="0" eaLnBrk="1" latinLnBrk="0" hangingPunct="1">
+        <a:lnSpc>
+          <a:spcPct val="90000"/>
+        </a:lnSpc>
+        <a:spcBef>
+          <a:spcPts val="500"/>
+        </a:spcBef>
+        <a:buFont typeface="Arial" panose="020B0604020202020204" pitchFamily="34" charset="0"/>
+        <a:buChar char="•"/>
+        <a:defRPr sz="1800" kern="1200">
+          <a:solidFill>
+            <a:schemeClr val="tx1"/>
+          </a:solidFill>
+          <a:latin typeface="+mn-lt"/>
+          <a:ea typeface="+mn-ea"/>
+          <a:cs typeface="+mn-cs"/>
+        </a:defRPr>
+      </a:lvl5pPr>
+      <a:lvl6pPr marL="2514600" indent="-228600" algn="l" defTabSz="914400" rtl="0" eaLnBrk="1" latinLnBrk="0" hangingPunct="1">
+        <a:lnSpc>
+          <a:spcPct val="90000"/>
+        </a:lnSpc>
+        <a:spcBef>
+          <a:spcPts val="500"/>
+        </a:spcBef>
+        <a:buFont typeface="Arial" panose="020B0604020202020204" pitchFamily="34" charset="0"/>
+        <a:buChar char="•"/>
+        <a:defRPr sz="1800" kern="1200">
+          <a:solidFill>
+            <a:schemeClr val="tx1"/>
+          </a:solidFill>
+          <a:latin typeface="+mn-lt"/>
+          <a:ea typeface="+mn-ea"/>
+          <a:cs typeface="+mn-cs"/>
+        </a:defRPr>
+      </a:lvl6pPr>
+      <a:lvl7pPr marL="2971800" indent="-228600" algn="l" defTabSz="914400" rtl="0" eaLnBrk="1" latinLnBrk="0" hangingPunct="1">
+        <a:lnSpc>
+          <a:spcPct val="90000"/>
+        </a:lnSpc>
+        <a:spcBef>
+          <a:spcPts val="500"/>
+        </a:spcBef>
+        <a:buFont typeface="Arial" panose="020B0604020202020204" pitchFamily="34" charset="0"/>
+        <a:buChar char="•"/>
+        <a:defRPr sz="1800" kern="1200">
+          <a:solidFill>
+            <a:schemeClr val="tx1"/>
+          </a:solidFill>
+          <a:latin typeface="+mn-lt"/>
+          <a:ea typeface="+mn-ea"/>
+          <a:cs typeface="+mn-cs"/>
+        </a:defRPr>
+      </a:lvl7pPr>
+      <a:lvl8pPr marL="3429000" indent="-228600" algn="l" defTabSz="914400" rtl="0" eaLnBrk="1" latinLnBrk="0" hangingPunct="1">
+        <a:lnSpc>
+          <a:spcPct val="90000"/>
+        </a:lnSpc>
+        <a:spcBef>
+          <a:spcPts val="500"/>
+        </a:spcBef>
+        <a:buFont typeface="Arial" panose="020B0604020202020204" pitchFamily="34" charset="0"/>
+        <a:buChar char="•"/>
+        <a:defRPr sz="1800" kern="1200">
+          <a:solidFill>
+            <a:schemeClr val="tx1"/>
+          </a:solidFill>
+          <a:latin typeface="+mn-lt"/>
+          <a:ea typeface="+mn-ea"/>
+          <a:cs typeface="+mn-cs"/>
+        </a:defRPr>
+      </a:lvl8pPr>
+      <a:lvl9pPr marL="3886200" indent="-228600" algn="l" defTabSz="914400" rtl="0" eaLnBrk="1" latinLnBrk="0" hangingPunct="1">
+        <a:lnSpc>
+          <a:spcPct val="90000"/>
+        </a:lnSpc>
+        <a:spcBef>
+          <a:spcPts val="500"/>
+        </a:spcBef>
+        <a:buFont typeface="Arial" panose="020B0604020202020204" pitchFamily="34" charset="0"/>
+        <a:buChar char="•"/>
+        <a:defRPr sz="1800" kern="1200">
+          <a:solidFill>
+            <a:schemeClr val="tx1"/>
+          </a:solidFill>
+          <a:latin typeface="+mn-lt"/>
+          <a:ea typeface="+mn-ea"/>
+          <a:cs typeface="+mn-cs"/>
+        </a:defRPr>
+      </a:lvl9pPr>
+    </p:bodyStyle>
+    <p:otherStyle>
+      <a:defPPr>
+        <a:defRPr lang="cs-CZ"/>
+      </a:defPPr>
+      <a:lvl1pPr marL="0" algn="l" defTabSz="914400" rtl="0" eaLnBrk="1" latinLnBrk="0" hangingPunct="1">
+        <a:defRPr sz="1800" kern="1200">
+          <a:solidFill>
+            <a:schemeClr val="tx1"/>
+          </a:solidFill>
+          <a:latin typeface="+mn-lt"/>
+          <a:ea typeface="+mn-ea"/>
+          <a:cs typeface="+mn-cs"/>
+        </a:defRPr>
+      </a:lvl1pPr>
+      <a:lvl2pPr marL="457200" algn="l" defTabSz="914400" rtl="0" eaLnBrk="1" latinLnBrk="0" hangingPunct="1">
+        <a:defRPr sz="1800" kern="1200">
+          <a:solidFill>
+            <a:schemeClr val="tx1"/>
+          </a:solidFill>
+          <a:latin typeface="+mn-lt"/>
+          <a:ea typeface="+mn-ea"/>
+          <a:cs typeface="+mn-cs"/>
+        </a:defRPr>
+      </a:lvl2pPr>
+      <a:lvl3pPr marL="914400" algn="l" defTabSz="914400" rtl="0" eaLnBrk="1" latinLnBrk="0" hangingPunct="1">
+        <a:defRPr sz="1800" kern="1200">
+          <a:solidFill>
+            <a:schemeClr val="tx1"/>
+          </a:solidFill>
+          <a:latin typeface="+mn-lt"/>
+          <a:ea typeface="+mn-ea"/>
+          <a:cs typeface="+mn-cs"/>
+        </a:defRPr>
+      </a:lvl3pPr>
+      <a:lvl4pPr marL="1371600" algn="l" defTabSz="914400" rtl="0" eaLnBrk="1" latinLnBrk="0" hangingPunct="1">
+        <a:defRPr sz="1800" kern="1200">
+          <a:solidFill>
+            <a:schemeClr val="tx1"/>
+          </a:solidFill>
+          <a:latin typeface="+mn-lt"/>
+          <a:ea typeface="+mn-ea"/>
+          <a:cs typeface="+mn-cs"/>
+        </a:defRPr>
+      </a:lvl4pPr>
+      <a:lvl5pPr marL="1828800" algn="l" defTabSz="914400" rtl="0" eaLnBrk="1" latinLnBrk="0" hangingPunct="1">
+        <a:defRPr sz="1800" kern="1200">
+          <a:solidFill>
+            <a:schemeClr val="tx1"/>
+          </a:solidFill>
+          <a:latin typeface="+mn-lt"/>
+          <a:ea typeface="+mn-ea"/>
+          <a:cs typeface="+mn-cs"/>
+        </a:defRPr>
+      </a:lvl5pPr>
+      <a:lvl6pPr marL="2286000" algn="l" defTabSz="914400" rtl="0" eaLnBrk="1" latinLnBrk="0" hangingPunct="1">
+        <a:defRPr sz="1800" kern="1200">
+          <a:solidFill>
+            <a:schemeClr val="tx1"/>
+          </a:solidFill>
+          <a:latin typeface="+mn-lt"/>
+          <a:ea typeface="+mn-ea"/>
+          <a:cs typeface="+mn-cs"/>
+        </a:defRPr>
+      </a:lvl6pPr>
+      <a:lvl7pPr marL="2743200" algn="l" defTabSz="914400" rtl="0" eaLnBrk="1" latinLnBrk="0" hangingPunct="1">
+        <a:defRPr sz="1800" kern="1200">
+          <a:solidFill>
+            <a:schemeClr val="tx1"/>
+          </a:solidFill>
+          <a:latin typeface="+mn-lt"/>
+          <a:ea typeface="+mn-ea"/>
+          <a:cs typeface="+mn-cs"/>
+        </a:defRPr>
+      </a:lvl7pPr>
+      <a:lvl8pPr marL="3200400" algn="l" defTabSz="914400" rtl="0" eaLnBrk="1" latinLnBrk="0" hangingPunct="1">
+        <a:defRPr sz="1800" kern="1200">
+          <a:solidFill>
+            <a:schemeClr val="tx1"/>
+          </a:solidFill>
+          <a:latin typeface="+mn-lt"/>
+          <a:ea typeface="+mn-ea"/>
+          <a:cs typeface="+mn-cs"/>
+        </a:defRPr>
+      </a:lvl8pPr>
+      <a:lvl9pPr marL="3657600" algn="l" defTabSz="914400" rtl="0" eaLnBrk="1" latinLnBrk="0" hangingPunct="1">
+        <a:defRPr sz="1800" kern="1200">
+          <a:solidFill>
+            <a:schemeClr val="tx1"/>
+          </a:solidFill>
+          <a:latin typeface="+mn-lt"/>
+          <a:ea typeface="+mn-ea"/>
+          <a:cs typeface="+mn-cs"/>
+        </a:defRPr>
+      </a:lvl9pPr>
+    </p:otherStyle>
+  </p:txStyles>
 </p:sldMaster>
 </file>
 
 <file path=ppt/slideMasters/slideMaster4.xml><?xml version="1.0" encoding="utf-8"?>
-<p:sldMaster xmlns:a="http://schemas.openxmlformats.org/drawingml/2006/main" xmlns:p="http://schemas.openxmlformats.org/presentationml/2006/main" xmlns:r="http://schemas.openxmlformats.org/officeDocument/2006/relationships" xmlns:p14="http://schemas.microsoft.com/office/powerpoint/2010/main" xmlns:p15="http://schemas.microsoft.com/office/powerpoint/2012/main" xmlns:mc="http://schemas.openxmlformats.org/markup-compatibility/2006">
+<p:sldMaster xmlns:a="http://schemas.openxmlformats.org/drawingml/2006/main" xmlns:r="http://schemas.openxmlformats.org/officeDocument/2006/relationships" xmlns:p="http://schemas.openxmlformats.org/presentationml/2006/main">
   <p:cSld>
     <p:bg>
       <p:bgPr>
         <a:blipFill rotWithShape="0">
-          <a:blip r:embed="rId2"/>
+          <a:blip r:embed="rId14"/>
           <a:stretch>
             <a:fillRect/>
           </a:stretch>
         </a:blipFill>
+        <a:effectLst/>
       </p:bgPr>
     </p:bg>
     <p:spTree>
@@ -6174,18 +7335,16 @@
           </a:prstGeom>
         </p:spPr>
         <p:txBody>
-          <a:bodyPr lIns="0" rIns="0" tIns="0" bIns="0" anchor="ctr"/>
+          <a:bodyPr lIns="0" tIns="0" rIns="0" bIns="0" anchor="ctr"/>
+          <a:lstStyle/>
           <a:p>
             <a:pPr algn="ctr"/>
             <a:r>
-              <a:rPr b="0" lang="cs-CZ" sz="4400" spc="-1" strike="noStrike">
+              <a:rPr lang="cs-CZ" sz="4400" b="0" strike="noStrike" spc="-1">
                 <a:latin typeface="Arial"/>
               </a:rPr>
               <a:t>Klikněte pro úpravu formátu textu nadpisu</a:t>
             </a:r>
-            <a:endParaRPr b="0" lang="cs-CZ" sz="4400" spc="-1" strike="noStrike">
-              <a:latin typeface="Arial"/>
-            </a:endParaRPr>
           </a:p>
         </p:txBody>
       </p:sp>
@@ -6209,9 +7368,10 @@
           </a:prstGeom>
         </p:spPr>
         <p:txBody>
-          <a:bodyPr lIns="0" rIns="0" tIns="0" bIns="0">
-            <a:normAutofit/>
-          </a:bodyPr>
+          <a:bodyPr lIns="0" tIns="0" rIns="0" bIns="0">
+            <a:normAutofit/>
+          </a:bodyPr>
+          <a:lstStyle/>
           <a:p>
             <a:pPr marL="432000" indent="-324000">
               <a:spcBef>
@@ -6225,17 +7385,14 @@
               <a:buChar char=""/>
             </a:pPr>
             <a:r>
-              <a:rPr b="0" lang="cs-CZ" sz="3200" spc="-1" strike="noStrike">
+              <a:rPr lang="cs-CZ" sz="3200" b="0" strike="noStrike" spc="-1">
                 <a:latin typeface="Arial"/>
               </a:rPr>
               <a:t>Klikněte pro úpravu formátu textu osnovy</a:t>
             </a:r>
-            <a:endParaRPr b="0" lang="cs-CZ" sz="3200" spc="-1" strike="noStrike">
-              <a:latin typeface="Arial"/>
-            </a:endParaRPr>
-          </a:p>
-          <a:p>
-            <a:pPr lvl="1" marL="864000" indent="-324000">
+          </a:p>
+          <a:p>
+            <a:pPr marL="864000" lvl="1" indent="-324000">
               <a:spcBef>
                 <a:spcPts val="1134"/>
               </a:spcBef>
@@ -6247,17 +7404,14 @@
               <a:buChar char=""/>
             </a:pPr>
             <a:r>
-              <a:rPr b="0" lang="cs-CZ" sz="2800" spc="-1" strike="noStrike">
+              <a:rPr lang="cs-CZ" sz="2800" b="0" strike="noStrike" spc="-1">
                 <a:latin typeface="Arial"/>
               </a:rPr>
               <a:t>Druhá úroveň</a:t>
             </a:r>
-            <a:endParaRPr b="0" lang="cs-CZ" sz="2800" spc="-1" strike="noStrike">
-              <a:latin typeface="Arial"/>
-            </a:endParaRPr>
-          </a:p>
-          <a:p>
-            <a:pPr lvl="2" marL="1296000" indent="-288000">
+          </a:p>
+          <a:p>
+            <a:pPr marL="1296000" lvl="2" indent="-288000">
               <a:spcBef>
                 <a:spcPts val="850"/>
               </a:spcBef>
@@ -6269,17 +7423,14 @@
               <a:buChar char=""/>
             </a:pPr>
             <a:r>
-              <a:rPr b="0" lang="cs-CZ" sz="2400" spc="-1" strike="noStrike">
+              <a:rPr lang="cs-CZ" sz="2400" b="0" strike="noStrike" spc="-1">
                 <a:latin typeface="Arial"/>
               </a:rPr>
               <a:t>Třetí úroveň</a:t>
             </a:r>
-            <a:endParaRPr b="0" lang="cs-CZ" sz="2400" spc="-1" strike="noStrike">
-              <a:latin typeface="Arial"/>
-            </a:endParaRPr>
-          </a:p>
-          <a:p>
-            <a:pPr lvl="3" marL="1728000" indent="-216000">
+          </a:p>
+          <a:p>
+            <a:pPr marL="1728000" lvl="3" indent="-216000">
               <a:spcBef>
                 <a:spcPts val="567"/>
               </a:spcBef>
@@ -6291,17 +7442,14 @@
               <a:buChar char=""/>
             </a:pPr>
             <a:r>
-              <a:rPr b="0" lang="cs-CZ" sz="2000" spc="-1" strike="noStrike">
+              <a:rPr lang="cs-CZ" sz="2000" b="0" strike="noStrike" spc="-1">
                 <a:latin typeface="Arial"/>
               </a:rPr>
               <a:t>Čtvrtá úroveň osnovy</a:t>
             </a:r>
-            <a:endParaRPr b="0" lang="cs-CZ" sz="2000" spc="-1" strike="noStrike">
-              <a:latin typeface="Arial"/>
-            </a:endParaRPr>
-          </a:p>
-          <a:p>
-            <a:pPr lvl="4" marL="2160000" indent="-216000">
+          </a:p>
+          <a:p>
+            <a:pPr marL="2160000" lvl="4" indent="-216000">
               <a:spcBef>
                 <a:spcPts val="283"/>
               </a:spcBef>
@@ -6313,17 +7461,14 @@
               <a:buChar char=""/>
             </a:pPr>
             <a:r>
-              <a:rPr b="0" lang="cs-CZ" sz="2000" spc="-1" strike="noStrike">
+              <a:rPr lang="cs-CZ" sz="2000" b="0" strike="noStrike" spc="-1">
                 <a:latin typeface="Arial"/>
               </a:rPr>
               <a:t>Pátá úroveň osnovy</a:t>
             </a:r>
-            <a:endParaRPr b="0" lang="cs-CZ" sz="2000" spc="-1" strike="noStrike">
-              <a:latin typeface="Arial"/>
-            </a:endParaRPr>
-          </a:p>
-          <a:p>
-            <a:pPr lvl="5" marL="2592000" indent="-216000">
+          </a:p>
+          <a:p>
+            <a:pPr marL="2592000" lvl="5" indent="-216000">
               <a:spcBef>
                 <a:spcPts val="283"/>
               </a:spcBef>
@@ -6335,17 +7480,14 @@
               <a:buChar char=""/>
             </a:pPr>
             <a:r>
-              <a:rPr b="0" lang="cs-CZ" sz="2000" spc="-1" strike="noStrike">
+              <a:rPr lang="cs-CZ" sz="2000" b="0" strike="noStrike" spc="-1">
                 <a:latin typeface="Arial"/>
               </a:rPr>
               <a:t>Šestá úroveň</a:t>
             </a:r>
-            <a:endParaRPr b="0" lang="cs-CZ" sz="2000" spc="-1" strike="noStrike">
-              <a:latin typeface="Arial"/>
-            </a:endParaRPr>
-          </a:p>
-          <a:p>
-            <a:pPr lvl="6" marL="3024000" indent="-216000">
+          </a:p>
+          <a:p>
+            <a:pPr marL="3024000" lvl="6" indent="-216000">
               <a:spcBef>
                 <a:spcPts val="283"/>
               </a:spcBef>
@@ -6357,39 +7499,316 @@
               <a:buChar char=""/>
             </a:pPr>
             <a:r>
-              <a:rPr b="0" lang="cs-CZ" sz="2000" spc="-1" strike="noStrike">
+              <a:rPr lang="cs-CZ" sz="2000" b="0" strike="noStrike" spc="-1">
                 <a:latin typeface="Arial"/>
               </a:rPr>
               <a:t>Sedmá úroveň</a:t>
             </a:r>
-            <a:endParaRPr b="0" lang="cs-CZ" sz="2000" spc="-1" strike="noStrike">
-              <a:latin typeface="Arial"/>
-            </a:endParaRPr>
           </a:p>
         </p:txBody>
       </p:sp>
     </p:spTree>
   </p:cSld>
-  <p:clrMap bg1="lt1" bg2="lt2" tx1="dk1" tx2="dk2" accent1="accent1" accent2="accent2" accent3="accent3" accent4="accent4" accent5="accent5" accent6="accent6" hlink="hlink" folHlink="folHlink"/>
+  <p:clrMap bg1="lt1" tx1="dk1" bg2="lt2" tx2="dk2" accent1="accent1" accent2="accent2" accent3="accent3" accent4="accent4" accent5="accent5" accent6="accent6" hlink="hlink" folHlink="folHlink"/>
   <p:sldLayoutIdLst>
-    <p:sldLayoutId id="2147483688" r:id="rId3"/>
-    <p:sldLayoutId id="2147483689" r:id="rId4"/>
-    <p:sldLayoutId id="2147483690" r:id="rId5"/>
-    <p:sldLayoutId id="2147483691" r:id="rId6"/>
-    <p:sldLayoutId id="2147483692" r:id="rId7"/>
-    <p:sldLayoutId id="2147483693" r:id="rId8"/>
-    <p:sldLayoutId id="2147483694" r:id="rId9"/>
-    <p:sldLayoutId id="2147483695" r:id="rId10"/>
-    <p:sldLayoutId id="2147483696" r:id="rId11"/>
-    <p:sldLayoutId id="2147483697" r:id="rId12"/>
-    <p:sldLayoutId id="2147483698" r:id="rId13"/>
-    <p:sldLayoutId id="2147483699" r:id="rId14"/>
+    <p:sldLayoutId id="2147483688" r:id="rId1"/>
+    <p:sldLayoutId id="2147483689" r:id="rId2"/>
+    <p:sldLayoutId id="2147483690" r:id="rId3"/>
+    <p:sldLayoutId id="2147483691" r:id="rId4"/>
+    <p:sldLayoutId id="2147483692" r:id="rId5"/>
+    <p:sldLayoutId id="2147483693" r:id="rId6"/>
+    <p:sldLayoutId id="2147483694" r:id="rId7"/>
+    <p:sldLayoutId id="2147483695" r:id="rId8"/>
+    <p:sldLayoutId id="2147483696" r:id="rId9"/>
+    <p:sldLayoutId id="2147483697" r:id="rId10"/>
+    <p:sldLayoutId id="2147483698" r:id="rId11"/>
+    <p:sldLayoutId id="2147483699" r:id="rId12"/>
   </p:sldLayoutIdLst>
+  <p:txStyles>
+    <p:titleStyle>
+      <a:lvl1pPr algn="l" defTabSz="914400" rtl="0" eaLnBrk="1" latinLnBrk="0" hangingPunct="1">
+        <a:lnSpc>
+          <a:spcPct val="90000"/>
+        </a:lnSpc>
+        <a:spcBef>
+          <a:spcPct val="0"/>
+        </a:spcBef>
+        <a:buNone/>
+        <a:defRPr sz="4400" kern="1200">
+          <a:solidFill>
+            <a:schemeClr val="tx1"/>
+          </a:solidFill>
+          <a:latin typeface="+mj-lt"/>
+          <a:ea typeface="+mj-ea"/>
+          <a:cs typeface="+mj-cs"/>
+        </a:defRPr>
+      </a:lvl1pPr>
+    </p:titleStyle>
+    <p:bodyStyle>
+      <a:lvl1pPr marL="228600" indent="-228600" algn="l" defTabSz="914400" rtl="0" eaLnBrk="1" latinLnBrk="0" hangingPunct="1">
+        <a:lnSpc>
+          <a:spcPct val="90000"/>
+        </a:lnSpc>
+        <a:spcBef>
+          <a:spcPts val="1000"/>
+        </a:spcBef>
+        <a:buFont typeface="Arial" panose="020B0604020202020204" pitchFamily="34" charset="0"/>
+        <a:buChar char="•"/>
+        <a:defRPr sz="2800" kern="1200">
+          <a:solidFill>
+            <a:schemeClr val="tx1"/>
+          </a:solidFill>
+          <a:latin typeface="+mn-lt"/>
+          <a:ea typeface="+mn-ea"/>
+          <a:cs typeface="+mn-cs"/>
+        </a:defRPr>
+      </a:lvl1pPr>
+      <a:lvl2pPr marL="685800" indent="-228600" algn="l" defTabSz="914400" rtl="0" eaLnBrk="1" latinLnBrk="0" hangingPunct="1">
+        <a:lnSpc>
+          <a:spcPct val="90000"/>
+        </a:lnSpc>
+        <a:spcBef>
+          <a:spcPts val="500"/>
+        </a:spcBef>
+        <a:buFont typeface="Arial" panose="020B0604020202020204" pitchFamily="34" charset="0"/>
+        <a:buChar char="•"/>
+        <a:defRPr sz="2400" kern="1200">
+          <a:solidFill>
+            <a:schemeClr val="tx1"/>
+          </a:solidFill>
+          <a:latin typeface="+mn-lt"/>
+          <a:ea typeface="+mn-ea"/>
+          <a:cs typeface="+mn-cs"/>
+        </a:defRPr>
+      </a:lvl2pPr>
+      <a:lvl3pPr marL="1143000" indent="-228600" algn="l" defTabSz="914400" rtl="0" eaLnBrk="1" latinLnBrk="0" hangingPunct="1">
+        <a:lnSpc>
+          <a:spcPct val="90000"/>
+        </a:lnSpc>
+        <a:spcBef>
+          <a:spcPts val="500"/>
+        </a:spcBef>
+        <a:buFont typeface="Arial" panose="020B0604020202020204" pitchFamily="34" charset="0"/>
+        <a:buChar char="•"/>
+        <a:defRPr sz="2000" kern="1200">
+          <a:solidFill>
+            <a:schemeClr val="tx1"/>
+          </a:solidFill>
+          <a:latin typeface="+mn-lt"/>
+          <a:ea typeface="+mn-ea"/>
+          <a:cs typeface="+mn-cs"/>
+        </a:defRPr>
+      </a:lvl3pPr>
+      <a:lvl4pPr marL="1600200" indent="-228600" algn="l" defTabSz="914400" rtl="0" eaLnBrk="1" latinLnBrk="0" hangingPunct="1">
+        <a:lnSpc>
+          <a:spcPct val="90000"/>
+        </a:lnSpc>
+        <a:spcBef>
+          <a:spcPts val="500"/>
+        </a:spcBef>
+        <a:buFont typeface="Arial" panose="020B0604020202020204" pitchFamily="34" charset="0"/>
+        <a:buChar char="•"/>
+        <a:defRPr sz="1800" kern="1200">
+          <a:solidFill>
+            <a:schemeClr val="tx1"/>
+          </a:solidFill>
+          <a:latin typeface="+mn-lt"/>
+          <a:ea typeface="+mn-ea"/>
+          <a:cs typeface="+mn-cs"/>
+        </a:defRPr>
+      </a:lvl4pPr>
+      <a:lvl5pPr marL="2057400" indent="-228600" algn="l" defTabSz="914400" rtl="0" eaLnBrk="1" latinLnBrk="0" hangingPunct="1">
+        <a:lnSpc>
+          <a:spcPct val="90000"/>
+        </a:lnSpc>
+        <a:spcBef>
+          <a:spcPts val="500"/>
+        </a:spcBef>
+        <a:buFont typeface="Arial" panose="020B0604020202020204" pitchFamily="34" charset="0"/>
+        <a:buChar char="•"/>
+        <a:defRPr sz="1800" kern="1200">
+          <a:solidFill>
+            <a:schemeClr val="tx1"/>
+          </a:solidFill>
+          <a:latin typeface="+mn-lt"/>
+          <a:ea typeface="+mn-ea"/>
+          <a:cs typeface="+mn-cs"/>
+        </a:defRPr>
+      </a:lvl5pPr>
+      <a:lvl6pPr marL="2514600" indent="-228600" algn="l" defTabSz="914400" rtl="0" eaLnBrk="1" latinLnBrk="0" hangingPunct="1">
+        <a:lnSpc>
+          <a:spcPct val="90000"/>
+        </a:lnSpc>
+        <a:spcBef>
+          <a:spcPts val="500"/>
+        </a:spcBef>
+        <a:buFont typeface="Arial" panose="020B0604020202020204" pitchFamily="34" charset="0"/>
+        <a:buChar char="•"/>
+        <a:defRPr sz="1800" kern="1200">
+          <a:solidFill>
+            <a:schemeClr val="tx1"/>
+          </a:solidFill>
+          <a:latin typeface="+mn-lt"/>
+          <a:ea typeface="+mn-ea"/>
+          <a:cs typeface="+mn-cs"/>
+        </a:defRPr>
+      </a:lvl6pPr>
+      <a:lvl7pPr marL="2971800" indent="-228600" algn="l" defTabSz="914400" rtl="0" eaLnBrk="1" latinLnBrk="0" hangingPunct="1">
+        <a:lnSpc>
+          <a:spcPct val="90000"/>
+        </a:lnSpc>
+        <a:spcBef>
+          <a:spcPts val="500"/>
+        </a:spcBef>
+        <a:buFont typeface="Arial" panose="020B0604020202020204" pitchFamily="34" charset="0"/>
+        <a:buChar char="•"/>
+        <a:defRPr sz="1800" kern="1200">
+          <a:solidFill>
+            <a:schemeClr val="tx1"/>
+          </a:solidFill>
+          <a:latin typeface="+mn-lt"/>
+          <a:ea typeface="+mn-ea"/>
+          <a:cs typeface="+mn-cs"/>
+        </a:defRPr>
+      </a:lvl7pPr>
+      <a:lvl8pPr marL="3429000" indent="-228600" algn="l" defTabSz="914400" rtl="0" eaLnBrk="1" latinLnBrk="0" hangingPunct="1">
+        <a:lnSpc>
+          <a:spcPct val="90000"/>
+        </a:lnSpc>
+        <a:spcBef>
+          <a:spcPts val="500"/>
+        </a:spcBef>
+        <a:buFont typeface="Arial" panose="020B0604020202020204" pitchFamily="34" charset="0"/>
+        <a:buChar char="•"/>
+        <a:defRPr sz="1800" kern="1200">
+          <a:solidFill>
+            <a:schemeClr val="tx1"/>
+          </a:solidFill>
+          <a:latin typeface="+mn-lt"/>
+          <a:ea typeface="+mn-ea"/>
+          <a:cs typeface="+mn-cs"/>
+        </a:defRPr>
+      </a:lvl8pPr>
+      <a:lvl9pPr marL="3886200" indent="-228600" algn="l" defTabSz="914400" rtl="0" eaLnBrk="1" latinLnBrk="0" hangingPunct="1">
+        <a:lnSpc>
+          <a:spcPct val="90000"/>
+        </a:lnSpc>
+        <a:spcBef>
+          <a:spcPts val="500"/>
+        </a:spcBef>
+        <a:buFont typeface="Arial" panose="020B0604020202020204" pitchFamily="34" charset="0"/>
+        <a:buChar char="•"/>
+        <a:defRPr sz="1800" kern="1200">
+          <a:solidFill>
+            <a:schemeClr val="tx1"/>
+          </a:solidFill>
+          <a:latin typeface="+mn-lt"/>
+          <a:ea typeface="+mn-ea"/>
+          <a:cs typeface="+mn-cs"/>
+        </a:defRPr>
+      </a:lvl9pPr>
+    </p:bodyStyle>
+    <p:otherStyle>
+      <a:defPPr>
+        <a:defRPr lang="cs-CZ"/>
+      </a:defPPr>
+      <a:lvl1pPr marL="0" algn="l" defTabSz="914400" rtl="0" eaLnBrk="1" latinLnBrk="0" hangingPunct="1">
+        <a:defRPr sz="1800" kern="1200">
+          <a:solidFill>
+            <a:schemeClr val="tx1"/>
+          </a:solidFill>
+          <a:latin typeface="+mn-lt"/>
+          <a:ea typeface="+mn-ea"/>
+          <a:cs typeface="+mn-cs"/>
+        </a:defRPr>
+      </a:lvl1pPr>
+      <a:lvl2pPr marL="457200" algn="l" defTabSz="914400" rtl="0" eaLnBrk="1" latinLnBrk="0" hangingPunct="1">
+        <a:defRPr sz="1800" kern="1200">
+          <a:solidFill>
+            <a:schemeClr val="tx1"/>
+          </a:solidFill>
+          <a:latin typeface="+mn-lt"/>
+          <a:ea typeface="+mn-ea"/>
+          <a:cs typeface="+mn-cs"/>
+        </a:defRPr>
+      </a:lvl2pPr>
+      <a:lvl3pPr marL="914400" algn="l" defTabSz="914400" rtl="0" eaLnBrk="1" latinLnBrk="0" hangingPunct="1">
+        <a:defRPr sz="1800" kern="1200">
+          <a:solidFill>
+            <a:schemeClr val="tx1"/>
+          </a:solidFill>
+          <a:latin typeface="+mn-lt"/>
+          <a:ea typeface="+mn-ea"/>
+          <a:cs typeface="+mn-cs"/>
+        </a:defRPr>
+      </a:lvl3pPr>
+      <a:lvl4pPr marL="1371600" algn="l" defTabSz="914400" rtl="0" eaLnBrk="1" latinLnBrk="0" hangingPunct="1">
+        <a:defRPr sz="1800" kern="1200">
+          <a:solidFill>
+            <a:schemeClr val="tx1"/>
+          </a:solidFill>
+          <a:latin typeface="+mn-lt"/>
+          <a:ea typeface="+mn-ea"/>
+          <a:cs typeface="+mn-cs"/>
+        </a:defRPr>
+      </a:lvl4pPr>
+      <a:lvl5pPr marL="1828800" algn="l" defTabSz="914400" rtl="0" eaLnBrk="1" latinLnBrk="0" hangingPunct="1">
+        <a:defRPr sz="1800" kern="1200">
+          <a:solidFill>
+            <a:schemeClr val="tx1"/>
+          </a:solidFill>
+          <a:latin typeface="+mn-lt"/>
+          <a:ea typeface="+mn-ea"/>
+          <a:cs typeface="+mn-cs"/>
+        </a:defRPr>
+      </a:lvl5pPr>
+      <a:lvl6pPr marL="2286000" algn="l" defTabSz="914400" rtl="0" eaLnBrk="1" latinLnBrk="0" hangingPunct="1">
+        <a:defRPr sz="1800" kern="1200">
+          <a:solidFill>
+            <a:schemeClr val="tx1"/>
+          </a:solidFill>
+          <a:latin typeface="+mn-lt"/>
+          <a:ea typeface="+mn-ea"/>
+          <a:cs typeface="+mn-cs"/>
+        </a:defRPr>
+      </a:lvl6pPr>
+      <a:lvl7pPr marL="2743200" algn="l" defTabSz="914400" rtl="0" eaLnBrk="1" latinLnBrk="0" hangingPunct="1">
+        <a:defRPr sz="1800" kern="1200">
+          <a:solidFill>
+            <a:schemeClr val="tx1"/>
+          </a:solidFill>
+          <a:latin typeface="+mn-lt"/>
+          <a:ea typeface="+mn-ea"/>
+          <a:cs typeface="+mn-cs"/>
+        </a:defRPr>
+      </a:lvl7pPr>
+      <a:lvl8pPr marL="3200400" algn="l" defTabSz="914400" rtl="0" eaLnBrk="1" latinLnBrk="0" hangingPunct="1">
+        <a:defRPr sz="1800" kern="1200">
+          <a:solidFill>
+            <a:schemeClr val="tx1"/>
+          </a:solidFill>
+          <a:latin typeface="+mn-lt"/>
+          <a:ea typeface="+mn-ea"/>
+          <a:cs typeface="+mn-cs"/>
+        </a:defRPr>
+      </a:lvl8pPr>
+      <a:lvl9pPr marL="3657600" algn="l" defTabSz="914400" rtl="0" eaLnBrk="1" latinLnBrk="0" hangingPunct="1">
+        <a:defRPr sz="1800" kern="1200">
+          <a:solidFill>
+            <a:schemeClr val="tx1"/>
+          </a:solidFill>
+          <a:latin typeface="+mn-lt"/>
+          <a:ea typeface="+mn-ea"/>
+          <a:cs typeface="+mn-cs"/>
+        </a:defRPr>
+      </a:lvl9pPr>
+    </p:otherStyle>
+  </p:txStyles>
 </p:sldMaster>
 </file>
 
 <file path=ppt/slides/slide1.xml><?xml version="1.0" encoding="utf-8"?>
-<p:sld xmlns:a="http://schemas.openxmlformats.org/drawingml/2006/main" xmlns:p="http://schemas.openxmlformats.org/presentationml/2006/main" xmlns:r="http://schemas.openxmlformats.org/officeDocument/2006/relationships" xmlns:p14="http://schemas.microsoft.com/office/powerpoint/2010/main" xmlns:p15="http://schemas.microsoft.com/office/powerpoint/2012/main" xmlns:mc="http://schemas.openxmlformats.org/markup-compatibility/2006">
+<p:sld xmlns:a="http://schemas.openxmlformats.org/drawingml/2006/main" xmlns:r="http://schemas.openxmlformats.org/officeDocument/2006/relationships" xmlns:p="http://schemas.openxmlformats.org/presentationml/2006/main">
   <p:cSld>
     <p:spTree>
       <p:nvGrpSpPr>
@@ -6425,15 +7844,22 @@
           </a:ln>
         </p:spPr>
         <p:style>
-          <a:lnRef idx="0"/>
-          <a:fillRef idx="0"/>
-          <a:effectRef idx="0"/>
+          <a:lnRef idx="0">
+            <a:scrgbClr r="0" g="0" b="0"/>
+          </a:lnRef>
+          <a:fillRef idx="0">
+            <a:scrgbClr r="0" g="0" b="0"/>
+          </a:fillRef>
+          <a:effectRef idx="0">
+            <a:scrgbClr r="0" g="0" b="0"/>
+          </a:effectRef>
           <a:fontRef idx="minor"/>
         </p:style>
         <p:txBody>
-          <a:bodyPr lIns="0" rIns="0" tIns="0" bIns="0" anchor="ctr">
-            <a:normAutofit/>
-          </a:bodyPr>
+          <a:bodyPr lIns="0" tIns="0" rIns="0" bIns="0" anchor="ctr">
+            <a:normAutofit/>
+          </a:bodyPr>
+          <a:lstStyle/>
           <a:p>
             <a:pPr algn="ctr">
               <a:lnSpc>
@@ -6441,16 +7867,16 @@
               </a:lnSpc>
             </a:pPr>
             <a:r>
-              <a:rPr b="0" lang="cs-CZ" sz="4400" spc="-1" strike="noStrike">
+              <a:rPr lang="cs-CZ" sz="4400" b="0" strike="noStrike" spc="-1" dirty="0">
                 <a:solidFill>
-                  <a:srgbClr val="ffffff"/>
+                  <a:srgbClr val="FFFFFF"/>
                 </a:solidFill>
                 <a:latin typeface="Ubuntu"/>
                 <a:ea typeface="DejaVu Sans"/>
               </a:rPr>
-              <a:t>1-1 LED – úvod, vypis textu</a:t>
+              <a:t>1-1 LED – úvod, výpis textu</a:t>
             </a:r>
-            <a:endParaRPr b="0" lang="cs-CZ" sz="4400" spc="-1" strike="noStrike">
+            <a:endParaRPr lang="cs-CZ" sz="4400" b="0" strike="noStrike" spc="-1" dirty="0">
               <a:latin typeface="Arial"/>
             </a:endParaRPr>
           </a:p>
@@ -6476,13 +7902,20 @@
           </a:ln>
         </p:spPr>
         <p:style>
-          <a:lnRef idx="0"/>
-          <a:fillRef idx="0"/>
-          <a:effectRef idx="0"/>
+          <a:lnRef idx="0">
+            <a:scrgbClr r="0" g="0" b="0"/>
+          </a:lnRef>
+          <a:fillRef idx="0">
+            <a:scrgbClr r="0" g="0" b="0"/>
+          </a:fillRef>
+          <a:effectRef idx="0">
+            <a:scrgbClr r="0" g="0" b="0"/>
+          </a:effectRef>
           <a:fontRef idx="minor"/>
         </p:style>
         <p:txBody>
-          <a:bodyPr lIns="90000" rIns="90000" tIns="45000" bIns="45000"/>
+          <a:bodyPr lIns="90000" tIns="45000" rIns="90000" bIns="45000"/>
+          <a:lstStyle/>
           <a:p>
             <a:pPr>
               <a:lnSpc>
@@ -6490,7 +7923,7 @@
               </a:lnSpc>
             </a:pPr>
             <a:r>
-              <a:rPr b="0" lang="cs-CZ" sz="6000" spc="-1" strike="noStrike">
+              <a:rPr lang="cs-CZ" sz="6000" b="0" strike="noStrike" spc="-1">
                 <a:solidFill>
                   <a:srgbClr val="000000"/>
                 </a:solidFill>
@@ -6499,7 +7932,7 @@
               </a:rPr>
               <a:t>PRIM – Micro:bit</a:t>
             </a:r>
-            <a:endParaRPr b="0" lang="cs-CZ" sz="6000" spc="-1" strike="noStrike">
+            <a:endParaRPr lang="cs-CZ" sz="6000" b="0" strike="noStrike" spc="-1">
               <a:latin typeface="Arial"/>
             </a:endParaRPr>
           </a:p>
@@ -6507,6 +7940,9 @@
       </p:sp>
     </p:spTree>
   </p:cSld>
+  <p:clrMapOvr>
+    <a:masterClrMapping/>
+  </p:clrMapOvr>
   <p:timing>
     <p:tnLst>
       <p:par>
@@ -6515,14 +7951,14 @@
             <p:seq>
               <p:cTn id="2" dur="indefinite" nodeType="mainSeq"/>
               <p:prevCondLst>
-                <p:cond delay="0" evt="onPrev">
+                <p:cond evt="onPrev" delay="0">
                   <p:tgtEl>
                     <p:sldTgt/>
                   </p:tgtEl>
                 </p:cond>
               </p:prevCondLst>
               <p:nextCondLst>
-                <p:cond delay="0" evt="onNext">
+                <p:cond evt="onNext" delay="0">
                   <p:tgtEl>
                     <p:sldTgt/>
                   </p:tgtEl>
@@ -6538,7 +7974,7 @@
 </file>
 
 <file path=ppt/slides/slide2.xml><?xml version="1.0" encoding="utf-8"?>
-<p:sld xmlns:a="http://schemas.openxmlformats.org/drawingml/2006/main" xmlns:p="http://schemas.openxmlformats.org/presentationml/2006/main" xmlns:r="http://schemas.openxmlformats.org/officeDocument/2006/relationships" xmlns:p14="http://schemas.microsoft.com/office/powerpoint/2010/main" xmlns:p15="http://schemas.microsoft.com/office/powerpoint/2012/main" xmlns:mc="http://schemas.openxmlformats.org/markup-compatibility/2006">
+<p:sld xmlns:a="http://schemas.openxmlformats.org/drawingml/2006/main" xmlns:r="http://schemas.openxmlformats.org/officeDocument/2006/relationships" xmlns:p="http://schemas.openxmlformats.org/presentationml/2006/main">
   <p:cSld>
     <p:spTree>
       <p:nvGrpSpPr>
@@ -6574,15 +8010,22 @@
           </a:ln>
         </p:spPr>
         <p:style>
-          <a:lnRef idx="0"/>
-          <a:fillRef idx="0"/>
-          <a:effectRef idx="0"/>
+          <a:lnRef idx="0">
+            <a:scrgbClr r="0" g="0" b="0"/>
+          </a:lnRef>
+          <a:fillRef idx="0">
+            <a:scrgbClr r="0" g="0" b="0"/>
+          </a:fillRef>
+          <a:effectRef idx="0">
+            <a:scrgbClr r="0" g="0" b="0"/>
+          </a:effectRef>
           <a:fontRef idx="minor"/>
         </p:style>
         <p:txBody>
-          <a:bodyPr lIns="0" rIns="0" tIns="0" bIns="0" anchor="ctr">
-            <a:normAutofit/>
-          </a:bodyPr>
+          <a:bodyPr lIns="0" tIns="0" rIns="0" bIns="0" anchor="ctr">
+            <a:normAutofit/>
+          </a:bodyPr>
+          <a:lstStyle/>
           <a:p>
             <a:pPr algn="ctr">
               <a:lnSpc>
@@ -6590,16 +8033,16 @@
               </a:lnSpc>
             </a:pPr>
             <a:r>
-              <a:rPr b="0" lang="cs-CZ" sz="4400" spc="-1" strike="noStrike">
+              <a:rPr lang="cs-CZ" sz="4400" b="0" strike="noStrike" spc="-1">
                 <a:solidFill>
-                  <a:srgbClr val="ffffff"/>
+                  <a:srgbClr val="FFFFFF"/>
                 </a:solidFill>
                 <a:latin typeface="Ubuntu"/>
                 <a:ea typeface="DejaVu Sans"/>
               </a:rPr>
               <a:t>Co je micro:bit</a:t>
             </a:r>
-            <a:endParaRPr b="0" lang="cs-CZ" sz="4400" spc="-1" strike="noStrike">
+            <a:endParaRPr lang="cs-CZ" sz="4400" b="0" strike="noStrike" spc="-1">
               <a:latin typeface="Arial"/>
             </a:endParaRPr>
           </a:p>
@@ -6607,30 +8050,7 @@
       </p:sp>
       <p:pic>
         <p:nvPicPr>
-          <p:cNvPr id="155" name="" descr=""/>
-          <p:cNvPicPr/>
-          <p:nvPr/>
-        </p:nvPicPr>
-        <p:blipFill>
-          <a:blip r:embed="rId1"/>
-          <a:stretch/>
-        </p:blipFill>
-        <p:spPr>
-          <a:xfrm>
-            <a:off x="864000" y="2376000"/>
-            <a:ext cx="4102920" cy="3458520"/>
-          </a:xfrm>
-          <a:prstGeom prst="rect">
-            <a:avLst/>
-          </a:prstGeom>
-          <a:ln>
-            <a:noFill/>
-          </a:ln>
-        </p:spPr>
-      </p:pic>
-      <p:pic>
-        <p:nvPicPr>
-          <p:cNvPr id="156" name="" descr=""/>
+          <p:cNvPr id="155" name="Obrázek 154"/>
           <p:cNvPicPr/>
           <p:nvPr/>
         </p:nvPicPr>
@@ -6640,8 +8060,8 @@
         </p:blipFill>
         <p:spPr>
           <a:xfrm>
-            <a:off x="5472000" y="2376000"/>
-            <a:ext cx="4104000" cy="3465720"/>
+            <a:off x="864000" y="2376000"/>
+            <a:ext cx="4102920" cy="3458520"/>
           </a:xfrm>
           <a:prstGeom prst="rect">
             <a:avLst/>
@@ -6651,24 +8071,50 @@
           </a:ln>
         </p:spPr>
       </p:pic>
+      <p:pic>
+        <p:nvPicPr>
+          <p:cNvPr id="156" name="Obrázek 155"/>
+          <p:cNvPicPr/>
+          <p:nvPr/>
+        </p:nvPicPr>
+        <p:blipFill>
+          <a:blip r:embed="rId3"/>
+          <a:stretch/>
+        </p:blipFill>
+        <p:spPr>
+          <a:xfrm>
+            <a:off x="5472000" y="2376000"/>
+            <a:ext cx="4104000" cy="3465720"/>
+          </a:xfrm>
+          <a:prstGeom prst="rect">
+            <a:avLst/>
+          </a:prstGeom>
+          <a:ln>
+            <a:noFill/>
+          </a:ln>
+        </p:spPr>
+      </p:pic>
     </p:spTree>
   </p:cSld>
+  <p:clrMapOvr>
+    <a:masterClrMapping/>
+  </p:clrMapOvr>
   <p:timing>
     <p:tnLst>
       <p:par>
-        <p:cTn id="3" dur="indefinite" restart="never" nodeType="tmRoot">
+        <p:cTn id="1" dur="indefinite" restart="never" nodeType="tmRoot">
           <p:childTnLst>
             <p:seq>
-              <p:cTn id="4" dur="indefinite" nodeType="mainSeq"/>
+              <p:cTn id="2" dur="indefinite" nodeType="mainSeq"/>
               <p:prevCondLst>
-                <p:cond delay="0" evt="onPrev">
+                <p:cond evt="onPrev" delay="0">
                   <p:tgtEl>
                     <p:sldTgt/>
                   </p:tgtEl>
                 </p:cond>
               </p:prevCondLst>
               <p:nextCondLst>
-                <p:cond delay="0" evt="onNext">
+                <p:cond evt="onNext" delay="0">
                   <p:tgtEl>
                     <p:sldTgt/>
                   </p:tgtEl>
@@ -6684,7 +8130,7 @@
 </file>
 
 <file path=ppt/slides/slide3.xml><?xml version="1.0" encoding="utf-8"?>
-<p:sld xmlns:a="http://schemas.openxmlformats.org/drawingml/2006/main" xmlns:p="http://schemas.openxmlformats.org/presentationml/2006/main" xmlns:r="http://schemas.openxmlformats.org/officeDocument/2006/relationships" xmlns:p14="http://schemas.microsoft.com/office/powerpoint/2010/main" xmlns:p15="http://schemas.microsoft.com/office/powerpoint/2012/main" xmlns:mc="http://schemas.openxmlformats.org/markup-compatibility/2006">
+<p:sld xmlns:a="http://schemas.openxmlformats.org/drawingml/2006/main" xmlns:r="http://schemas.openxmlformats.org/officeDocument/2006/relationships" xmlns:p="http://schemas.openxmlformats.org/presentationml/2006/main">
   <p:cSld>
     <p:spTree>
       <p:nvGrpSpPr>
@@ -6720,15 +8166,22 @@
           </a:ln>
         </p:spPr>
         <p:style>
-          <a:lnRef idx="0"/>
-          <a:fillRef idx="0"/>
-          <a:effectRef idx="0"/>
+          <a:lnRef idx="0">
+            <a:scrgbClr r="0" g="0" b="0"/>
+          </a:lnRef>
+          <a:fillRef idx="0">
+            <a:scrgbClr r="0" g="0" b="0"/>
+          </a:fillRef>
+          <a:effectRef idx="0">
+            <a:scrgbClr r="0" g="0" b="0"/>
+          </a:effectRef>
           <a:fontRef idx="minor"/>
         </p:style>
         <p:txBody>
-          <a:bodyPr lIns="0" rIns="0" tIns="0" bIns="0" anchor="ctr">
-            <a:normAutofit/>
-          </a:bodyPr>
+          <a:bodyPr lIns="0" tIns="0" rIns="0" bIns="0" anchor="ctr">
+            <a:normAutofit/>
+          </a:bodyPr>
+          <a:lstStyle/>
           <a:p>
             <a:pPr algn="ctr">
               <a:lnSpc>
@@ -6736,16 +8189,16 @@
               </a:lnSpc>
             </a:pPr>
             <a:r>
-              <a:rPr b="0" lang="cs-CZ" sz="4400" spc="-1" strike="noStrike">
+              <a:rPr lang="cs-CZ" sz="4400" b="0" strike="noStrike" spc="-1">
                 <a:solidFill>
-                  <a:srgbClr val="ffffff"/>
+                  <a:srgbClr val="FFFFFF"/>
                 </a:solidFill>
                 <a:latin typeface="Ubuntu"/>
                 <a:ea typeface="DejaVu Sans"/>
               </a:rPr>
               <a:t>Co je Mu</a:t>
             </a:r>
-            <a:endParaRPr b="0" lang="cs-CZ" sz="4400" spc="-1" strike="noStrike">
+            <a:endParaRPr lang="cs-CZ" sz="4400" b="0" strike="noStrike" spc="-1">
               <a:latin typeface="Arial"/>
             </a:endParaRPr>
           </a:p>
@@ -6753,12 +8206,12 @@
       </p:sp>
       <p:pic>
         <p:nvPicPr>
-          <p:cNvPr id="158" name="" descr=""/>
+          <p:cNvPr id="158" name="Obrázek 157"/>
           <p:cNvPicPr/>
           <p:nvPr/>
         </p:nvPicPr>
         <p:blipFill>
-          <a:blip r:embed="rId1"/>
+          <a:blip r:embed="rId2"/>
           <a:stretch/>
         </p:blipFill>
         <p:spPr>
@@ -6776,22 +8229,25 @@
       </p:pic>
     </p:spTree>
   </p:cSld>
+  <p:clrMapOvr>
+    <a:masterClrMapping/>
+  </p:clrMapOvr>
   <p:timing>
     <p:tnLst>
       <p:par>
-        <p:cTn id="5" dur="indefinite" restart="never" nodeType="tmRoot">
+        <p:cTn id="1" dur="indefinite" restart="never" nodeType="tmRoot">
           <p:childTnLst>
             <p:seq>
-              <p:cTn id="6" dur="indefinite" nodeType="mainSeq"/>
+              <p:cTn id="2" dur="indefinite" nodeType="mainSeq"/>
               <p:prevCondLst>
-                <p:cond delay="0" evt="onPrev">
+                <p:cond evt="onPrev" delay="0">
                   <p:tgtEl>
                     <p:sldTgt/>
                   </p:tgtEl>
                 </p:cond>
               </p:prevCondLst>
               <p:nextCondLst>
-                <p:cond delay="0" evt="onNext">
+                <p:cond evt="onNext" delay="0">
                   <p:tgtEl>
                     <p:sldTgt/>
                   </p:tgtEl>
@@ -6807,7 +8263,7 @@
 </file>
 
 <file path=ppt/slides/slide4.xml><?xml version="1.0" encoding="utf-8"?>
-<p:sld xmlns:a="http://schemas.openxmlformats.org/drawingml/2006/main" xmlns:p="http://schemas.openxmlformats.org/presentationml/2006/main" xmlns:r="http://schemas.openxmlformats.org/officeDocument/2006/relationships" xmlns:p14="http://schemas.microsoft.com/office/powerpoint/2010/main" xmlns:p15="http://schemas.microsoft.com/office/powerpoint/2012/main" xmlns:mc="http://schemas.openxmlformats.org/markup-compatibility/2006">
+<p:sld xmlns:a="http://schemas.openxmlformats.org/drawingml/2006/main" xmlns:r="http://schemas.openxmlformats.org/officeDocument/2006/relationships" xmlns:p="http://schemas.openxmlformats.org/presentationml/2006/main">
   <p:cSld>
     <p:spTree>
       <p:nvGrpSpPr>
@@ -6843,15 +8299,22 @@
           </a:ln>
         </p:spPr>
         <p:style>
-          <a:lnRef idx="0"/>
-          <a:fillRef idx="0"/>
-          <a:effectRef idx="0"/>
+          <a:lnRef idx="0">
+            <a:scrgbClr r="0" g="0" b="0"/>
+          </a:lnRef>
+          <a:fillRef idx="0">
+            <a:scrgbClr r="0" g="0" b="0"/>
+          </a:fillRef>
+          <a:effectRef idx="0">
+            <a:scrgbClr r="0" g="0" b="0"/>
+          </a:effectRef>
           <a:fontRef idx="minor"/>
         </p:style>
         <p:txBody>
-          <a:bodyPr lIns="0" rIns="0" tIns="0" bIns="0" anchor="ctr">
-            <a:normAutofit/>
-          </a:bodyPr>
+          <a:bodyPr lIns="0" tIns="0" rIns="0" bIns="0" anchor="ctr">
+            <a:normAutofit/>
+          </a:bodyPr>
+          <a:lstStyle/>
           <a:p>
             <a:pPr algn="ctr">
               <a:lnSpc>
@@ -6859,16 +8322,16 @@
               </a:lnSpc>
             </a:pPr>
             <a:r>
-              <a:rPr b="0" lang="cs-CZ" sz="4400" spc="-1" strike="noStrike">
+              <a:rPr lang="cs-CZ" sz="4400" b="0" strike="noStrike" spc="-1">
                 <a:solidFill>
-                  <a:srgbClr val="ffffff"/>
+                  <a:srgbClr val="FFFFFF"/>
                 </a:solidFill>
                 <a:latin typeface="Ubuntu"/>
                 <a:ea typeface="DejaVu Sans"/>
               </a:rPr>
               <a:t>První program</a:t>
             </a:r>
-            <a:endParaRPr b="0" lang="cs-CZ" sz="4400" spc="-1" strike="noStrike">
+            <a:endParaRPr lang="cs-CZ" sz="4400" b="0" strike="noStrike" spc="-1">
               <a:latin typeface="Arial"/>
             </a:endParaRPr>
           </a:p>
@@ -6894,15 +8357,22 @@
           </a:ln>
         </p:spPr>
         <p:style>
-          <a:lnRef idx="0"/>
-          <a:fillRef idx="0"/>
-          <a:effectRef idx="0"/>
+          <a:lnRef idx="0">
+            <a:scrgbClr r="0" g="0" b="0"/>
+          </a:lnRef>
+          <a:fillRef idx="0">
+            <a:scrgbClr r="0" g="0" b="0"/>
+          </a:fillRef>
+          <a:effectRef idx="0">
+            <a:scrgbClr r="0" g="0" b="0"/>
+          </a:effectRef>
           <a:fontRef idx="minor"/>
         </p:style>
         <p:txBody>
-          <a:bodyPr lIns="0" rIns="0" tIns="0" bIns="0">
-            <a:normAutofit/>
-          </a:bodyPr>
+          <a:bodyPr lIns="0" tIns="0" rIns="0" bIns="0">
+            <a:normAutofit/>
+          </a:bodyPr>
+          <a:lstStyle/>
           <a:p>
             <a:pPr>
               <a:lnSpc>
@@ -6910,7 +8380,7 @@
               </a:lnSpc>
             </a:pPr>
             <a:r>
-              <a:rPr b="0" lang="cs-CZ" sz="3600" spc="-1" strike="noStrike">
+              <a:rPr lang="cs-CZ" sz="3600" b="0" strike="noStrike" spc="-1">
                 <a:solidFill>
                   <a:srgbClr val="008000"/>
                 </a:solidFill>
@@ -6920,7 +8390,7 @@
               <a:t>from</a:t>
             </a:r>
             <a:r>
-              <a:rPr b="0" lang="cs-CZ" sz="3600" spc="-1" strike="noStrike">
+              <a:rPr lang="cs-CZ" sz="3600" b="0" strike="noStrike" spc="-1">
                 <a:solidFill>
                   <a:srgbClr val="000000"/>
                 </a:solidFill>
@@ -6930,9 +8400,9 @@
               <a:t> </a:t>
             </a:r>
             <a:r>
-              <a:rPr b="0" lang="cs-CZ" sz="3600" spc="-1" strike="noStrike">
+              <a:rPr lang="cs-CZ" sz="3600" b="0" strike="noStrike" spc="-1">
                 <a:solidFill>
-                  <a:srgbClr val="0000ff"/>
+                  <a:srgbClr val="0000FF"/>
                 </a:solidFill>
                 <a:latin typeface="Courier New"/>
                 <a:ea typeface="DejaVu Sans"/>
@@ -6940,7 +8410,7 @@
               <a:t>microbit</a:t>
             </a:r>
             <a:r>
-              <a:rPr b="0" lang="cs-CZ" sz="3600" spc="-1" strike="noStrike">
+              <a:rPr lang="cs-CZ" sz="3600" b="0" strike="noStrike" spc="-1">
                 <a:solidFill>
                   <a:srgbClr val="000000"/>
                 </a:solidFill>
@@ -6950,7 +8420,7 @@
               <a:t> </a:t>
             </a:r>
             <a:r>
-              <a:rPr b="0" lang="cs-CZ" sz="3600" spc="-1" strike="noStrike">
+              <a:rPr lang="cs-CZ" sz="3600" b="0" strike="noStrike" spc="-1">
                 <a:solidFill>
                   <a:srgbClr val="008000"/>
                 </a:solidFill>
@@ -6960,7 +8430,7 @@
               <a:t>import</a:t>
             </a:r>
             <a:r>
-              <a:rPr b="0" lang="cs-CZ" sz="3600" spc="-1" strike="noStrike">
+              <a:rPr lang="cs-CZ" sz="3600" b="0" strike="noStrike" spc="-1">
                 <a:solidFill>
                   <a:srgbClr val="000000"/>
                 </a:solidFill>
@@ -6970,7 +8440,7 @@
               <a:t> </a:t>
             </a:r>
             <a:r>
-              <a:rPr b="0" lang="cs-CZ" sz="3600" spc="-1" strike="noStrike">
+              <a:rPr lang="cs-CZ" sz="3600" b="0" strike="noStrike" spc="-1">
                 <a:solidFill>
                   <a:srgbClr val="666666"/>
                 </a:solidFill>
@@ -6979,7 +8449,7 @@
               </a:rPr>
               <a:t>*</a:t>
             </a:r>
-            <a:endParaRPr b="0" lang="cs-CZ" sz="3600" spc="-1" strike="noStrike">
+            <a:endParaRPr lang="cs-CZ" sz="3600" b="0" strike="noStrike" spc="-1">
               <a:latin typeface="Arial"/>
             </a:endParaRPr>
           </a:p>
@@ -6990,7 +8460,7 @@
               </a:lnSpc>
             </a:pPr>
             <a:r>
-              <a:rPr b="0" lang="cs-CZ" sz="3600" spc="-1" strike="noStrike">
+              <a:rPr lang="cs-CZ" sz="3600" b="0" strike="noStrike" spc="-1">
                 <a:solidFill>
                   <a:srgbClr val="000000"/>
                 </a:solidFill>
@@ -7000,7 +8470,7 @@
               <a:t>display</a:t>
             </a:r>
             <a:r>
-              <a:rPr b="0" lang="cs-CZ" sz="3600" spc="-1" strike="noStrike">
+              <a:rPr lang="cs-CZ" sz="3600" b="0" strike="noStrike" spc="-1">
                 <a:solidFill>
                   <a:srgbClr val="666666"/>
                 </a:solidFill>
@@ -7010,7 +8480,7 @@
               <a:t>.</a:t>
             </a:r>
             <a:r>
-              <a:rPr b="0" lang="cs-CZ" sz="3600" spc="-1" strike="noStrike">
+              <a:rPr lang="cs-CZ" sz="3600" b="0" strike="noStrike" spc="-1">
                 <a:solidFill>
                   <a:srgbClr val="000000"/>
                 </a:solidFill>
@@ -7020,9 +8490,9 @@
               <a:t>scroll(</a:t>
             </a:r>
             <a:r>
-              <a:rPr b="0" lang="cs-CZ" sz="3600" spc="-1" strike="noStrike">
+              <a:rPr lang="cs-CZ" sz="3600" b="0" strike="noStrike" spc="-1">
                 <a:solidFill>
-                  <a:srgbClr val="ba2121"/>
+                  <a:srgbClr val="BA2121"/>
                 </a:solidFill>
                 <a:latin typeface="Courier New"/>
                 <a:ea typeface="DejaVu Sans"/>
@@ -7030,7 +8500,7 @@
               <a:t>"Ahoj svete"</a:t>
             </a:r>
             <a:r>
-              <a:rPr b="0" lang="cs-CZ" sz="3600" spc="-1" strike="noStrike">
+              <a:rPr lang="cs-CZ" sz="3600" b="0" strike="noStrike" spc="-1">
                 <a:solidFill>
                   <a:srgbClr val="000000"/>
                 </a:solidFill>
@@ -7039,7 +8509,7 @@
               </a:rPr>
               <a:t>)</a:t>
             </a:r>
-            <a:endParaRPr b="0" lang="cs-CZ" sz="3600" spc="-1" strike="noStrike">
+            <a:endParaRPr lang="cs-CZ" sz="3600" b="0" strike="noStrike" spc="-1">
               <a:latin typeface="Arial"/>
             </a:endParaRPr>
           </a:p>
@@ -7047,22 +8517,25 @@
       </p:sp>
     </p:spTree>
   </p:cSld>
+  <p:clrMapOvr>
+    <a:masterClrMapping/>
+  </p:clrMapOvr>
   <p:timing>
     <p:tnLst>
       <p:par>
-        <p:cTn id="7" dur="indefinite" restart="never" nodeType="tmRoot">
+        <p:cTn id="1" dur="indefinite" restart="never" nodeType="tmRoot">
           <p:childTnLst>
             <p:seq>
-              <p:cTn id="8" dur="indefinite" nodeType="mainSeq"/>
+              <p:cTn id="2" dur="indefinite" nodeType="mainSeq"/>
               <p:prevCondLst>
-                <p:cond delay="0" evt="onPrev">
+                <p:cond evt="onPrev" delay="0">
                   <p:tgtEl>
                     <p:sldTgt/>
                   </p:tgtEl>
                 </p:cond>
               </p:prevCondLst>
               <p:nextCondLst>
-                <p:cond delay="0" evt="onNext">
+                <p:cond evt="onNext" delay="0">
                   <p:tgtEl>
                     <p:sldTgt/>
                   </p:tgtEl>
@@ -7078,7 +8551,7 @@
 </file>
 
 <file path=ppt/slides/slide5.xml><?xml version="1.0" encoding="utf-8"?>
-<p:sld xmlns:a="http://schemas.openxmlformats.org/drawingml/2006/main" xmlns:p="http://schemas.openxmlformats.org/presentationml/2006/main" xmlns:r="http://schemas.openxmlformats.org/officeDocument/2006/relationships" xmlns:p14="http://schemas.microsoft.com/office/powerpoint/2010/main" xmlns:p15="http://schemas.microsoft.com/office/powerpoint/2012/main" xmlns:mc="http://schemas.openxmlformats.org/markup-compatibility/2006">
+<p:sld xmlns:a="http://schemas.openxmlformats.org/drawingml/2006/main" xmlns:r="http://schemas.openxmlformats.org/officeDocument/2006/relationships" xmlns:p="http://schemas.openxmlformats.org/presentationml/2006/main">
   <p:cSld>
     <p:spTree>
       <p:nvGrpSpPr>
@@ -7114,15 +8587,22 @@
           </a:ln>
         </p:spPr>
         <p:style>
-          <a:lnRef idx="0"/>
-          <a:fillRef idx="0"/>
-          <a:effectRef idx="0"/>
+          <a:lnRef idx="0">
+            <a:scrgbClr r="0" g="0" b="0"/>
+          </a:lnRef>
+          <a:fillRef idx="0">
+            <a:scrgbClr r="0" g="0" b="0"/>
+          </a:fillRef>
+          <a:effectRef idx="0">
+            <a:scrgbClr r="0" g="0" b="0"/>
+          </a:effectRef>
           <a:fontRef idx="minor"/>
         </p:style>
         <p:txBody>
-          <a:bodyPr lIns="0" rIns="0" tIns="0" bIns="0" anchor="ctr">
-            <a:normAutofit/>
-          </a:bodyPr>
+          <a:bodyPr lIns="0" tIns="0" rIns="0" bIns="0" anchor="ctr">
+            <a:normAutofit/>
+          </a:bodyPr>
+          <a:lstStyle/>
           <a:p>
             <a:pPr algn="ctr">
               <a:lnSpc>
@@ -7130,16 +8610,16 @@
               </a:lnSpc>
             </a:pPr>
             <a:r>
-              <a:rPr b="0" lang="cs-CZ" sz="4400" spc="-1" strike="noStrike">
+              <a:rPr lang="cs-CZ" sz="4400" b="0" strike="noStrike" spc="-1">
                 <a:solidFill>
-                  <a:srgbClr val="ffffff"/>
+                  <a:srgbClr val="FFFFFF"/>
                 </a:solidFill>
                 <a:latin typeface="Ubuntu"/>
                 <a:ea typeface="DejaVu Sans"/>
               </a:rPr>
               <a:t>Program se smyčkou</a:t>
             </a:r>
-            <a:endParaRPr b="0" lang="cs-CZ" sz="4400" spc="-1" strike="noStrike">
+            <a:endParaRPr lang="cs-CZ" sz="4400" b="0" strike="noStrike" spc="-1">
               <a:latin typeface="Arial"/>
             </a:endParaRPr>
           </a:p>
@@ -7165,15 +8645,22 @@
           </a:ln>
         </p:spPr>
         <p:style>
-          <a:lnRef idx="0"/>
-          <a:fillRef idx="0"/>
-          <a:effectRef idx="0"/>
+          <a:lnRef idx="0">
+            <a:scrgbClr r="0" g="0" b="0"/>
+          </a:lnRef>
+          <a:fillRef idx="0">
+            <a:scrgbClr r="0" g="0" b="0"/>
+          </a:fillRef>
+          <a:effectRef idx="0">
+            <a:scrgbClr r="0" g="0" b="0"/>
+          </a:effectRef>
           <a:fontRef idx="minor"/>
         </p:style>
         <p:txBody>
-          <a:bodyPr lIns="0" rIns="0" tIns="0" bIns="0">
-            <a:normAutofit/>
-          </a:bodyPr>
+          <a:bodyPr lIns="0" tIns="0" rIns="0" bIns="0">
+            <a:normAutofit/>
+          </a:bodyPr>
+          <a:lstStyle/>
           <a:p>
             <a:pPr>
               <a:lnSpc>
@@ -7181,7 +8668,7 @@
               </a:lnSpc>
             </a:pPr>
             <a:r>
-              <a:rPr b="0" lang="cs-CZ" sz="3200" spc="-1" strike="noStrike">
+              <a:rPr lang="cs-CZ" sz="3200" b="0" strike="noStrike" spc="-1">
                 <a:solidFill>
                   <a:srgbClr val="000000"/>
                 </a:solidFill>
@@ -7191,7 +8678,7 @@
               <a:t> </a:t>
             </a:r>
             <a:r>
-              <a:rPr b="0" lang="cs-CZ" sz="3200" spc="-1" strike="noStrike">
+              <a:rPr lang="cs-CZ" sz="3200" b="0" strike="noStrike" spc="-1">
                 <a:solidFill>
                   <a:srgbClr val="008000"/>
                 </a:solidFill>
@@ -7201,7 +8688,7 @@
               <a:t>from</a:t>
             </a:r>
             <a:r>
-              <a:rPr b="0" lang="cs-CZ" sz="3200" spc="-1" strike="noStrike">
+              <a:rPr lang="cs-CZ" sz="3200" b="0" strike="noStrike" spc="-1">
                 <a:solidFill>
                   <a:srgbClr val="000000"/>
                 </a:solidFill>
@@ -7211,9 +8698,9 @@
               <a:t> </a:t>
             </a:r>
             <a:r>
-              <a:rPr b="0" lang="cs-CZ" sz="3200" spc="-1" strike="noStrike">
+              <a:rPr lang="cs-CZ" sz="3200" b="0" strike="noStrike" spc="-1">
                 <a:solidFill>
-                  <a:srgbClr val="0000ff"/>
+                  <a:srgbClr val="0000FF"/>
                 </a:solidFill>
                 <a:latin typeface="Courier New"/>
                 <a:ea typeface="DejaVu Sans"/>
@@ -7221,7 +8708,7 @@
               <a:t>microbit</a:t>
             </a:r>
             <a:r>
-              <a:rPr b="0" lang="cs-CZ" sz="3200" spc="-1" strike="noStrike">
+              <a:rPr lang="cs-CZ" sz="3200" b="0" strike="noStrike" spc="-1">
                 <a:solidFill>
                   <a:srgbClr val="000000"/>
                 </a:solidFill>
@@ -7231,7 +8718,7 @@
               <a:t> </a:t>
             </a:r>
             <a:r>
-              <a:rPr b="0" lang="cs-CZ" sz="3200" spc="-1" strike="noStrike">
+              <a:rPr lang="cs-CZ" sz="3200" b="0" strike="noStrike" spc="-1">
                 <a:solidFill>
                   <a:srgbClr val="008000"/>
                 </a:solidFill>
@@ -7241,7 +8728,7 @@
               <a:t>import</a:t>
             </a:r>
             <a:r>
-              <a:rPr b="0" lang="cs-CZ" sz="3200" spc="-1" strike="noStrike">
+              <a:rPr lang="cs-CZ" sz="3200" b="0" strike="noStrike" spc="-1">
                 <a:solidFill>
                   <a:srgbClr val="000000"/>
                 </a:solidFill>
@@ -7251,7 +8738,7 @@
               <a:t> </a:t>
             </a:r>
             <a:r>
-              <a:rPr b="0" lang="cs-CZ" sz="3200" spc="-1" strike="noStrike">
+              <a:rPr lang="cs-CZ" sz="3200" b="0" strike="noStrike" spc="-1">
                 <a:solidFill>
                   <a:srgbClr val="666666"/>
                 </a:solidFill>
@@ -7260,7 +8747,7 @@
               </a:rPr>
               <a:t>*</a:t>
             </a:r>
-            <a:endParaRPr b="0" lang="cs-CZ" sz="3200" spc="-1" strike="noStrike">
+            <a:endParaRPr lang="cs-CZ" sz="3200" b="0" strike="noStrike" spc="-1">
               <a:latin typeface="Arial"/>
             </a:endParaRPr>
           </a:p>
@@ -7271,7 +8758,7 @@
               </a:lnSpc>
             </a:pPr>
             <a:r>
-              <a:rPr b="0" lang="cs-CZ" sz="3200" spc="-1" strike="noStrike">
+              <a:rPr lang="cs-CZ" sz="3200" b="0" strike="noStrike" spc="-1">
                 <a:solidFill>
                   <a:srgbClr val="000000"/>
                 </a:solidFill>
@@ -7281,7 +8768,7 @@
               <a:t> </a:t>
             </a:r>
             <a:r>
-              <a:rPr b="0" lang="cs-CZ" sz="3200" spc="-1" strike="noStrike">
+              <a:rPr lang="cs-CZ" sz="3200" b="0" strike="noStrike" spc="-1">
                 <a:solidFill>
                   <a:srgbClr val="008000"/>
                 </a:solidFill>
@@ -7291,7 +8778,7 @@
               <a:t>while</a:t>
             </a:r>
             <a:r>
-              <a:rPr b="0" lang="cs-CZ" sz="3200" spc="-1" strike="noStrike">
+              <a:rPr lang="cs-CZ" sz="3200" b="0" strike="noStrike" spc="-1">
                 <a:solidFill>
                   <a:srgbClr val="000000"/>
                 </a:solidFill>
@@ -7301,7 +8788,7 @@
               <a:t> </a:t>
             </a:r>
             <a:r>
-              <a:rPr b="0" lang="cs-CZ" sz="3200" spc="-1" strike="noStrike">
+              <a:rPr lang="cs-CZ" sz="3200" b="0" strike="noStrike" spc="-1">
                 <a:solidFill>
                   <a:srgbClr val="008000"/>
                 </a:solidFill>
@@ -7311,7 +8798,7 @@
               <a:t>True</a:t>
             </a:r>
             <a:r>
-              <a:rPr b="0" lang="cs-CZ" sz="3200" spc="-1" strike="noStrike">
+              <a:rPr lang="cs-CZ" sz="3200" b="0" strike="noStrike" spc="-1">
                 <a:solidFill>
                   <a:srgbClr val="000000"/>
                 </a:solidFill>
@@ -7320,7 +8807,7 @@
               </a:rPr>
               <a:t>:</a:t>
             </a:r>
-            <a:endParaRPr b="0" lang="cs-CZ" sz="3200" spc="-1" strike="noStrike">
+            <a:endParaRPr lang="cs-CZ" sz="3200" b="0" strike="noStrike" spc="-1">
               <a:latin typeface="Arial"/>
             </a:endParaRPr>
           </a:p>
@@ -7331,27 +8818,17 @@
               </a:lnSpc>
             </a:pPr>
             <a:r>
-              <a:rPr b="0" lang="cs-CZ" sz="3200" spc="-1" strike="noStrike">
+              <a:rPr lang="cs-CZ" sz="3200" b="0" strike="noStrike" spc="-1">
                 <a:solidFill>
                   <a:srgbClr val="000000"/>
                 </a:solidFill>
                 <a:latin typeface="Courier New"/>
                 <a:ea typeface="DejaVu Sans"/>
               </a:rPr>
-              <a:t>     </a:t>
+              <a:t>     display</a:t>
             </a:r>
             <a:r>
-              <a:rPr b="0" lang="cs-CZ" sz="3200" spc="-1" strike="noStrike">
-                <a:solidFill>
-                  <a:srgbClr val="000000"/>
-                </a:solidFill>
-                <a:latin typeface="Courier New"/>
-                <a:ea typeface="DejaVu Sans"/>
-              </a:rPr>
-              <a:t>display</a:t>
-            </a:r>
-            <a:r>
-              <a:rPr b="0" lang="cs-CZ" sz="3200" spc="-1" strike="noStrike">
+              <a:rPr lang="cs-CZ" sz="3200" b="0" strike="noStrike" spc="-1">
                 <a:solidFill>
                   <a:srgbClr val="666666"/>
                 </a:solidFill>
@@ -7361,7 +8838,7 @@
               <a:t>.</a:t>
             </a:r>
             <a:r>
-              <a:rPr b="0" lang="cs-CZ" sz="3200" spc="-1" strike="noStrike">
+              <a:rPr lang="cs-CZ" sz="3200" b="0" strike="noStrike" spc="-1">
                 <a:solidFill>
                   <a:srgbClr val="000000"/>
                 </a:solidFill>
@@ -7371,9 +8848,9 @@
               <a:t>scroll(</a:t>
             </a:r>
             <a:r>
-              <a:rPr b="0" lang="cs-CZ" sz="3200" spc="-1" strike="noStrike">
+              <a:rPr lang="cs-CZ" sz="3200" b="0" strike="noStrike" spc="-1">
                 <a:solidFill>
-                  <a:srgbClr val="ba2121"/>
+                  <a:srgbClr val="BA2121"/>
                 </a:solidFill>
                 <a:latin typeface="Courier New"/>
                 <a:ea typeface="DejaVu Sans"/>
@@ -7381,7 +8858,7 @@
               <a:t>"Ahoj svete"</a:t>
             </a:r>
             <a:r>
-              <a:rPr b="0" lang="cs-CZ" sz="3200" spc="-1" strike="noStrike">
+              <a:rPr lang="cs-CZ" sz="3200" b="0" strike="noStrike" spc="-1">
                 <a:solidFill>
                   <a:srgbClr val="000000"/>
                 </a:solidFill>
@@ -7390,7 +8867,7 @@
               </a:rPr>
               <a:t>)</a:t>
             </a:r>
-            <a:endParaRPr b="0" lang="cs-CZ" sz="3200" spc="-1" strike="noStrike">
+            <a:endParaRPr lang="cs-CZ" sz="3200" b="0" strike="noStrike" spc="-1">
               <a:latin typeface="Arial"/>
             </a:endParaRPr>
           </a:p>
@@ -7401,27 +8878,17 @@
               </a:lnSpc>
             </a:pPr>
             <a:r>
-              <a:rPr b="0" lang="cs-CZ" sz="3200" spc="-1" strike="noStrike">
+              <a:rPr lang="cs-CZ" sz="3200" b="0" strike="noStrike" spc="-1">
                 <a:solidFill>
                   <a:srgbClr val="000000"/>
                 </a:solidFill>
                 <a:latin typeface="Courier New"/>
                 <a:ea typeface="DejaVu Sans"/>
               </a:rPr>
-              <a:t>     </a:t>
+              <a:t>     sleep(</a:t>
             </a:r>
             <a:r>
-              <a:rPr b="0" lang="cs-CZ" sz="3200" spc="-1" strike="noStrike">
-                <a:solidFill>
-                  <a:srgbClr val="000000"/>
-                </a:solidFill>
-                <a:latin typeface="Courier New"/>
-                <a:ea typeface="DejaVu Sans"/>
-              </a:rPr>
-              <a:t>sleep(</a:t>
-            </a:r>
-            <a:r>
-              <a:rPr b="0" lang="cs-CZ" sz="3200" spc="-1" strike="noStrike">
+              <a:rPr lang="cs-CZ" sz="3200" b="0" strike="noStrike" spc="-1">
                 <a:solidFill>
                   <a:srgbClr val="666666"/>
                 </a:solidFill>
@@ -7431,7 +8898,7 @@
               <a:t>1000</a:t>
             </a:r>
             <a:r>
-              <a:rPr b="0" lang="cs-CZ" sz="3200" spc="-1" strike="noStrike">
+              <a:rPr lang="cs-CZ" sz="3200" b="0" strike="noStrike" spc="-1">
                 <a:solidFill>
                   <a:srgbClr val="000000"/>
                 </a:solidFill>
@@ -7440,7 +8907,7 @@
               </a:rPr>
               <a:t>)</a:t>
             </a:r>
-            <a:endParaRPr b="0" lang="cs-CZ" sz="3200" spc="-1" strike="noStrike">
+            <a:endParaRPr lang="cs-CZ" sz="3200" b="0" strike="noStrike" spc="-1">
               <a:latin typeface="Arial"/>
             </a:endParaRPr>
           </a:p>
@@ -7448,22 +8915,25 @@
       </p:sp>
     </p:spTree>
   </p:cSld>
+  <p:clrMapOvr>
+    <a:masterClrMapping/>
+  </p:clrMapOvr>
   <p:timing>
     <p:tnLst>
       <p:par>
-        <p:cTn id="9" dur="indefinite" restart="never" nodeType="tmRoot">
+        <p:cTn id="1" dur="indefinite" restart="never" nodeType="tmRoot">
           <p:childTnLst>
             <p:seq>
-              <p:cTn id="10" dur="indefinite" nodeType="mainSeq"/>
+              <p:cTn id="2" dur="indefinite" nodeType="mainSeq"/>
               <p:prevCondLst>
-                <p:cond delay="0" evt="onPrev">
+                <p:cond evt="onPrev" delay="0">
                   <p:tgtEl>
                     <p:sldTgt/>
                   </p:tgtEl>
                 </p:cond>
               </p:prevCondLst>
               <p:nextCondLst>
-                <p:cond delay="0" evt="onNext">
+                <p:cond evt="onNext" delay="0">
                   <p:tgtEl>
                     <p:sldTgt/>
                   </p:tgtEl>
@@ -7489,31 +8959,31 @@
         <a:sysClr val="window" lastClr="FFFFFF"/>
       </a:lt1>
       <a:dk2>
-        <a:srgbClr val="1f497d"/>
+        <a:srgbClr val="1F497D"/>
       </a:dk2>
       <a:lt2>
-        <a:srgbClr val="eeece1"/>
+        <a:srgbClr val="EEECE1"/>
       </a:lt2>
       <a:accent1>
-        <a:srgbClr val="4f81bd"/>
+        <a:srgbClr val="4F81BD"/>
       </a:accent1>
       <a:accent2>
-        <a:srgbClr val="c0504d"/>
+        <a:srgbClr val="C0504D"/>
       </a:accent2>
       <a:accent3>
-        <a:srgbClr val="9bbb59"/>
+        <a:srgbClr val="9BBB59"/>
       </a:accent3>
       <a:accent4>
-        <a:srgbClr val="8064a2"/>
+        <a:srgbClr val="8064A2"/>
       </a:accent4>
       <a:accent5>
-        <a:srgbClr val="4bacc6"/>
+        <a:srgbClr val="4BACC6"/>
       </a:accent5>
       <a:accent6>
-        <a:srgbClr val="f79646"/>
+        <a:srgbClr val="F79646"/>
       </a:accent6>
       <a:hlink>
-        <a:srgbClr val="0000ff"/>
+        <a:srgbClr val="0000FF"/>
       </a:hlink>
       <a:folHlink>
         <a:srgbClr val="800080"/>
@@ -7698,6 +9168,8 @@
       </a:bgFillStyleLst>
     </a:fmtScheme>
   </a:themeElements>
+  <a:objectDefaults/>
+  <a:extraClrSchemeLst/>
 </a:theme>
 </file>
 
@@ -7712,31 +9184,31 @@
         <a:sysClr val="window" lastClr="FFFFFF"/>
       </a:lt1>
       <a:dk2>
-        <a:srgbClr val="1f497d"/>
+        <a:srgbClr val="1F497D"/>
       </a:dk2>
       <a:lt2>
-        <a:srgbClr val="eeece1"/>
+        <a:srgbClr val="EEECE1"/>
       </a:lt2>
       <a:accent1>
-        <a:srgbClr val="4f81bd"/>
+        <a:srgbClr val="4F81BD"/>
       </a:accent1>
       <a:accent2>
-        <a:srgbClr val="c0504d"/>
+        <a:srgbClr val="C0504D"/>
       </a:accent2>
       <a:accent3>
-        <a:srgbClr val="9bbb59"/>
+        <a:srgbClr val="9BBB59"/>
       </a:accent3>
       <a:accent4>
-        <a:srgbClr val="8064a2"/>
+        <a:srgbClr val="8064A2"/>
       </a:accent4>
       <a:accent5>
-        <a:srgbClr val="4bacc6"/>
+        <a:srgbClr val="4BACC6"/>
       </a:accent5>
       <a:accent6>
-        <a:srgbClr val="f79646"/>
+        <a:srgbClr val="F79646"/>
       </a:accent6>
       <a:hlink>
-        <a:srgbClr val="0000ff"/>
+        <a:srgbClr val="0000FF"/>
       </a:hlink>
       <a:folHlink>
         <a:srgbClr val="800080"/>
@@ -7921,6 +9393,8 @@
       </a:bgFillStyleLst>
     </a:fmtScheme>
   </a:themeElements>
+  <a:objectDefaults/>
+  <a:extraClrSchemeLst/>
 </a:theme>
 </file>
 
@@ -7935,31 +9409,31 @@
         <a:sysClr val="window" lastClr="FFFFFF"/>
       </a:lt1>
       <a:dk2>
-        <a:srgbClr val="1f497d"/>
+        <a:srgbClr val="1F497D"/>
       </a:dk2>
       <a:lt2>
-        <a:srgbClr val="eeece1"/>
+        <a:srgbClr val="EEECE1"/>
       </a:lt2>
       <a:accent1>
-        <a:srgbClr val="4f81bd"/>
+        <a:srgbClr val="4F81BD"/>
       </a:accent1>
       <a:accent2>
-        <a:srgbClr val="c0504d"/>
+        <a:srgbClr val="C0504D"/>
       </a:accent2>
       <a:accent3>
-        <a:srgbClr val="9bbb59"/>
+        <a:srgbClr val="9BBB59"/>
       </a:accent3>
       <a:accent4>
-        <a:srgbClr val="8064a2"/>
+        <a:srgbClr val="8064A2"/>
       </a:accent4>
       <a:accent5>
-        <a:srgbClr val="4bacc6"/>
+        <a:srgbClr val="4BACC6"/>
       </a:accent5>
       <a:accent6>
-        <a:srgbClr val="f79646"/>
+        <a:srgbClr val="F79646"/>
       </a:accent6>
       <a:hlink>
-        <a:srgbClr val="0000ff"/>
+        <a:srgbClr val="0000FF"/>
       </a:hlink>
       <a:folHlink>
         <a:srgbClr val="800080"/>
@@ -8144,6 +9618,8 @@
       </a:bgFillStyleLst>
     </a:fmtScheme>
   </a:themeElements>
+  <a:objectDefaults/>
+  <a:extraClrSchemeLst/>
 </a:theme>
 </file>
 
@@ -8158,31 +9634,31 @@
         <a:sysClr val="window" lastClr="FFFFFF"/>
       </a:lt1>
       <a:dk2>
-        <a:srgbClr val="1f497d"/>
+        <a:srgbClr val="1F497D"/>
       </a:dk2>
       <a:lt2>
-        <a:srgbClr val="eeece1"/>
+        <a:srgbClr val="EEECE1"/>
       </a:lt2>
       <a:accent1>
-        <a:srgbClr val="4f81bd"/>
+        <a:srgbClr val="4F81BD"/>
       </a:accent1>
       <a:accent2>
-        <a:srgbClr val="c0504d"/>
+        <a:srgbClr val="C0504D"/>
       </a:accent2>
       <a:accent3>
-        <a:srgbClr val="9bbb59"/>
+        <a:srgbClr val="9BBB59"/>
       </a:accent3>
       <a:accent4>
-        <a:srgbClr val="8064a2"/>
+        <a:srgbClr val="8064A2"/>
       </a:accent4>
       <a:accent5>
-        <a:srgbClr val="4bacc6"/>
+        <a:srgbClr val="4BACC6"/>
       </a:accent5>
       <a:accent6>
-        <a:srgbClr val="f79646"/>
+        <a:srgbClr val="F79646"/>
       </a:accent6>
       <a:hlink>
-        <a:srgbClr val="0000ff"/>
+        <a:srgbClr val="0000FF"/>
       </a:hlink>
       <a:folHlink>
         <a:srgbClr val="800080"/>
@@ -8367,5 +9843,7 @@
       </a:bgFillStyleLst>
     </a:fmtScheme>
   </a:themeElements>
+  <a:objectDefaults/>
+  <a:extraClrSchemeLst/>
 </a:theme>
 </file>